--- a/a_documents/Memo-guias.pptx
+++ b/a_documents/Memo-guias.pptx
@@ -6,7 +6,8 @@
   </p:sldMasterIdLst>
   <p:sldIdLst>
     <p:sldId id="256" r:id="rId2"/>
-    <p:sldId id="257" r:id="rId3"/>
+    <p:sldId id="258" r:id="rId3"/>
+    <p:sldId id="257" r:id="rId4"/>
   </p:sldIdLst>
   <p:sldSz cx="12192000" cy="6858000"/>
   <p:notesSz cx="6858000" cy="9144000"/>
@@ -260,7 +261,7 @@
           <a:p>
             <a:fld id="{1A195345-43D7-4548-9778-198339A6C996}" type="datetimeFigureOut">
               <a:rPr lang="es-ES" smtClean="0"/>
-              <a:t>16/12/2023</a:t>
+              <a:t>17/12/2023</a:t>
             </a:fld>
             <a:endParaRPr lang="es-ES"/>
           </a:p>
@@ -458,7 +459,7 @@
           <a:p>
             <a:fld id="{1A195345-43D7-4548-9778-198339A6C996}" type="datetimeFigureOut">
               <a:rPr lang="es-ES" smtClean="0"/>
-              <a:t>16/12/2023</a:t>
+              <a:t>17/12/2023</a:t>
             </a:fld>
             <a:endParaRPr lang="es-ES"/>
           </a:p>
@@ -666,7 +667,7 @@
           <a:p>
             <a:fld id="{1A195345-43D7-4548-9778-198339A6C996}" type="datetimeFigureOut">
               <a:rPr lang="es-ES" smtClean="0"/>
-              <a:t>16/12/2023</a:t>
+              <a:t>17/12/2023</a:t>
             </a:fld>
             <a:endParaRPr lang="es-ES"/>
           </a:p>
@@ -864,7 +865,7 @@
           <a:p>
             <a:fld id="{1A195345-43D7-4548-9778-198339A6C996}" type="datetimeFigureOut">
               <a:rPr lang="es-ES" smtClean="0"/>
-              <a:t>16/12/2023</a:t>
+              <a:t>17/12/2023</a:t>
             </a:fld>
             <a:endParaRPr lang="es-ES"/>
           </a:p>
@@ -1139,7 +1140,7 @@
           <a:p>
             <a:fld id="{1A195345-43D7-4548-9778-198339A6C996}" type="datetimeFigureOut">
               <a:rPr lang="es-ES" smtClean="0"/>
-              <a:t>16/12/2023</a:t>
+              <a:t>17/12/2023</a:t>
             </a:fld>
             <a:endParaRPr lang="es-ES"/>
           </a:p>
@@ -1404,7 +1405,7 @@
           <a:p>
             <a:fld id="{1A195345-43D7-4548-9778-198339A6C996}" type="datetimeFigureOut">
               <a:rPr lang="es-ES" smtClean="0"/>
-              <a:t>16/12/2023</a:t>
+              <a:t>17/12/2023</a:t>
             </a:fld>
             <a:endParaRPr lang="es-ES"/>
           </a:p>
@@ -1816,7 +1817,7 @@
           <a:p>
             <a:fld id="{1A195345-43D7-4548-9778-198339A6C996}" type="datetimeFigureOut">
               <a:rPr lang="es-ES" smtClean="0"/>
-              <a:t>16/12/2023</a:t>
+              <a:t>17/12/2023</a:t>
             </a:fld>
             <a:endParaRPr lang="es-ES"/>
           </a:p>
@@ -1957,7 +1958,7 @@
           <a:p>
             <a:fld id="{1A195345-43D7-4548-9778-198339A6C996}" type="datetimeFigureOut">
               <a:rPr lang="es-ES" smtClean="0"/>
-              <a:t>16/12/2023</a:t>
+              <a:t>17/12/2023</a:t>
             </a:fld>
             <a:endParaRPr lang="es-ES"/>
           </a:p>
@@ -2070,7 +2071,7 @@
           <a:p>
             <a:fld id="{1A195345-43D7-4548-9778-198339A6C996}" type="datetimeFigureOut">
               <a:rPr lang="es-ES" smtClean="0"/>
-              <a:t>16/12/2023</a:t>
+              <a:t>17/12/2023</a:t>
             </a:fld>
             <a:endParaRPr lang="es-ES"/>
           </a:p>
@@ -2381,7 +2382,7 @@
           <a:p>
             <a:fld id="{1A195345-43D7-4548-9778-198339A6C996}" type="datetimeFigureOut">
               <a:rPr lang="es-ES" smtClean="0"/>
-              <a:t>16/12/2023</a:t>
+              <a:t>17/12/2023</a:t>
             </a:fld>
             <a:endParaRPr lang="es-ES"/>
           </a:p>
@@ -2669,7 +2670,7 @@
           <a:p>
             <a:fld id="{1A195345-43D7-4548-9778-198339A6C996}" type="datetimeFigureOut">
               <a:rPr lang="es-ES" smtClean="0"/>
-              <a:t>16/12/2023</a:t>
+              <a:t>17/12/2023</a:t>
             </a:fld>
             <a:endParaRPr lang="es-ES"/>
           </a:p>
@@ -2910,7 +2911,7 @@
           <a:p>
             <a:fld id="{1A195345-43D7-4548-9778-198339A6C996}" type="datetimeFigureOut">
               <a:rPr lang="es-ES" smtClean="0"/>
-              <a:t>16/12/2023</a:t>
+              <a:t>17/12/2023</a:t>
             </a:fld>
             <a:endParaRPr lang="es-ES"/>
           </a:p>
@@ -3313,6 +3314,14 @@
 <file path=ppt/slides/slide1.xml><?xml version="1.0" encoding="utf-8"?>
 <p:sld xmlns:a="http://schemas.openxmlformats.org/drawingml/2006/main" xmlns:r="http://schemas.openxmlformats.org/officeDocument/2006/relationships" xmlns:p="http://schemas.openxmlformats.org/presentationml/2006/main">
   <p:cSld>
+    <p:bg>
+      <p:bgPr>
+        <a:solidFill>
+          <a:schemeClr val="tx1"/>
+        </a:solidFill>
+        <a:effectLst/>
+      </p:bgPr>
+    </p:bg>
     <p:spTree>
       <p:nvGrpSpPr>
         <p:cNvPr id="1" name=""/>
@@ -3327,12 +3336,42 @@
           <a:chExt cx="0" cy="0"/>
         </a:xfrm>
       </p:grpSpPr>
+      <p:pic>
+        <p:nvPicPr>
+          <p:cNvPr id="69" name="Imagen 68">
+            <a:extLst>
+              <a:ext uri="{FF2B5EF4-FFF2-40B4-BE49-F238E27FC236}">
+                <a16:creationId xmlns:a16="http://schemas.microsoft.com/office/drawing/2014/main" id="{FE26A1BB-193A-44AF-98AD-B74BDF2C96B8}"/>
+              </a:ext>
+            </a:extLst>
+          </p:cNvPr>
+          <p:cNvPicPr>
+            <a:picLocks noChangeAspect="1"/>
+          </p:cNvPicPr>
+          <p:nvPr/>
+        </p:nvPicPr>
+        <p:blipFill>
+          <a:blip r:embed="rId2"/>
+          <a:stretch>
+            <a:fillRect/>
+          </a:stretch>
+        </p:blipFill>
+        <p:spPr>
+          <a:xfrm>
+            <a:off x="8052224" y="240822"/>
+            <a:ext cx="2403616" cy="1608270"/>
+          </a:xfrm>
+          <a:prstGeom prst="rect">
+            <a:avLst/>
+          </a:prstGeom>
+        </p:spPr>
+      </p:pic>
       <p:sp>
         <p:nvSpPr>
-          <p:cNvPr id="17" name="Rectángulo 16">
-            <a:extLst>
-              <a:ext uri="{FF2B5EF4-FFF2-40B4-BE49-F238E27FC236}">
-                <a16:creationId xmlns:a16="http://schemas.microsoft.com/office/drawing/2014/main" id="{D688D8E6-4EBD-4679-811F-AAF8496A4886}"/>
+          <p:cNvPr id="16" name="Rectángulo: esquinas redondeadas 15">
+            <a:extLst>
+              <a:ext uri="{FF2B5EF4-FFF2-40B4-BE49-F238E27FC236}">
+                <a16:creationId xmlns:a16="http://schemas.microsoft.com/office/drawing/2014/main" id="{4F9AE3F3-C732-4DAA-B9D0-2B4BCD8C9FDD}"/>
               </a:ext>
             </a:extLst>
           </p:cNvPr>
@@ -3341,7 +3380,63 @@
         </p:nvSpPr>
         <p:spPr>
           <a:xfrm>
-            <a:off x="2096655" y="2046723"/>
+            <a:off x="6563386" y="3285001"/>
+            <a:ext cx="5094337" cy="2225490"/>
+          </a:xfrm>
+          <a:prstGeom prst="roundRect">
+            <a:avLst/>
+          </a:prstGeom>
+          <a:solidFill>
+            <a:schemeClr val="accent6"/>
+          </a:solidFill>
+          <a:ln>
+            <a:solidFill>
+              <a:schemeClr val="accent6">
+                <a:lumMod val="75000"/>
+              </a:schemeClr>
+            </a:solidFill>
+          </a:ln>
+        </p:spPr>
+        <p:style>
+          <a:lnRef idx="2">
+            <a:schemeClr val="accent1">
+              <a:shade val="50000"/>
+            </a:schemeClr>
+          </a:lnRef>
+          <a:fillRef idx="1">
+            <a:schemeClr val="accent1"/>
+          </a:fillRef>
+          <a:effectRef idx="0">
+            <a:schemeClr val="accent1"/>
+          </a:effectRef>
+          <a:fontRef idx="minor">
+            <a:schemeClr val="lt1"/>
+          </a:fontRef>
+        </p:style>
+        <p:txBody>
+          <a:bodyPr rtlCol="0" anchor="ctr"/>
+          <a:lstStyle/>
+          <a:p>
+            <a:pPr algn="ctr"/>
+            <a:endParaRPr lang="es-ES"/>
+          </a:p>
+        </p:txBody>
+      </p:sp>
+      <p:sp>
+        <p:nvSpPr>
+          <p:cNvPr id="17" name="Rectángulo 16">
+            <a:extLst>
+              <a:ext uri="{FF2B5EF4-FFF2-40B4-BE49-F238E27FC236}">
+                <a16:creationId xmlns:a16="http://schemas.microsoft.com/office/drawing/2014/main" id="{D688D8E6-4EBD-4679-811F-AAF8496A4886}"/>
+              </a:ext>
+            </a:extLst>
+          </p:cNvPr>
+          <p:cNvSpPr/>
+          <p:nvPr/>
+        </p:nvSpPr>
+        <p:spPr>
+          <a:xfrm>
+            <a:off x="576209" y="2155992"/>
             <a:ext cx="1893454" cy="1382277"/>
           </a:xfrm>
           <a:prstGeom prst="rect">
@@ -3390,8 +3485,8 @@
         </p:nvSpPr>
         <p:spPr>
           <a:xfrm>
-            <a:off x="2255077" y="1677391"/>
-            <a:ext cx="1585845" cy="369332"/>
+            <a:off x="309759" y="1648115"/>
+            <a:ext cx="2441027" cy="523220"/>
           </a:xfrm>
           <a:prstGeom prst="rect">
             <a:avLst/>
@@ -3406,10 +3501,2716 @@
           <a:p>
             <a:pPr algn="ctr"/>
             <a:r>
+              <a:rPr lang="es-AR" sz="1600" dirty="0">
+                <a:solidFill>
+                  <a:schemeClr val="bg1"/>
+                </a:solidFill>
+              </a:rPr>
+              <a:t>Estímulo</a:t>
+            </a:r>
+          </a:p>
+          <a:p>
+            <a:pPr algn="ctr"/>
+            <a:r>
+              <a:rPr lang="es-AR" sz="1100" dirty="0">
+                <a:solidFill>
+                  <a:schemeClr val="bg1"/>
+                </a:solidFill>
+              </a:rPr>
+              <a:t>(Intensificación)</a:t>
+            </a:r>
+            <a:endParaRPr lang="es-ES" sz="1100" dirty="0">
+              <a:solidFill>
+                <a:schemeClr val="bg1"/>
+              </a:solidFill>
+            </a:endParaRPr>
+          </a:p>
+        </p:txBody>
+      </p:sp>
+      <p:pic>
+        <p:nvPicPr>
+          <p:cNvPr id="14" name="Imagen 13">
+            <a:extLst>
+              <a:ext uri="{FF2B5EF4-FFF2-40B4-BE49-F238E27FC236}">
+                <a16:creationId xmlns:a16="http://schemas.microsoft.com/office/drawing/2014/main" id="{E292095D-A4A8-412B-8AD7-63FF146F5D19}"/>
+              </a:ext>
+            </a:extLst>
+          </p:cNvPr>
+          <p:cNvPicPr>
+            <a:picLocks noChangeAspect="1"/>
+          </p:cNvPicPr>
+          <p:nvPr/>
+        </p:nvPicPr>
+        <p:blipFill>
+          <a:blip r:embed="rId3"/>
+          <a:stretch>
+            <a:fillRect/>
+          </a:stretch>
+        </p:blipFill>
+        <p:spPr>
+          <a:xfrm>
+            <a:off x="668573" y="2270579"/>
+            <a:ext cx="1714346" cy="1153102"/>
+          </a:xfrm>
+          <a:prstGeom prst="rect">
+            <a:avLst/>
+          </a:prstGeom>
+        </p:spPr>
+      </p:pic>
+      <p:sp>
+        <p:nvSpPr>
+          <p:cNvPr id="15" name="CuadroTexto 14">
+            <a:extLst>
+              <a:ext uri="{FF2B5EF4-FFF2-40B4-BE49-F238E27FC236}">
+                <a16:creationId xmlns:a16="http://schemas.microsoft.com/office/drawing/2014/main" id="{E6114BED-E84B-4124-B7CA-6EBA03C113F2}"/>
+              </a:ext>
+            </a:extLst>
+          </p:cNvPr>
+          <p:cNvSpPr txBox="1"/>
+          <p:nvPr/>
+        </p:nvSpPr>
+        <p:spPr>
+          <a:xfrm>
+            <a:off x="3012790" y="1814552"/>
+            <a:ext cx="2835564" cy="523220"/>
+          </a:xfrm>
+          <a:prstGeom prst="rect">
+            <a:avLst/>
+          </a:prstGeom>
+          <a:noFill/>
+        </p:spPr>
+        <p:txBody>
+          <a:bodyPr wrap="square" rtlCol="0">
+            <a:spAutoFit/>
+          </a:bodyPr>
+          <a:lstStyle/>
+          <a:p>
+            <a:pPr algn="ctr"/>
+            <a:r>
+              <a:rPr lang="es-AR" sz="1600" dirty="0">
+                <a:solidFill>
+                  <a:schemeClr val="bg1"/>
+                </a:solidFill>
+              </a:rPr>
+              <a:t>Secuencia de intensificación</a:t>
+            </a:r>
+          </a:p>
+          <a:p>
+            <a:pPr algn="ctr"/>
+            <a:r>
+              <a:rPr lang="es-AR" sz="1100" dirty="0">
+                <a:solidFill>
+                  <a:schemeClr val="bg1"/>
+                </a:solidFill>
+              </a:rPr>
+              <a:t>(12 intensificaciones en orden aleatorio)</a:t>
+            </a:r>
+            <a:endParaRPr lang="es-ES" sz="1100" dirty="0">
+              <a:solidFill>
+                <a:schemeClr val="bg1"/>
+              </a:solidFill>
+            </a:endParaRPr>
+          </a:p>
+        </p:txBody>
+      </p:sp>
+      <p:grpSp>
+        <p:nvGrpSpPr>
+          <p:cNvPr id="18" name="Grupo 17">
+            <a:extLst>
+              <a:ext uri="{FF2B5EF4-FFF2-40B4-BE49-F238E27FC236}">
+                <a16:creationId xmlns:a16="http://schemas.microsoft.com/office/drawing/2014/main" id="{FE325B0B-1C64-46DE-9C05-3510D8D8FC3E}"/>
+              </a:ext>
+            </a:extLst>
+          </p:cNvPr>
+          <p:cNvGrpSpPr/>
+          <p:nvPr/>
+        </p:nvGrpSpPr>
+        <p:grpSpPr>
+          <a:xfrm>
+            <a:off x="3012790" y="2318205"/>
+            <a:ext cx="2835564" cy="2225489"/>
+            <a:chOff x="1403927" y="387927"/>
+            <a:chExt cx="5781964" cy="5726545"/>
+          </a:xfrm>
+        </p:grpSpPr>
+        <p:sp>
+          <p:nvSpPr>
+            <p:cNvPr id="19" name="Rectángulo 18">
+              <a:extLst>
+                <a:ext uri="{FF2B5EF4-FFF2-40B4-BE49-F238E27FC236}">
+                  <a16:creationId xmlns:a16="http://schemas.microsoft.com/office/drawing/2014/main" id="{2487106A-E862-4624-A413-8207D3834D7F}"/>
+                </a:ext>
+              </a:extLst>
+            </p:cNvPr>
+            <p:cNvSpPr/>
+            <p:nvPr/>
+          </p:nvSpPr>
+          <p:spPr>
+            <a:xfrm>
+              <a:off x="1403927" y="387927"/>
+              <a:ext cx="5781964" cy="5726545"/>
+            </a:xfrm>
+            <a:prstGeom prst="rect">
+              <a:avLst/>
+            </a:prstGeom>
+          </p:spPr>
+          <p:style>
+            <a:lnRef idx="2">
+              <a:schemeClr val="accent1">
+                <a:shade val="50000"/>
+              </a:schemeClr>
+            </a:lnRef>
+            <a:fillRef idx="1">
+              <a:schemeClr val="accent1"/>
+            </a:fillRef>
+            <a:effectRef idx="0">
+              <a:schemeClr val="accent1"/>
+            </a:effectRef>
+            <a:fontRef idx="minor">
+              <a:schemeClr val="lt1"/>
+            </a:fontRef>
+          </p:style>
+          <p:txBody>
+            <a:bodyPr rtlCol="0" anchor="ctr"/>
+            <a:lstStyle/>
+            <a:p>
+              <a:pPr algn="ctr"/>
+              <a:endParaRPr lang="es-ES"/>
+            </a:p>
+          </p:txBody>
+        </p:sp>
+        <p:pic>
+          <p:nvPicPr>
+            <p:cNvPr id="20" name="Imagen 19">
+              <a:extLst>
+                <a:ext uri="{FF2B5EF4-FFF2-40B4-BE49-F238E27FC236}">
+                  <a16:creationId xmlns:a16="http://schemas.microsoft.com/office/drawing/2014/main" id="{3E1255C4-4960-4DAB-80A7-C716F2E13899}"/>
+                </a:ext>
+              </a:extLst>
+            </p:cNvPr>
+            <p:cNvPicPr>
+              <a:picLocks noChangeAspect="1"/>
+            </p:cNvPicPr>
+            <p:nvPr/>
+          </p:nvPicPr>
+          <p:blipFill>
+            <a:blip r:embed="rId4"/>
+            <a:stretch>
+              <a:fillRect/>
+            </a:stretch>
+          </p:blipFill>
+          <p:spPr>
+            <a:xfrm>
+              <a:off x="1668607" y="1591108"/>
+              <a:ext cx="2038350" cy="1514475"/>
+            </a:xfrm>
+            <a:prstGeom prst="rect">
+              <a:avLst/>
+            </a:prstGeom>
+          </p:spPr>
+        </p:pic>
+        <p:pic>
+          <p:nvPicPr>
+            <p:cNvPr id="21" name="Imagen 20">
+              <a:extLst>
+                <a:ext uri="{FF2B5EF4-FFF2-40B4-BE49-F238E27FC236}">
+                  <a16:creationId xmlns:a16="http://schemas.microsoft.com/office/drawing/2014/main" id="{E27D82BA-9B0F-453B-A046-F2A41F313F76}"/>
+                </a:ext>
+              </a:extLst>
+            </p:cNvPr>
+            <p:cNvPicPr>
+              <a:picLocks noChangeAspect="1"/>
+            </p:cNvPicPr>
+            <p:nvPr/>
+          </p:nvPicPr>
+          <p:blipFill>
+            <a:blip r:embed="rId4"/>
+            <a:stretch>
+              <a:fillRect/>
+            </a:stretch>
+          </p:blipFill>
+          <p:spPr>
+            <a:xfrm>
+              <a:off x="1871807" y="845415"/>
+              <a:ext cx="2038350" cy="1514475"/>
+            </a:xfrm>
+            <a:prstGeom prst="rect">
+              <a:avLst/>
+            </a:prstGeom>
+          </p:spPr>
+        </p:pic>
+        <p:pic>
+          <p:nvPicPr>
+            <p:cNvPr id="22" name="Imagen 21">
+              <a:extLst>
+                <a:ext uri="{FF2B5EF4-FFF2-40B4-BE49-F238E27FC236}">
+                  <a16:creationId xmlns:a16="http://schemas.microsoft.com/office/drawing/2014/main" id="{2AD3D86B-D279-4ECF-BB8F-38B8D9925661}"/>
+                </a:ext>
+              </a:extLst>
+            </p:cNvPr>
+            <p:cNvPicPr>
+              <a:picLocks noChangeAspect="1"/>
+            </p:cNvPicPr>
+            <p:nvPr/>
+          </p:nvPicPr>
+          <p:blipFill>
+            <a:blip r:embed="rId4"/>
+            <a:stretch>
+              <a:fillRect/>
+            </a:stretch>
+          </p:blipFill>
+          <p:spPr>
+            <a:xfrm>
+              <a:off x="3377334" y="481806"/>
+              <a:ext cx="2038350" cy="1514475"/>
+            </a:xfrm>
+            <a:prstGeom prst="rect">
+              <a:avLst/>
+            </a:prstGeom>
+          </p:spPr>
+        </p:pic>
+        <p:pic>
+          <p:nvPicPr>
+            <p:cNvPr id="23" name="Imagen 22">
+              <a:extLst>
+                <a:ext uri="{FF2B5EF4-FFF2-40B4-BE49-F238E27FC236}">
+                  <a16:creationId xmlns:a16="http://schemas.microsoft.com/office/drawing/2014/main" id="{7B8D00B0-D432-428F-AED6-DBBCE3EB8473}"/>
+                </a:ext>
+              </a:extLst>
+            </p:cNvPr>
+            <p:cNvPicPr>
+              <a:picLocks noChangeAspect="1"/>
+            </p:cNvPicPr>
+            <p:nvPr/>
+          </p:nvPicPr>
+          <p:blipFill>
+            <a:blip r:embed="rId4"/>
+            <a:stretch>
+              <a:fillRect/>
+            </a:stretch>
+          </p:blipFill>
+          <p:spPr>
+            <a:xfrm>
+              <a:off x="3910157" y="1239043"/>
+              <a:ext cx="2038350" cy="1514475"/>
+            </a:xfrm>
+            <a:prstGeom prst="rect">
+              <a:avLst/>
+            </a:prstGeom>
+          </p:spPr>
+        </p:pic>
+        <p:pic>
+          <p:nvPicPr>
+            <p:cNvPr id="24" name="Imagen 23">
+              <a:extLst>
+                <a:ext uri="{FF2B5EF4-FFF2-40B4-BE49-F238E27FC236}">
+                  <a16:creationId xmlns:a16="http://schemas.microsoft.com/office/drawing/2014/main" id="{F2733B37-27E9-4091-9726-5105055D2462}"/>
+                </a:ext>
+              </a:extLst>
+            </p:cNvPr>
+            <p:cNvPicPr>
+              <a:picLocks noChangeAspect="1"/>
+            </p:cNvPicPr>
+            <p:nvPr/>
+          </p:nvPicPr>
+          <p:blipFill>
+            <a:blip r:embed="rId4"/>
+            <a:stretch>
+              <a:fillRect/>
+            </a:stretch>
+          </p:blipFill>
+          <p:spPr>
+            <a:xfrm>
+              <a:off x="4698134" y="2256126"/>
+              <a:ext cx="2038350" cy="1514475"/>
+            </a:xfrm>
+            <a:prstGeom prst="rect">
+              <a:avLst/>
+            </a:prstGeom>
+          </p:spPr>
+        </p:pic>
+        <p:pic>
+          <p:nvPicPr>
+            <p:cNvPr id="25" name="Imagen 24">
+              <a:extLst>
+                <a:ext uri="{FF2B5EF4-FFF2-40B4-BE49-F238E27FC236}">
+                  <a16:creationId xmlns:a16="http://schemas.microsoft.com/office/drawing/2014/main" id="{62F1283A-962D-460E-A186-136762156350}"/>
+                </a:ext>
+              </a:extLst>
+            </p:cNvPr>
+            <p:cNvPicPr>
+              <a:picLocks noChangeAspect="1"/>
+            </p:cNvPicPr>
+            <p:nvPr/>
+          </p:nvPicPr>
+          <p:blipFill>
+            <a:blip r:embed="rId4"/>
+            <a:stretch>
+              <a:fillRect/>
+            </a:stretch>
+          </p:blipFill>
+          <p:spPr>
+            <a:xfrm>
+              <a:off x="3802207" y="2983636"/>
+              <a:ext cx="2038350" cy="1514475"/>
+            </a:xfrm>
+            <a:prstGeom prst="rect">
+              <a:avLst/>
+            </a:prstGeom>
+          </p:spPr>
+        </p:pic>
+        <p:pic>
+          <p:nvPicPr>
+            <p:cNvPr id="26" name="Imagen 25">
+              <a:extLst>
+                <a:ext uri="{FF2B5EF4-FFF2-40B4-BE49-F238E27FC236}">
+                  <a16:creationId xmlns:a16="http://schemas.microsoft.com/office/drawing/2014/main" id="{D15ED8E1-8F3D-4111-A642-510E38D0028E}"/>
+                </a:ext>
+              </a:extLst>
+            </p:cNvPr>
+            <p:cNvPicPr>
+              <a:picLocks noChangeAspect="1"/>
+            </p:cNvPicPr>
+            <p:nvPr/>
+          </p:nvPicPr>
+          <p:blipFill>
+            <a:blip r:embed="rId4"/>
+            <a:stretch>
+              <a:fillRect/>
+            </a:stretch>
+          </p:blipFill>
+          <p:spPr>
+            <a:xfrm>
+              <a:off x="2456584" y="2781373"/>
+              <a:ext cx="2038350" cy="1514475"/>
+            </a:xfrm>
+            <a:prstGeom prst="rect">
+              <a:avLst/>
+            </a:prstGeom>
+          </p:spPr>
+        </p:pic>
+        <p:pic>
+          <p:nvPicPr>
+            <p:cNvPr id="27" name="Imagen 26">
+              <a:extLst>
+                <a:ext uri="{FF2B5EF4-FFF2-40B4-BE49-F238E27FC236}">
+                  <a16:creationId xmlns:a16="http://schemas.microsoft.com/office/drawing/2014/main" id="{52117C98-3B57-4033-B528-CCE57126282B}"/>
+                </a:ext>
+              </a:extLst>
+            </p:cNvPr>
+            <p:cNvPicPr>
+              <a:picLocks noChangeAspect="1"/>
+            </p:cNvPicPr>
+            <p:nvPr/>
+          </p:nvPicPr>
+          <p:blipFill>
+            <a:blip r:embed="rId4"/>
+            <a:stretch>
+              <a:fillRect/>
+            </a:stretch>
+          </p:blipFill>
+          <p:spPr>
+            <a:xfrm>
+              <a:off x="1483591" y="3133438"/>
+              <a:ext cx="2038350" cy="1514475"/>
+            </a:xfrm>
+            <a:prstGeom prst="rect">
+              <a:avLst/>
+            </a:prstGeom>
+          </p:spPr>
+        </p:pic>
+        <p:pic>
+          <p:nvPicPr>
+            <p:cNvPr id="28" name="Imagen 27">
+              <a:extLst>
+                <a:ext uri="{FF2B5EF4-FFF2-40B4-BE49-F238E27FC236}">
+                  <a16:creationId xmlns:a16="http://schemas.microsoft.com/office/drawing/2014/main" id="{41ABD63E-0C77-4CE8-BC98-2E0C64B5EA39}"/>
+                </a:ext>
+              </a:extLst>
+            </p:cNvPr>
+            <p:cNvPicPr>
+              <a:picLocks noChangeAspect="1"/>
+            </p:cNvPicPr>
+            <p:nvPr/>
+          </p:nvPicPr>
+          <p:blipFill>
+            <a:blip r:embed="rId4"/>
+            <a:stretch>
+              <a:fillRect/>
+            </a:stretch>
+          </p:blipFill>
+          <p:spPr>
+            <a:xfrm>
+              <a:off x="1757796" y="3943136"/>
+              <a:ext cx="2038350" cy="1514475"/>
+            </a:xfrm>
+            <a:prstGeom prst="rect">
+              <a:avLst/>
+            </a:prstGeom>
+          </p:spPr>
+        </p:pic>
+        <p:pic>
+          <p:nvPicPr>
+            <p:cNvPr id="29" name="Imagen 28">
+              <a:extLst>
+                <a:ext uri="{FF2B5EF4-FFF2-40B4-BE49-F238E27FC236}">
+                  <a16:creationId xmlns:a16="http://schemas.microsoft.com/office/drawing/2014/main" id="{1EE9B798-8372-460D-A78D-1FDA888A95F1}"/>
+                </a:ext>
+              </a:extLst>
+            </p:cNvPr>
+            <p:cNvPicPr>
+              <a:picLocks noChangeAspect="1"/>
+            </p:cNvPicPr>
+            <p:nvPr/>
+          </p:nvPicPr>
+          <p:blipFill>
+            <a:blip r:embed="rId4"/>
+            <a:stretch>
+              <a:fillRect/>
+            </a:stretch>
+          </p:blipFill>
+          <p:spPr>
+            <a:xfrm>
+              <a:off x="2358159" y="4525966"/>
+              <a:ext cx="2038350" cy="1514475"/>
+            </a:xfrm>
+            <a:prstGeom prst="rect">
+              <a:avLst/>
+            </a:prstGeom>
+          </p:spPr>
+        </p:pic>
+        <p:pic>
+          <p:nvPicPr>
+            <p:cNvPr id="30" name="Imagen 29">
+              <a:extLst>
+                <a:ext uri="{FF2B5EF4-FFF2-40B4-BE49-F238E27FC236}">
+                  <a16:creationId xmlns:a16="http://schemas.microsoft.com/office/drawing/2014/main" id="{1A9512C9-A62F-4E32-AA66-0E84330B1ED3}"/>
+                </a:ext>
+              </a:extLst>
+            </p:cNvPr>
+            <p:cNvPicPr>
+              <a:picLocks noChangeAspect="1"/>
+            </p:cNvPicPr>
+            <p:nvPr/>
+          </p:nvPicPr>
+          <p:blipFill>
+            <a:blip r:embed="rId4"/>
+            <a:stretch>
+              <a:fillRect/>
+            </a:stretch>
+          </p:blipFill>
+          <p:spPr>
+            <a:xfrm>
+              <a:off x="5076825" y="3970991"/>
+              <a:ext cx="2038350" cy="1514475"/>
+            </a:xfrm>
+            <a:prstGeom prst="rect">
+              <a:avLst/>
+            </a:prstGeom>
+          </p:spPr>
+        </p:pic>
+        <p:pic>
+          <p:nvPicPr>
+            <p:cNvPr id="31" name="Imagen 30">
+              <a:extLst>
+                <a:ext uri="{FF2B5EF4-FFF2-40B4-BE49-F238E27FC236}">
+                  <a16:creationId xmlns:a16="http://schemas.microsoft.com/office/drawing/2014/main" id="{97B9EA29-C7F8-46D0-AA4E-F8CD8B9F3C7C}"/>
+                </a:ext>
+              </a:extLst>
+            </p:cNvPr>
+            <p:cNvPicPr>
+              <a:picLocks noChangeAspect="1"/>
+            </p:cNvPicPr>
+            <p:nvPr/>
+          </p:nvPicPr>
+          <p:blipFill>
+            <a:blip r:embed="rId4"/>
+            <a:stretch>
+              <a:fillRect/>
+            </a:stretch>
+          </p:blipFill>
+          <p:spPr>
+            <a:xfrm>
+              <a:off x="4020706" y="4288778"/>
+              <a:ext cx="2038350" cy="1514475"/>
+            </a:xfrm>
+            <a:prstGeom prst="rect">
+              <a:avLst/>
+            </a:prstGeom>
+          </p:spPr>
+        </p:pic>
+      </p:grpSp>
+      <p:pic>
+        <p:nvPicPr>
+          <p:cNvPr id="2" name="Imagen 1">
+            <a:extLst>
+              <a:ext uri="{FF2B5EF4-FFF2-40B4-BE49-F238E27FC236}">
+                <a16:creationId xmlns:a16="http://schemas.microsoft.com/office/drawing/2014/main" id="{48E0CE96-59FA-4A81-87AA-2010DB255740}"/>
+              </a:ext>
+            </a:extLst>
+          </p:cNvPr>
+          <p:cNvPicPr>
+            <a:picLocks noChangeAspect="1"/>
+          </p:cNvPicPr>
+          <p:nvPr/>
+        </p:nvPicPr>
+        <p:blipFill>
+          <a:blip r:embed="rId5"/>
+          <a:stretch>
+            <a:fillRect/>
+          </a:stretch>
+        </p:blipFill>
+        <p:spPr>
+          <a:xfrm>
+            <a:off x="6724932" y="3812757"/>
+            <a:ext cx="4776313" cy="1529299"/>
+          </a:xfrm>
+          <a:prstGeom prst="rect">
+            <a:avLst/>
+          </a:prstGeom>
+        </p:spPr>
+      </p:pic>
+      <p:sp>
+        <p:nvSpPr>
+          <p:cNvPr id="33" name="CuadroTexto 32">
+            <a:extLst>
+              <a:ext uri="{FF2B5EF4-FFF2-40B4-BE49-F238E27FC236}">
+                <a16:creationId xmlns:a16="http://schemas.microsoft.com/office/drawing/2014/main" id="{7110B189-8B46-4BC7-B015-FAAF6BC6C019}"/>
+              </a:ext>
+            </a:extLst>
+          </p:cNvPr>
+          <p:cNvSpPr txBox="1"/>
+          <p:nvPr/>
+        </p:nvSpPr>
+        <p:spPr>
+          <a:xfrm>
+            <a:off x="7210108" y="3264575"/>
+            <a:ext cx="3805959" cy="553998"/>
+          </a:xfrm>
+          <a:prstGeom prst="rect">
+            <a:avLst/>
+          </a:prstGeom>
+          <a:noFill/>
+        </p:spPr>
+        <p:txBody>
+          <a:bodyPr wrap="square" rtlCol="0">
+            <a:spAutoFit/>
+          </a:bodyPr>
+          <a:lstStyle/>
+          <a:p>
+            <a:pPr algn="ctr"/>
+            <a:r>
               <a:rPr lang="es-AR" dirty="0"/>
-              <a:t>Intensificación</a:t>
+              <a:t>Diez repeticiones</a:t>
+            </a:r>
+          </a:p>
+          <a:p>
+            <a:pPr algn="ctr"/>
+            <a:r>
+              <a:rPr lang="es-AR" sz="1200" dirty="0"/>
+              <a:t>(Cada vez que hay una, se permutan las 12 secuencias)</a:t>
             </a:r>
             <a:endParaRPr lang="es-ES" sz="1200" dirty="0"/>
+          </a:p>
+        </p:txBody>
+      </p:sp>
+      <p:cxnSp>
+        <p:nvCxnSpPr>
+          <p:cNvPr id="5" name="Conector: curvado 4">
+            <a:extLst>
+              <a:ext uri="{FF2B5EF4-FFF2-40B4-BE49-F238E27FC236}">
+                <a16:creationId xmlns:a16="http://schemas.microsoft.com/office/drawing/2014/main" id="{BABEAE76-FA7C-4101-AEC5-E0F33CA21638}"/>
+              </a:ext>
+            </a:extLst>
+          </p:cNvPr>
+          <p:cNvCxnSpPr>
+            <a:cxnSpLocks/>
+          </p:cNvCxnSpPr>
+          <p:nvPr/>
+        </p:nvCxnSpPr>
+        <p:spPr>
+          <a:xfrm>
+            <a:off x="2559959" y="3131285"/>
+            <a:ext cx="371191" cy="290536"/>
+          </a:xfrm>
+          <a:prstGeom prst="curvedConnector3">
+            <a:avLst>
+              <a:gd name="adj1" fmla="val 50000"/>
+            </a:avLst>
+          </a:prstGeom>
+          <a:ln>
+            <a:solidFill>
+              <a:schemeClr val="bg1"/>
+            </a:solidFill>
+            <a:tailEnd type="triangle"/>
+          </a:ln>
+        </p:spPr>
+        <p:style>
+          <a:lnRef idx="1">
+            <a:schemeClr val="accent1"/>
+          </a:lnRef>
+          <a:fillRef idx="0">
+            <a:schemeClr val="accent1"/>
+          </a:fillRef>
+          <a:effectRef idx="0">
+            <a:schemeClr val="accent1"/>
+          </a:effectRef>
+          <a:fontRef idx="minor">
+            <a:schemeClr val="tx1"/>
+          </a:fontRef>
+        </p:style>
+      </p:cxnSp>
+      <p:cxnSp>
+        <p:nvCxnSpPr>
+          <p:cNvPr id="34" name="Conector: curvado 33">
+            <a:extLst>
+              <a:ext uri="{FF2B5EF4-FFF2-40B4-BE49-F238E27FC236}">
+                <a16:creationId xmlns:a16="http://schemas.microsoft.com/office/drawing/2014/main" id="{66A238DD-7518-4F14-8C23-9731EA87F9BF}"/>
+              </a:ext>
+            </a:extLst>
+          </p:cNvPr>
+          <p:cNvCxnSpPr>
+            <a:cxnSpLocks/>
+          </p:cNvCxnSpPr>
+          <p:nvPr/>
+        </p:nvCxnSpPr>
+        <p:spPr>
+          <a:xfrm>
+            <a:off x="5918389" y="4324985"/>
+            <a:ext cx="552935" cy="349701"/>
+          </a:xfrm>
+          <a:prstGeom prst="curvedConnector3">
+            <a:avLst>
+              <a:gd name="adj1" fmla="val 50000"/>
+            </a:avLst>
+          </a:prstGeom>
+          <a:ln>
+            <a:solidFill>
+              <a:schemeClr val="bg1"/>
+            </a:solidFill>
+            <a:tailEnd type="triangle"/>
+          </a:ln>
+        </p:spPr>
+        <p:style>
+          <a:lnRef idx="1">
+            <a:schemeClr val="accent1"/>
+          </a:lnRef>
+          <a:fillRef idx="0">
+            <a:schemeClr val="accent1"/>
+          </a:fillRef>
+          <a:effectRef idx="0">
+            <a:schemeClr val="accent1"/>
+          </a:effectRef>
+          <a:fontRef idx="minor">
+            <a:schemeClr val="tx1"/>
+          </a:fontRef>
+        </p:style>
+      </p:cxnSp>
+      <p:cxnSp>
+        <p:nvCxnSpPr>
+          <p:cNvPr id="36" name="Conector: curvado 35">
+            <a:extLst>
+              <a:ext uri="{FF2B5EF4-FFF2-40B4-BE49-F238E27FC236}">
+                <a16:creationId xmlns:a16="http://schemas.microsoft.com/office/drawing/2014/main" id="{5084B51E-0AFC-4A65-AA37-A0908DE8D93F}"/>
+              </a:ext>
+            </a:extLst>
+          </p:cNvPr>
+          <p:cNvCxnSpPr>
+            <a:cxnSpLocks/>
+          </p:cNvCxnSpPr>
+          <p:nvPr/>
+        </p:nvCxnSpPr>
+        <p:spPr>
+          <a:xfrm rot="10800000">
+            <a:off x="1837370" y="4732458"/>
+            <a:ext cx="4609722" cy="395001"/>
+          </a:xfrm>
+          <a:prstGeom prst="curvedConnector3">
+            <a:avLst/>
+          </a:prstGeom>
+          <a:ln>
+            <a:solidFill>
+              <a:schemeClr val="bg1"/>
+            </a:solidFill>
+            <a:tailEnd type="triangle"/>
+          </a:ln>
+        </p:spPr>
+        <p:style>
+          <a:lnRef idx="1">
+            <a:schemeClr val="accent1"/>
+          </a:lnRef>
+          <a:fillRef idx="0">
+            <a:schemeClr val="accent1"/>
+          </a:fillRef>
+          <a:effectRef idx="0">
+            <a:schemeClr val="accent1"/>
+          </a:effectRef>
+          <a:fontRef idx="minor">
+            <a:schemeClr val="tx1"/>
+          </a:fontRef>
+        </p:style>
+      </p:cxnSp>
+      <p:sp>
+        <p:nvSpPr>
+          <p:cNvPr id="40" name="Rectángulo 39">
+            <a:extLst>
+              <a:ext uri="{FF2B5EF4-FFF2-40B4-BE49-F238E27FC236}">
+                <a16:creationId xmlns:a16="http://schemas.microsoft.com/office/drawing/2014/main" id="{ED4951A4-8512-4FCD-B29C-D7DFE82F9B3C}"/>
+              </a:ext>
+            </a:extLst>
+          </p:cNvPr>
+          <p:cNvSpPr/>
+          <p:nvPr/>
+        </p:nvSpPr>
+        <p:spPr>
+          <a:xfrm>
+            <a:off x="6653275" y="2797965"/>
+            <a:ext cx="4914558" cy="523220"/>
+          </a:xfrm>
+          <a:prstGeom prst="rect">
+            <a:avLst/>
+          </a:prstGeom>
+          <a:noFill/>
+        </p:spPr>
+        <p:txBody>
+          <a:bodyPr wrap="square" rtlCol="0">
+            <a:spAutoFit/>
+          </a:bodyPr>
+          <a:lstStyle/>
+          <a:p>
+            <a:pPr algn="ctr"/>
+            <a:r>
+              <a:rPr lang="es-ES" sz="1600" dirty="0">
+                <a:solidFill>
+                  <a:schemeClr val="bg1"/>
+                </a:solidFill>
+              </a:rPr>
+              <a:t>Una letra</a:t>
+            </a:r>
+          </a:p>
+          <a:p>
+            <a:pPr algn="ctr"/>
+            <a:r>
+              <a:rPr lang="es-ES" sz="1100" dirty="0">
+                <a:solidFill>
+                  <a:schemeClr val="bg1"/>
+                </a:solidFill>
+              </a:rPr>
+              <a:t>(que la persona está prestando atención y el sistema debe detectar cuál es)</a:t>
+            </a:r>
+          </a:p>
+        </p:txBody>
+      </p:sp>
+      <p:sp>
+        <p:nvSpPr>
+          <p:cNvPr id="41" name="Elipse 40">
+            <a:extLst>
+              <a:ext uri="{FF2B5EF4-FFF2-40B4-BE49-F238E27FC236}">
+                <a16:creationId xmlns:a16="http://schemas.microsoft.com/office/drawing/2014/main" id="{0C5FCF7C-50D6-4B8C-8D20-54070DD2F7C7}"/>
+              </a:ext>
+            </a:extLst>
+          </p:cNvPr>
+          <p:cNvSpPr/>
+          <p:nvPr/>
+        </p:nvSpPr>
+        <p:spPr>
+          <a:xfrm>
+            <a:off x="802501" y="4298667"/>
+            <a:ext cx="946727" cy="850446"/>
+          </a:xfrm>
+          <a:prstGeom prst="ellipse">
+            <a:avLst/>
+          </a:prstGeom>
+          <a:solidFill>
+            <a:srgbClr val="FF0000"/>
+          </a:solidFill>
+        </p:spPr>
+        <p:style>
+          <a:lnRef idx="2">
+            <a:schemeClr val="accent1">
+              <a:shade val="50000"/>
+            </a:schemeClr>
+          </a:lnRef>
+          <a:fillRef idx="1">
+            <a:schemeClr val="accent1"/>
+          </a:fillRef>
+          <a:effectRef idx="0">
+            <a:schemeClr val="accent1"/>
+          </a:effectRef>
+          <a:fontRef idx="minor">
+            <a:schemeClr val="lt1"/>
+          </a:fontRef>
+        </p:style>
+        <p:txBody>
+          <a:bodyPr rtlCol="0" anchor="ctr"/>
+          <a:lstStyle/>
+          <a:p>
+            <a:pPr algn="ctr"/>
+            <a:endParaRPr lang="es-ES" dirty="0"/>
+          </a:p>
+        </p:txBody>
+      </p:sp>
+      <p:sp>
+        <p:nvSpPr>
+          <p:cNvPr id="42" name="CuadroTexto 41">
+            <a:extLst>
+              <a:ext uri="{FF2B5EF4-FFF2-40B4-BE49-F238E27FC236}">
+                <a16:creationId xmlns:a16="http://schemas.microsoft.com/office/drawing/2014/main" id="{0AAA8C62-7F2B-4B38-811C-084F873300E1}"/>
+              </a:ext>
+            </a:extLst>
+          </p:cNvPr>
+          <p:cNvSpPr txBox="1"/>
+          <p:nvPr/>
+        </p:nvSpPr>
+        <p:spPr>
+          <a:xfrm>
+            <a:off x="482941" y="4400724"/>
+            <a:ext cx="1585845" cy="646331"/>
+          </a:xfrm>
+          <a:prstGeom prst="rect">
+            <a:avLst/>
+          </a:prstGeom>
+          <a:noFill/>
+        </p:spPr>
+        <p:txBody>
+          <a:bodyPr wrap="square" rtlCol="0">
+            <a:spAutoFit/>
+          </a:bodyPr>
+          <a:lstStyle/>
+          <a:p>
+            <a:pPr algn="ctr"/>
+            <a:r>
+              <a:rPr lang="es-AR" sz="3600" b="1" dirty="0">
+                <a:solidFill>
+                  <a:schemeClr val="bg1"/>
+                </a:solidFill>
+              </a:rPr>
+              <a:t>35</a:t>
+            </a:r>
+            <a:endParaRPr lang="es-ES" sz="3600" b="1" dirty="0">
+              <a:solidFill>
+                <a:schemeClr val="bg1"/>
+              </a:solidFill>
+            </a:endParaRPr>
+          </a:p>
+        </p:txBody>
+      </p:sp>
+      <p:sp>
+        <p:nvSpPr>
+          <p:cNvPr id="43" name="Rectángulo 42">
+            <a:extLst>
+              <a:ext uri="{FF2B5EF4-FFF2-40B4-BE49-F238E27FC236}">
+                <a16:creationId xmlns:a16="http://schemas.microsoft.com/office/drawing/2014/main" id="{9E27EE63-58C3-4C2B-94D3-21A494D696F6}"/>
+              </a:ext>
+            </a:extLst>
+          </p:cNvPr>
+          <p:cNvSpPr/>
+          <p:nvPr/>
+        </p:nvSpPr>
+        <p:spPr>
+          <a:xfrm>
+            <a:off x="828472" y="4924091"/>
+            <a:ext cx="1494320" cy="430887"/>
+          </a:xfrm>
+          <a:prstGeom prst="rect">
+            <a:avLst/>
+          </a:prstGeom>
+        </p:spPr>
+        <p:txBody>
+          <a:bodyPr wrap="none">
+            <a:spAutoFit/>
+          </a:bodyPr>
+          <a:lstStyle/>
+          <a:p>
+            <a:pPr algn="ctr"/>
+            <a:r>
+              <a:rPr lang="es-ES" sz="1100" dirty="0">
+                <a:solidFill>
+                  <a:schemeClr val="bg1"/>
+                </a:solidFill>
+              </a:rPr>
+              <a:t>Letras</a:t>
+            </a:r>
+            <a:r>
+              <a:rPr lang="es-ES" sz="1100" dirty="0">
+                <a:solidFill>
+                  <a:schemeClr val="bg1"/>
+                </a:solidFill>
+                <a:latin typeface="Consolas" panose="020B0609020204030204" pitchFamily="49" charset="0"/>
+              </a:rPr>
+              <a:t> </a:t>
+            </a:r>
+          </a:p>
+          <a:p>
+            <a:pPr algn="ctr"/>
+            <a:r>
+              <a:rPr lang="es-ES" sz="1100" dirty="0">
+                <a:solidFill>
+                  <a:schemeClr val="bg1"/>
+                </a:solidFill>
+              </a:rPr>
+              <a:t>(7 palabras de 5 letras)</a:t>
+            </a:r>
+          </a:p>
+        </p:txBody>
+      </p:sp>
+      <p:sp>
+        <p:nvSpPr>
+          <p:cNvPr id="45" name="CuadroTexto 44">
+            <a:extLst>
+              <a:ext uri="{FF2B5EF4-FFF2-40B4-BE49-F238E27FC236}">
+                <a16:creationId xmlns:a16="http://schemas.microsoft.com/office/drawing/2014/main" id="{4959AC2F-B7DA-449A-A032-5F805EDD804F}"/>
+              </a:ext>
+            </a:extLst>
+          </p:cNvPr>
+          <p:cNvSpPr txBox="1"/>
+          <p:nvPr/>
+        </p:nvSpPr>
+        <p:spPr>
+          <a:xfrm>
+            <a:off x="802499" y="4000795"/>
+            <a:ext cx="946727" cy="338554"/>
+          </a:xfrm>
+          <a:prstGeom prst="rect">
+            <a:avLst/>
+          </a:prstGeom>
+          <a:noFill/>
+        </p:spPr>
+        <p:txBody>
+          <a:bodyPr wrap="square" rtlCol="0">
+            <a:spAutoFit/>
+          </a:bodyPr>
+          <a:lstStyle/>
+          <a:p>
+            <a:pPr algn="ctr"/>
+            <a:r>
+              <a:rPr lang="es-AR" sz="1600" dirty="0" err="1">
+                <a:solidFill>
+                  <a:schemeClr val="bg1"/>
+                </a:solidFill>
+              </a:rPr>
+              <a:t>Dataset</a:t>
+            </a:r>
+            <a:endParaRPr lang="es-ES" sz="1600" dirty="0">
+              <a:solidFill>
+                <a:schemeClr val="bg1"/>
+              </a:solidFill>
+            </a:endParaRPr>
+          </a:p>
+        </p:txBody>
+      </p:sp>
+      <p:sp>
+        <p:nvSpPr>
+          <p:cNvPr id="46" name="CuadroTexto 45">
+            <a:extLst>
+              <a:ext uri="{FF2B5EF4-FFF2-40B4-BE49-F238E27FC236}">
+                <a16:creationId xmlns:a16="http://schemas.microsoft.com/office/drawing/2014/main" id="{1C6F7CCB-72EF-478C-B8BF-3D00F9B59EF9}"/>
+              </a:ext>
+            </a:extLst>
+          </p:cNvPr>
+          <p:cNvSpPr txBox="1"/>
+          <p:nvPr/>
+        </p:nvSpPr>
+        <p:spPr>
+          <a:xfrm>
+            <a:off x="4417738" y="5668789"/>
+            <a:ext cx="3470822" cy="1200329"/>
+          </a:xfrm>
+          <a:prstGeom prst="rect">
+            <a:avLst/>
+          </a:prstGeom>
+          <a:noFill/>
+        </p:spPr>
+        <p:txBody>
+          <a:bodyPr wrap="square" rtlCol="0">
+            <a:spAutoFit/>
+          </a:bodyPr>
+          <a:lstStyle/>
+          <a:p>
+            <a:pPr marL="171450" indent="-171450">
+              <a:buFont typeface="Arial" panose="020B0604020202020204" pitchFamily="34" charset="0"/>
+              <a:buChar char="•"/>
+            </a:pPr>
+            <a:r>
+              <a:rPr lang="es-AR" sz="1200" dirty="0">
+                <a:solidFill>
+                  <a:schemeClr val="bg1"/>
+                </a:solidFill>
+              </a:rPr>
+              <a:t>1 Estímulo -&gt; 1 (de 6) fila o 1 (de 6) col.</a:t>
+            </a:r>
+          </a:p>
+          <a:p>
+            <a:pPr marL="171450" indent="-171450">
+              <a:buFont typeface="Arial" panose="020B0604020202020204" pitchFamily="34" charset="0"/>
+              <a:buChar char="•"/>
+            </a:pPr>
+            <a:r>
+              <a:rPr lang="es-AR" sz="1200" dirty="0">
+                <a:solidFill>
+                  <a:schemeClr val="bg1"/>
+                </a:solidFill>
+              </a:rPr>
+              <a:t>1 Palabra -&gt; 5 Letras.</a:t>
+            </a:r>
+          </a:p>
+          <a:p>
+            <a:pPr marL="171450" indent="-171450">
+              <a:buFont typeface="Arial" panose="020B0604020202020204" pitchFamily="34" charset="0"/>
+              <a:buChar char="•"/>
+            </a:pPr>
+            <a:r>
+              <a:rPr lang="es-AR" sz="1200" dirty="0">
+                <a:solidFill>
+                  <a:schemeClr val="bg1"/>
+                </a:solidFill>
+              </a:rPr>
+              <a:t>7 Palabras de 5 letras -&gt; 35.</a:t>
+            </a:r>
+          </a:p>
+          <a:p>
+            <a:pPr marL="171450" indent="-171450">
+              <a:buFont typeface="Arial" panose="020B0604020202020204" pitchFamily="34" charset="0"/>
+              <a:buChar char="•"/>
+            </a:pPr>
+            <a:r>
+              <a:rPr lang="es-AR" sz="1200" dirty="0">
+                <a:solidFill>
+                  <a:schemeClr val="bg1"/>
+                </a:solidFill>
+              </a:rPr>
+              <a:t>12 estímulos x 35 letras -&gt; </a:t>
+            </a:r>
+            <a:r>
+              <a:rPr lang="es-ES" sz="1200" dirty="0">
+                <a:solidFill>
+                  <a:schemeClr val="bg1"/>
+                </a:solidFill>
+              </a:rPr>
+              <a:t>420.</a:t>
+            </a:r>
+          </a:p>
+          <a:p>
+            <a:pPr defTabSz="271463"/>
+            <a:r>
+              <a:rPr lang="es-ES" sz="1200" dirty="0">
+                <a:solidFill>
+                  <a:schemeClr val="bg1"/>
+                </a:solidFill>
+              </a:rPr>
+              <a:t>	De los primeros 12 hay 10 no hits y 2 hits.</a:t>
+            </a:r>
+          </a:p>
+          <a:p>
+            <a:pPr marL="180975" indent="-180975" defTabSz="271463">
+              <a:buFont typeface="Arial" panose="020B0604020202020204" pitchFamily="34" charset="0"/>
+              <a:buChar char="•"/>
+            </a:pPr>
+            <a:r>
+              <a:rPr lang="es-ES" sz="1200" dirty="0">
+                <a:solidFill>
+                  <a:schemeClr val="bg1"/>
+                </a:solidFill>
+              </a:rPr>
+              <a:t>MANSOCINCOJUEGOQUESO</a:t>
+            </a:r>
+          </a:p>
+        </p:txBody>
+      </p:sp>
+      <p:grpSp>
+        <p:nvGrpSpPr>
+          <p:cNvPr id="73" name="Grupo 72">
+            <a:extLst>
+              <a:ext uri="{FF2B5EF4-FFF2-40B4-BE49-F238E27FC236}">
+                <a16:creationId xmlns:a16="http://schemas.microsoft.com/office/drawing/2014/main" id="{9826D54C-8CA2-445B-865F-40F3EFE2011A}"/>
+              </a:ext>
+            </a:extLst>
+          </p:cNvPr>
+          <p:cNvGrpSpPr/>
+          <p:nvPr/>
+        </p:nvGrpSpPr>
+        <p:grpSpPr>
+          <a:xfrm>
+            <a:off x="5938243" y="1304246"/>
+            <a:ext cx="1789463" cy="1597667"/>
+            <a:chOff x="5928786" y="1292458"/>
+            <a:chExt cx="1789463" cy="1597667"/>
+          </a:xfrm>
+        </p:grpSpPr>
+        <p:sp>
+          <p:nvSpPr>
+            <p:cNvPr id="48" name="Lágrima 47">
+              <a:extLst>
+                <a:ext uri="{FF2B5EF4-FFF2-40B4-BE49-F238E27FC236}">
+                  <a16:creationId xmlns:a16="http://schemas.microsoft.com/office/drawing/2014/main" id="{62C9A438-DA9F-44DC-9D87-D436F9D59662}"/>
+                </a:ext>
+              </a:extLst>
+            </p:cNvPr>
+            <p:cNvSpPr/>
+            <p:nvPr/>
+          </p:nvSpPr>
+          <p:spPr>
+            <a:xfrm rot="10496294">
+              <a:off x="6084905" y="1292458"/>
+              <a:ext cx="1238608" cy="1279988"/>
+            </a:xfrm>
+            <a:prstGeom prst="teardrop">
+              <a:avLst>
+                <a:gd name="adj" fmla="val 138364"/>
+              </a:avLst>
+            </a:prstGeom>
+            <a:solidFill>
+              <a:schemeClr val="bg1">
+                <a:lumMod val="65000"/>
+              </a:schemeClr>
+            </a:solidFill>
+            <a:ln>
+              <a:solidFill>
+                <a:schemeClr val="bg1">
+                  <a:lumMod val="50000"/>
+                </a:schemeClr>
+              </a:solidFill>
+            </a:ln>
+          </p:spPr>
+          <p:style>
+            <a:lnRef idx="2">
+              <a:schemeClr val="accent1">
+                <a:shade val="50000"/>
+              </a:schemeClr>
+            </a:lnRef>
+            <a:fillRef idx="1">
+              <a:schemeClr val="accent1"/>
+            </a:fillRef>
+            <a:effectRef idx="0">
+              <a:schemeClr val="accent1"/>
+            </a:effectRef>
+            <a:fontRef idx="minor">
+              <a:schemeClr val="lt1"/>
+            </a:fontRef>
+          </p:style>
+          <p:txBody>
+            <a:bodyPr rtlCol="0" anchor="ctr"/>
+            <a:lstStyle/>
+            <a:p>
+              <a:pPr algn="ctr"/>
+              <a:endParaRPr lang="es-ES" dirty="0"/>
+            </a:p>
+          </p:txBody>
+        </p:sp>
+        <p:grpSp>
+          <p:nvGrpSpPr>
+            <p:cNvPr id="51" name="Grupo 50">
+              <a:extLst>
+                <a:ext uri="{FF2B5EF4-FFF2-40B4-BE49-F238E27FC236}">
+                  <a16:creationId xmlns:a16="http://schemas.microsoft.com/office/drawing/2014/main" id="{06423205-3669-4FF6-BC08-94842C03F356}"/>
+                </a:ext>
+              </a:extLst>
+            </p:cNvPr>
+            <p:cNvGrpSpPr/>
+            <p:nvPr/>
+          </p:nvGrpSpPr>
+          <p:grpSpPr>
+            <a:xfrm>
+              <a:off x="6216446" y="1608797"/>
+              <a:ext cx="1005199" cy="647310"/>
+              <a:chOff x="8517492" y="170197"/>
+              <a:chExt cx="1893454" cy="1382277"/>
+            </a:xfrm>
+          </p:grpSpPr>
+          <p:sp>
+            <p:nvSpPr>
+              <p:cNvPr id="49" name="Rectángulo 48">
+                <a:extLst>
+                  <a:ext uri="{FF2B5EF4-FFF2-40B4-BE49-F238E27FC236}">
+                    <a16:creationId xmlns:a16="http://schemas.microsoft.com/office/drawing/2014/main" id="{12D824C9-9CC4-4D45-8702-CB9A83223B30}"/>
+                  </a:ext>
+                </a:extLst>
+              </p:cNvPr>
+              <p:cNvSpPr/>
+              <p:nvPr/>
+            </p:nvSpPr>
+            <p:spPr>
+              <a:xfrm>
+                <a:off x="8517492" y="170197"/>
+                <a:ext cx="1893454" cy="1382277"/>
+              </a:xfrm>
+              <a:prstGeom prst="rect">
+                <a:avLst/>
+              </a:prstGeom>
+              <a:solidFill>
+                <a:srgbClr val="FFC000"/>
+              </a:solidFill>
+            </p:spPr>
+            <p:style>
+              <a:lnRef idx="2">
+                <a:schemeClr val="accent1">
+                  <a:shade val="50000"/>
+                </a:schemeClr>
+              </a:lnRef>
+              <a:fillRef idx="1">
+                <a:schemeClr val="accent1"/>
+              </a:fillRef>
+              <a:effectRef idx="0">
+                <a:schemeClr val="accent1"/>
+              </a:effectRef>
+              <a:fontRef idx="minor">
+                <a:schemeClr val="lt1"/>
+              </a:fontRef>
+            </p:style>
+            <p:txBody>
+              <a:bodyPr rtlCol="0" anchor="ctr"/>
+              <a:lstStyle/>
+              <a:p>
+                <a:pPr algn="ctr"/>
+                <a:endParaRPr lang="es-ES"/>
+              </a:p>
+            </p:txBody>
+          </p:sp>
+          <p:pic>
+            <p:nvPicPr>
+              <p:cNvPr id="50" name="Imagen 49">
+                <a:extLst>
+                  <a:ext uri="{FF2B5EF4-FFF2-40B4-BE49-F238E27FC236}">
+                    <a16:creationId xmlns:a16="http://schemas.microsoft.com/office/drawing/2014/main" id="{10C11ACB-73FD-4192-A20B-466EA754C0DA}"/>
+                  </a:ext>
+                </a:extLst>
+              </p:cNvPr>
+              <p:cNvPicPr>
+                <a:picLocks noChangeAspect="1"/>
+              </p:cNvPicPr>
+              <p:nvPr/>
+            </p:nvPicPr>
+            <p:blipFill>
+              <a:blip r:embed="rId3"/>
+              <a:stretch>
+                <a:fillRect/>
+              </a:stretch>
+            </p:blipFill>
+            <p:spPr>
+              <a:xfrm>
+                <a:off x="8609856" y="284784"/>
+                <a:ext cx="1714346" cy="1153102"/>
+              </a:xfrm>
+              <a:prstGeom prst="rect">
+                <a:avLst/>
+              </a:prstGeom>
+            </p:spPr>
+          </p:pic>
+        </p:grpSp>
+        <p:cxnSp>
+          <p:nvCxnSpPr>
+            <p:cNvPr id="53" name="Conector recto de flecha 52">
+              <a:extLst>
+                <a:ext uri="{FF2B5EF4-FFF2-40B4-BE49-F238E27FC236}">
+                  <a16:creationId xmlns:a16="http://schemas.microsoft.com/office/drawing/2014/main" id="{3BBBF88B-D1DA-438A-9A82-68283D653096}"/>
+                </a:ext>
+              </a:extLst>
+            </p:cNvPr>
+            <p:cNvCxnSpPr>
+              <a:cxnSpLocks/>
+              <a:stCxn id="48" idx="7"/>
+            </p:cNvCxnSpPr>
+            <p:nvPr/>
+          </p:nvCxnSpPr>
+          <p:spPr>
+            <a:xfrm flipV="1">
+              <a:off x="5928786" y="2013265"/>
+              <a:ext cx="552935" cy="876858"/>
+            </a:xfrm>
+            <a:prstGeom prst="straightConnector1">
+              <a:avLst/>
+            </a:prstGeom>
+            <a:ln>
+              <a:solidFill>
+                <a:schemeClr val="bg1">
+                  <a:lumMod val="50000"/>
+                </a:schemeClr>
+              </a:solidFill>
+              <a:tailEnd type="triangle"/>
+            </a:ln>
+          </p:spPr>
+          <p:style>
+            <a:lnRef idx="1">
+              <a:schemeClr val="accent1"/>
+            </a:lnRef>
+            <a:fillRef idx="0">
+              <a:schemeClr val="accent1"/>
+            </a:fillRef>
+            <a:effectRef idx="0">
+              <a:schemeClr val="accent1"/>
+            </a:effectRef>
+            <a:fontRef idx="minor">
+              <a:schemeClr val="tx1"/>
+            </a:fontRef>
+          </p:style>
+        </p:cxnSp>
+        <p:sp>
+          <p:nvSpPr>
+            <p:cNvPr id="54" name="Elipse 53">
+              <a:extLst>
+                <a:ext uri="{FF2B5EF4-FFF2-40B4-BE49-F238E27FC236}">
+                  <a16:creationId xmlns:a16="http://schemas.microsoft.com/office/drawing/2014/main" id="{30445ADD-97BC-47B5-802B-DDDD36E3ED08}"/>
+                </a:ext>
+              </a:extLst>
+            </p:cNvPr>
+            <p:cNvSpPr/>
+            <p:nvPr/>
+          </p:nvSpPr>
+          <p:spPr>
+            <a:xfrm>
+              <a:off x="6481721" y="1910395"/>
+              <a:ext cx="114300" cy="102870"/>
+            </a:xfrm>
+            <a:prstGeom prst="ellipse">
+              <a:avLst/>
+            </a:prstGeom>
+            <a:solidFill>
+              <a:srgbClr val="FF0000">
+                <a:alpha val="50000"/>
+              </a:srgbClr>
+            </a:solidFill>
+            <a:ln>
+              <a:solidFill>
+                <a:srgbClr val="FF0000"/>
+              </a:solidFill>
+            </a:ln>
+          </p:spPr>
+          <p:style>
+            <a:lnRef idx="2">
+              <a:schemeClr val="accent1">
+                <a:shade val="50000"/>
+              </a:schemeClr>
+            </a:lnRef>
+            <a:fillRef idx="1">
+              <a:schemeClr val="accent1"/>
+            </a:fillRef>
+            <a:effectRef idx="0">
+              <a:schemeClr val="accent1"/>
+            </a:effectRef>
+            <a:fontRef idx="minor">
+              <a:schemeClr val="lt1"/>
+            </a:fontRef>
+          </p:style>
+          <p:txBody>
+            <a:bodyPr rtlCol="0" anchor="ctr"/>
+            <a:lstStyle/>
+            <a:p>
+              <a:pPr algn="ctr"/>
+              <a:endParaRPr lang="es-ES" dirty="0"/>
+            </a:p>
+          </p:txBody>
+        </p:sp>
+        <p:sp>
+          <p:nvSpPr>
+            <p:cNvPr id="55" name="Elipse 54">
+              <a:extLst>
+                <a:ext uri="{FF2B5EF4-FFF2-40B4-BE49-F238E27FC236}">
+                  <a16:creationId xmlns:a16="http://schemas.microsoft.com/office/drawing/2014/main" id="{9FB6E076-338B-4226-8855-C1DCD97B6A5C}"/>
+                </a:ext>
+              </a:extLst>
+            </p:cNvPr>
+            <p:cNvSpPr/>
+            <p:nvPr/>
+          </p:nvSpPr>
+          <p:spPr>
+            <a:xfrm>
+              <a:off x="6927003" y="1910395"/>
+              <a:ext cx="114300" cy="102870"/>
+            </a:xfrm>
+            <a:prstGeom prst="ellipse">
+              <a:avLst/>
+            </a:prstGeom>
+            <a:solidFill>
+              <a:srgbClr val="FF0000">
+                <a:alpha val="50000"/>
+              </a:srgbClr>
+            </a:solidFill>
+            <a:ln>
+              <a:solidFill>
+                <a:srgbClr val="FF0000"/>
+              </a:solidFill>
+            </a:ln>
+          </p:spPr>
+          <p:style>
+            <a:lnRef idx="2">
+              <a:schemeClr val="accent1">
+                <a:shade val="50000"/>
+              </a:schemeClr>
+            </a:lnRef>
+            <a:fillRef idx="1">
+              <a:schemeClr val="accent1"/>
+            </a:fillRef>
+            <a:effectRef idx="0">
+              <a:schemeClr val="accent1"/>
+            </a:effectRef>
+            <a:fontRef idx="minor">
+              <a:schemeClr val="lt1"/>
+            </a:fontRef>
+          </p:style>
+          <p:txBody>
+            <a:bodyPr rtlCol="0" anchor="ctr"/>
+            <a:lstStyle/>
+            <a:p>
+              <a:pPr algn="ctr"/>
+              <a:endParaRPr lang="es-ES" dirty="0"/>
+            </a:p>
+          </p:txBody>
+        </p:sp>
+        <p:cxnSp>
+          <p:nvCxnSpPr>
+            <p:cNvPr id="57" name="Conector recto de flecha 56">
+              <a:extLst>
+                <a:ext uri="{FF2B5EF4-FFF2-40B4-BE49-F238E27FC236}">
+                  <a16:creationId xmlns:a16="http://schemas.microsoft.com/office/drawing/2014/main" id="{AE2E2003-EE9D-4A1E-B07A-3DC2EF878DBC}"/>
+                </a:ext>
+              </a:extLst>
+            </p:cNvPr>
+            <p:cNvCxnSpPr>
+              <a:cxnSpLocks/>
+            </p:cNvCxnSpPr>
+            <p:nvPr/>
+          </p:nvCxnSpPr>
+          <p:spPr>
+            <a:xfrm flipV="1">
+              <a:off x="5939672" y="2013265"/>
+              <a:ext cx="1005199" cy="876860"/>
+            </a:xfrm>
+            <a:prstGeom prst="straightConnector1">
+              <a:avLst/>
+            </a:prstGeom>
+            <a:ln>
+              <a:solidFill>
+                <a:schemeClr val="bg1">
+                  <a:lumMod val="50000"/>
+                </a:schemeClr>
+              </a:solidFill>
+              <a:tailEnd type="triangle"/>
+            </a:ln>
+          </p:spPr>
+          <p:style>
+            <a:lnRef idx="1">
+              <a:schemeClr val="accent1"/>
+            </a:lnRef>
+            <a:fillRef idx="0">
+              <a:schemeClr val="accent1"/>
+            </a:fillRef>
+            <a:effectRef idx="0">
+              <a:schemeClr val="accent1"/>
+            </a:effectRef>
+            <a:fontRef idx="minor">
+              <a:schemeClr val="tx1"/>
+            </a:fontRef>
+          </p:style>
+        </p:cxnSp>
+        <p:sp>
+          <p:nvSpPr>
+            <p:cNvPr id="68" name="Rectángulo 67">
+              <a:extLst>
+                <a:ext uri="{FF2B5EF4-FFF2-40B4-BE49-F238E27FC236}">
+                  <a16:creationId xmlns:a16="http://schemas.microsoft.com/office/drawing/2014/main" id="{BEF4906A-6831-41B1-A629-EC4731F48825}"/>
+                </a:ext>
+              </a:extLst>
+            </p:cNvPr>
+            <p:cNvSpPr/>
+            <p:nvPr/>
+          </p:nvSpPr>
+          <p:spPr>
+            <a:xfrm>
+              <a:off x="6496440" y="2208094"/>
+              <a:ext cx="1221809" cy="261610"/>
+            </a:xfrm>
+            <a:prstGeom prst="rect">
+              <a:avLst/>
+            </a:prstGeom>
+          </p:spPr>
+          <p:txBody>
+            <a:bodyPr wrap="none">
+              <a:spAutoFit/>
+            </a:bodyPr>
+            <a:lstStyle/>
+            <a:p>
+              <a:r>
+                <a:rPr lang="es-ES" sz="1100" dirty="0">
+                  <a:solidFill>
+                    <a:schemeClr val="bg1"/>
+                  </a:solidFill>
+                </a:rPr>
+                <a:t>10 no hits y 2 hits.</a:t>
+              </a:r>
+              <a:endParaRPr lang="es-ES" sz="1100" dirty="0"/>
+            </a:p>
+          </p:txBody>
+        </p:sp>
+      </p:grpSp>
+      <p:sp>
+        <p:nvSpPr>
+          <p:cNvPr id="70" name="Rectángulo 69">
+            <a:extLst>
+              <a:ext uri="{FF2B5EF4-FFF2-40B4-BE49-F238E27FC236}">
+                <a16:creationId xmlns:a16="http://schemas.microsoft.com/office/drawing/2014/main" id="{BDE84D47-5E9E-44EE-930A-03AF13CE0519}"/>
+              </a:ext>
+            </a:extLst>
+          </p:cNvPr>
+          <p:cNvSpPr/>
+          <p:nvPr/>
+        </p:nvSpPr>
+        <p:spPr>
+          <a:xfrm>
+            <a:off x="3100691" y="623607"/>
+            <a:ext cx="6104915" cy="369332"/>
+          </a:xfrm>
+          <a:prstGeom prst="rect">
+            <a:avLst/>
+          </a:prstGeom>
+        </p:spPr>
+        <p:txBody>
+          <a:bodyPr wrap="square">
+            <a:spAutoFit/>
+          </a:bodyPr>
+          <a:lstStyle/>
+          <a:p>
+            <a:pPr algn="ctr"/>
+            <a:r>
+              <a:rPr lang="es-ES" b="1" dirty="0">
+                <a:solidFill>
+                  <a:schemeClr val="bg1"/>
+                </a:solidFill>
+              </a:rPr>
+              <a:t>Registro de EEG correspondiente a un experimento </a:t>
+            </a:r>
+            <a:r>
+              <a:rPr lang="es-ES" b="1" dirty="0"/>
+              <a:t>del </a:t>
+            </a:r>
+            <a:r>
+              <a:rPr lang="es-ES" b="1" dirty="0" err="1"/>
+              <a:t>Speller</a:t>
+            </a:r>
+            <a:r>
+              <a:rPr lang="es-ES" b="1" dirty="0"/>
+              <a:t>.</a:t>
+            </a:r>
+          </a:p>
+        </p:txBody>
+      </p:sp>
+    </p:spTree>
+    <p:extLst>
+      <p:ext uri="{BB962C8B-B14F-4D97-AF65-F5344CB8AC3E}">
+        <p14:creationId xmlns:p14="http://schemas.microsoft.com/office/powerpoint/2010/main" val="3445967521"/>
+      </p:ext>
+    </p:extLst>
+  </p:cSld>
+  <p:clrMapOvr>
+    <a:masterClrMapping/>
+  </p:clrMapOvr>
+  <p:timing>
+    <p:tnLst>
+      <p:par>
+        <p:cTn id="1" dur="indefinite" restart="never" nodeType="tmRoot">
+          <p:childTnLst>
+            <p:seq concurrent="1" nextAc="seek">
+              <p:cTn id="2" dur="indefinite" nodeType="mainSeq">
+                <p:childTnLst>
+                  <p:par>
+                    <p:cTn id="3" fill="hold">
+                      <p:stCondLst>
+                        <p:cond delay="indefinite"/>
+                      </p:stCondLst>
+                      <p:childTnLst>
+                        <p:par>
+                          <p:cTn id="4" fill="hold">
+                            <p:stCondLst>
+                              <p:cond delay="0"/>
+                            </p:stCondLst>
+                            <p:childTnLst>
+                              <p:par>
+                                <p:cTn id="5" presetID="10" presetClass="entr" presetSubtype="0" fill="hold" grpId="0" nodeType="clickEffect">
+                                  <p:stCondLst>
+                                    <p:cond delay="0"/>
+                                  </p:stCondLst>
+                                  <p:childTnLst>
+                                    <p:set>
+                                      <p:cBhvr>
+                                        <p:cTn id="6" dur="1" fill="hold">
+                                          <p:stCondLst>
+                                            <p:cond delay="0"/>
+                                          </p:stCondLst>
+                                        </p:cTn>
+                                        <p:tgtEl>
+                                          <p:spTgt spid="70"/>
+                                        </p:tgtEl>
+                                        <p:attrNameLst>
+                                          <p:attrName>style.visibility</p:attrName>
+                                        </p:attrNameLst>
+                                      </p:cBhvr>
+                                      <p:to>
+                                        <p:strVal val="visible"/>
+                                      </p:to>
+                                    </p:set>
+                                    <p:animEffect transition="in" filter="fade">
+                                      <p:cBhvr>
+                                        <p:cTn id="7" dur="500"/>
+                                        <p:tgtEl>
+                                          <p:spTgt spid="70"/>
+                                        </p:tgtEl>
+                                      </p:cBhvr>
+                                    </p:animEffect>
+                                  </p:childTnLst>
+                                </p:cTn>
+                              </p:par>
+                              <p:par>
+                                <p:cTn id="8" presetID="10" presetClass="entr" presetSubtype="0" fill="hold" nodeType="withEffect">
+                                  <p:stCondLst>
+                                    <p:cond delay="0"/>
+                                  </p:stCondLst>
+                                  <p:childTnLst>
+                                    <p:set>
+                                      <p:cBhvr>
+                                        <p:cTn id="9" dur="1" fill="hold">
+                                          <p:stCondLst>
+                                            <p:cond delay="0"/>
+                                          </p:stCondLst>
+                                        </p:cTn>
+                                        <p:tgtEl>
+                                          <p:spTgt spid="69"/>
+                                        </p:tgtEl>
+                                        <p:attrNameLst>
+                                          <p:attrName>style.visibility</p:attrName>
+                                        </p:attrNameLst>
+                                      </p:cBhvr>
+                                      <p:to>
+                                        <p:strVal val="visible"/>
+                                      </p:to>
+                                    </p:set>
+                                    <p:animEffect transition="in" filter="fade">
+                                      <p:cBhvr>
+                                        <p:cTn id="10" dur="500"/>
+                                        <p:tgtEl>
+                                          <p:spTgt spid="69"/>
+                                        </p:tgtEl>
+                                      </p:cBhvr>
+                                    </p:animEffect>
+                                  </p:childTnLst>
+                                </p:cTn>
+                              </p:par>
+                            </p:childTnLst>
+                          </p:cTn>
+                        </p:par>
+                      </p:childTnLst>
+                    </p:cTn>
+                  </p:par>
+                  <p:par>
+                    <p:cTn id="11" fill="hold">
+                      <p:stCondLst>
+                        <p:cond delay="indefinite"/>
+                      </p:stCondLst>
+                      <p:childTnLst>
+                        <p:par>
+                          <p:cTn id="12" fill="hold">
+                            <p:stCondLst>
+                              <p:cond delay="0"/>
+                            </p:stCondLst>
+                            <p:childTnLst>
+                              <p:par>
+                                <p:cTn id="13" presetID="10" presetClass="entr" presetSubtype="0" fill="hold" grpId="0" nodeType="clickEffect">
+                                  <p:stCondLst>
+                                    <p:cond delay="0"/>
+                                  </p:stCondLst>
+                                  <p:childTnLst>
+                                    <p:set>
+                                      <p:cBhvr>
+                                        <p:cTn id="14" dur="1" fill="hold">
+                                          <p:stCondLst>
+                                            <p:cond delay="0"/>
+                                          </p:stCondLst>
+                                        </p:cTn>
+                                        <p:tgtEl>
+                                          <p:spTgt spid="17"/>
+                                        </p:tgtEl>
+                                        <p:attrNameLst>
+                                          <p:attrName>style.visibility</p:attrName>
+                                        </p:attrNameLst>
+                                      </p:cBhvr>
+                                      <p:to>
+                                        <p:strVal val="visible"/>
+                                      </p:to>
+                                    </p:set>
+                                    <p:animEffect transition="in" filter="fade">
+                                      <p:cBhvr>
+                                        <p:cTn id="15" dur="1000"/>
+                                        <p:tgtEl>
+                                          <p:spTgt spid="17"/>
+                                        </p:tgtEl>
+                                      </p:cBhvr>
+                                    </p:animEffect>
+                                  </p:childTnLst>
+                                </p:cTn>
+                              </p:par>
+                              <p:par>
+                                <p:cTn id="16" presetID="10" presetClass="entr" presetSubtype="0" fill="hold" nodeType="withEffect">
+                                  <p:stCondLst>
+                                    <p:cond delay="0"/>
+                                  </p:stCondLst>
+                                  <p:childTnLst>
+                                    <p:set>
+                                      <p:cBhvr>
+                                        <p:cTn id="17" dur="1" fill="hold">
+                                          <p:stCondLst>
+                                            <p:cond delay="0"/>
+                                          </p:stCondLst>
+                                        </p:cTn>
+                                        <p:tgtEl>
+                                          <p:spTgt spid="14"/>
+                                        </p:tgtEl>
+                                        <p:attrNameLst>
+                                          <p:attrName>style.visibility</p:attrName>
+                                        </p:attrNameLst>
+                                      </p:cBhvr>
+                                      <p:to>
+                                        <p:strVal val="visible"/>
+                                      </p:to>
+                                    </p:set>
+                                    <p:animEffect transition="in" filter="fade">
+                                      <p:cBhvr>
+                                        <p:cTn id="18" dur="1000"/>
+                                        <p:tgtEl>
+                                          <p:spTgt spid="14"/>
+                                        </p:tgtEl>
+                                      </p:cBhvr>
+                                    </p:animEffect>
+                                  </p:childTnLst>
+                                </p:cTn>
+                              </p:par>
+                              <p:par>
+                                <p:cTn id="19" presetID="10" presetClass="entr" presetSubtype="0" fill="hold" grpId="0" nodeType="withEffect">
+                                  <p:stCondLst>
+                                    <p:cond delay="0"/>
+                                  </p:stCondLst>
+                                  <p:childTnLst>
+                                    <p:set>
+                                      <p:cBhvr>
+                                        <p:cTn id="20" dur="1" fill="hold">
+                                          <p:stCondLst>
+                                            <p:cond delay="0"/>
+                                          </p:stCondLst>
+                                        </p:cTn>
+                                        <p:tgtEl>
+                                          <p:spTgt spid="13"/>
+                                        </p:tgtEl>
+                                        <p:attrNameLst>
+                                          <p:attrName>style.visibility</p:attrName>
+                                        </p:attrNameLst>
+                                      </p:cBhvr>
+                                      <p:to>
+                                        <p:strVal val="visible"/>
+                                      </p:to>
+                                    </p:set>
+                                    <p:animEffect transition="in" filter="fade">
+                                      <p:cBhvr>
+                                        <p:cTn id="21" dur="1000"/>
+                                        <p:tgtEl>
+                                          <p:spTgt spid="13"/>
+                                        </p:tgtEl>
+                                      </p:cBhvr>
+                                    </p:animEffect>
+                                  </p:childTnLst>
+                                </p:cTn>
+                              </p:par>
+                              <p:par>
+                                <p:cTn id="22" presetID="10" presetClass="entr" presetSubtype="0" fill="hold" nodeType="withEffect">
+                                  <p:stCondLst>
+                                    <p:cond delay="0"/>
+                                  </p:stCondLst>
+                                  <p:childTnLst>
+                                    <p:set>
+                                      <p:cBhvr>
+                                        <p:cTn id="23" dur="1" fill="hold">
+                                          <p:stCondLst>
+                                            <p:cond delay="0"/>
+                                          </p:stCondLst>
+                                        </p:cTn>
+                                        <p:tgtEl>
+                                          <p:spTgt spid="5"/>
+                                        </p:tgtEl>
+                                        <p:attrNameLst>
+                                          <p:attrName>style.visibility</p:attrName>
+                                        </p:attrNameLst>
+                                      </p:cBhvr>
+                                      <p:to>
+                                        <p:strVal val="visible"/>
+                                      </p:to>
+                                    </p:set>
+                                    <p:animEffect transition="in" filter="fade">
+                                      <p:cBhvr>
+                                        <p:cTn id="24" dur="500"/>
+                                        <p:tgtEl>
+                                          <p:spTgt spid="5"/>
+                                        </p:tgtEl>
+                                      </p:cBhvr>
+                                    </p:animEffect>
+                                  </p:childTnLst>
+                                </p:cTn>
+                              </p:par>
+                            </p:childTnLst>
+                          </p:cTn>
+                        </p:par>
+                      </p:childTnLst>
+                    </p:cTn>
+                  </p:par>
+                  <p:par>
+                    <p:cTn id="25" fill="hold">
+                      <p:stCondLst>
+                        <p:cond delay="indefinite"/>
+                      </p:stCondLst>
+                      <p:childTnLst>
+                        <p:par>
+                          <p:cTn id="26" fill="hold">
+                            <p:stCondLst>
+                              <p:cond delay="0"/>
+                            </p:stCondLst>
+                            <p:childTnLst>
+                              <p:par>
+                                <p:cTn id="27" presetID="10" presetClass="entr" presetSubtype="0" fill="hold" grpId="0" nodeType="clickEffect">
+                                  <p:stCondLst>
+                                    <p:cond delay="0"/>
+                                  </p:stCondLst>
+                                  <p:childTnLst>
+                                    <p:set>
+                                      <p:cBhvr>
+                                        <p:cTn id="28" dur="1" fill="hold">
+                                          <p:stCondLst>
+                                            <p:cond delay="0"/>
+                                          </p:stCondLst>
+                                        </p:cTn>
+                                        <p:tgtEl>
+                                          <p:spTgt spid="15"/>
+                                        </p:tgtEl>
+                                        <p:attrNameLst>
+                                          <p:attrName>style.visibility</p:attrName>
+                                        </p:attrNameLst>
+                                      </p:cBhvr>
+                                      <p:to>
+                                        <p:strVal val="visible"/>
+                                      </p:to>
+                                    </p:set>
+                                    <p:animEffect transition="in" filter="fade">
+                                      <p:cBhvr>
+                                        <p:cTn id="29" dur="500"/>
+                                        <p:tgtEl>
+                                          <p:spTgt spid="15"/>
+                                        </p:tgtEl>
+                                      </p:cBhvr>
+                                    </p:animEffect>
+                                  </p:childTnLst>
+                                </p:cTn>
+                              </p:par>
+                              <p:par>
+                                <p:cTn id="30" presetID="10" presetClass="entr" presetSubtype="0" fill="hold" nodeType="withEffect">
+                                  <p:stCondLst>
+                                    <p:cond delay="0"/>
+                                  </p:stCondLst>
+                                  <p:childTnLst>
+                                    <p:set>
+                                      <p:cBhvr>
+                                        <p:cTn id="31" dur="1" fill="hold">
+                                          <p:stCondLst>
+                                            <p:cond delay="0"/>
+                                          </p:stCondLst>
+                                        </p:cTn>
+                                        <p:tgtEl>
+                                          <p:spTgt spid="18"/>
+                                        </p:tgtEl>
+                                        <p:attrNameLst>
+                                          <p:attrName>style.visibility</p:attrName>
+                                        </p:attrNameLst>
+                                      </p:cBhvr>
+                                      <p:to>
+                                        <p:strVal val="visible"/>
+                                      </p:to>
+                                    </p:set>
+                                    <p:animEffect transition="in" filter="fade">
+                                      <p:cBhvr>
+                                        <p:cTn id="32" dur="500"/>
+                                        <p:tgtEl>
+                                          <p:spTgt spid="18"/>
+                                        </p:tgtEl>
+                                      </p:cBhvr>
+                                    </p:animEffect>
+                                  </p:childTnLst>
+                                </p:cTn>
+                              </p:par>
+                              <p:par>
+                                <p:cTn id="33" presetID="10" presetClass="entr" presetSubtype="0" fill="hold" nodeType="withEffect">
+                                  <p:stCondLst>
+                                    <p:cond delay="0"/>
+                                  </p:stCondLst>
+                                  <p:childTnLst>
+                                    <p:set>
+                                      <p:cBhvr>
+                                        <p:cTn id="34" dur="1" fill="hold">
+                                          <p:stCondLst>
+                                            <p:cond delay="0"/>
+                                          </p:stCondLst>
+                                        </p:cTn>
+                                        <p:tgtEl>
+                                          <p:spTgt spid="34"/>
+                                        </p:tgtEl>
+                                        <p:attrNameLst>
+                                          <p:attrName>style.visibility</p:attrName>
+                                        </p:attrNameLst>
+                                      </p:cBhvr>
+                                      <p:to>
+                                        <p:strVal val="visible"/>
+                                      </p:to>
+                                    </p:set>
+                                    <p:animEffect transition="in" filter="fade">
+                                      <p:cBhvr>
+                                        <p:cTn id="35" dur="500"/>
+                                        <p:tgtEl>
+                                          <p:spTgt spid="34"/>
+                                        </p:tgtEl>
+                                      </p:cBhvr>
+                                    </p:animEffect>
+                                  </p:childTnLst>
+                                </p:cTn>
+                              </p:par>
+                            </p:childTnLst>
+                          </p:cTn>
+                        </p:par>
+                      </p:childTnLst>
+                    </p:cTn>
+                  </p:par>
+                  <p:par>
+                    <p:cTn id="36" fill="hold">
+                      <p:stCondLst>
+                        <p:cond delay="indefinite"/>
+                      </p:stCondLst>
+                      <p:childTnLst>
+                        <p:par>
+                          <p:cTn id="37" fill="hold">
+                            <p:stCondLst>
+                              <p:cond delay="0"/>
+                            </p:stCondLst>
+                            <p:childTnLst>
+                              <p:par>
+                                <p:cTn id="38" presetID="10" presetClass="entr" presetSubtype="0" fill="hold" grpId="0" nodeType="clickEffect">
+                                  <p:stCondLst>
+                                    <p:cond delay="0"/>
+                                  </p:stCondLst>
+                                  <p:childTnLst>
+                                    <p:set>
+                                      <p:cBhvr>
+                                        <p:cTn id="39" dur="1" fill="hold">
+                                          <p:stCondLst>
+                                            <p:cond delay="0"/>
+                                          </p:stCondLst>
+                                        </p:cTn>
+                                        <p:tgtEl>
+                                          <p:spTgt spid="16"/>
+                                        </p:tgtEl>
+                                        <p:attrNameLst>
+                                          <p:attrName>style.visibility</p:attrName>
+                                        </p:attrNameLst>
+                                      </p:cBhvr>
+                                      <p:to>
+                                        <p:strVal val="visible"/>
+                                      </p:to>
+                                    </p:set>
+                                    <p:animEffect transition="in" filter="fade">
+                                      <p:cBhvr>
+                                        <p:cTn id="40" dur="500"/>
+                                        <p:tgtEl>
+                                          <p:spTgt spid="16"/>
+                                        </p:tgtEl>
+                                      </p:cBhvr>
+                                    </p:animEffect>
+                                  </p:childTnLst>
+                                </p:cTn>
+                              </p:par>
+                              <p:par>
+                                <p:cTn id="41" presetID="10" presetClass="entr" presetSubtype="0" fill="hold" nodeType="withEffect">
+                                  <p:stCondLst>
+                                    <p:cond delay="0"/>
+                                  </p:stCondLst>
+                                  <p:childTnLst>
+                                    <p:set>
+                                      <p:cBhvr>
+                                        <p:cTn id="42" dur="1" fill="hold">
+                                          <p:stCondLst>
+                                            <p:cond delay="0"/>
+                                          </p:stCondLst>
+                                        </p:cTn>
+                                        <p:tgtEl>
+                                          <p:spTgt spid="2"/>
+                                        </p:tgtEl>
+                                        <p:attrNameLst>
+                                          <p:attrName>style.visibility</p:attrName>
+                                        </p:attrNameLst>
+                                      </p:cBhvr>
+                                      <p:to>
+                                        <p:strVal val="visible"/>
+                                      </p:to>
+                                    </p:set>
+                                    <p:animEffect transition="in" filter="fade">
+                                      <p:cBhvr>
+                                        <p:cTn id="43" dur="500"/>
+                                        <p:tgtEl>
+                                          <p:spTgt spid="2"/>
+                                        </p:tgtEl>
+                                      </p:cBhvr>
+                                    </p:animEffect>
+                                  </p:childTnLst>
+                                </p:cTn>
+                              </p:par>
+                              <p:par>
+                                <p:cTn id="44" presetID="10" presetClass="entr" presetSubtype="0" fill="hold" grpId="0" nodeType="withEffect">
+                                  <p:stCondLst>
+                                    <p:cond delay="0"/>
+                                  </p:stCondLst>
+                                  <p:childTnLst>
+                                    <p:set>
+                                      <p:cBhvr>
+                                        <p:cTn id="45" dur="1" fill="hold">
+                                          <p:stCondLst>
+                                            <p:cond delay="0"/>
+                                          </p:stCondLst>
+                                        </p:cTn>
+                                        <p:tgtEl>
+                                          <p:spTgt spid="33"/>
+                                        </p:tgtEl>
+                                        <p:attrNameLst>
+                                          <p:attrName>style.visibility</p:attrName>
+                                        </p:attrNameLst>
+                                      </p:cBhvr>
+                                      <p:to>
+                                        <p:strVal val="visible"/>
+                                      </p:to>
+                                    </p:set>
+                                    <p:animEffect transition="in" filter="fade">
+                                      <p:cBhvr>
+                                        <p:cTn id="46" dur="500"/>
+                                        <p:tgtEl>
+                                          <p:spTgt spid="33"/>
+                                        </p:tgtEl>
+                                      </p:cBhvr>
+                                    </p:animEffect>
+                                  </p:childTnLst>
+                                </p:cTn>
+                              </p:par>
+                              <p:par>
+                                <p:cTn id="47" presetID="10" presetClass="entr" presetSubtype="0" fill="hold" grpId="0" nodeType="withEffect">
+                                  <p:stCondLst>
+                                    <p:cond delay="0"/>
+                                  </p:stCondLst>
+                                  <p:childTnLst>
+                                    <p:set>
+                                      <p:cBhvr>
+                                        <p:cTn id="48" dur="1" fill="hold">
+                                          <p:stCondLst>
+                                            <p:cond delay="0"/>
+                                          </p:stCondLst>
+                                        </p:cTn>
+                                        <p:tgtEl>
+                                          <p:spTgt spid="40"/>
+                                        </p:tgtEl>
+                                        <p:attrNameLst>
+                                          <p:attrName>style.visibility</p:attrName>
+                                        </p:attrNameLst>
+                                      </p:cBhvr>
+                                      <p:to>
+                                        <p:strVal val="visible"/>
+                                      </p:to>
+                                    </p:set>
+                                    <p:animEffect transition="in" filter="fade">
+                                      <p:cBhvr>
+                                        <p:cTn id="49" dur="500"/>
+                                        <p:tgtEl>
+                                          <p:spTgt spid="40"/>
+                                        </p:tgtEl>
+                                      </p:cBhvr>
+                                    </p:animEffect>
+                                  </p:childTnLst>
+                                </p:cTn>
+                              </p:par>
+                            </p:childTnLst>
+                          </p:cTn>
+                        </p:par>
+                      </p:childTnLst>
+                    </p:cTn>
+                  </p:par>
+                  <p:par>
+                    <p:cTn id="50" fill="hold">
+                      <p:stCondLst>
+                        <p:cond delay="indefinite"/>
+                      </p:stCondLst>
+                      <p:childTnLst>
+                        <p:par>
+                          <p:cTn id="51" fill="hold">
+                            <p:stCondLst>
+                              <p:cond delay="0"/>
+                            </p:stCondLst>
+                            <p:childTnLst>
+                              <p:par>
+                                <p:cTn id="52" presetID="10" presetClass="entr" presetSubtype="0" fill="hold" grpId="0" nodeType="clickEffect">
+                                  <p:stCondLst>
+                                    <p:cond delay="0"/>
+                                  </p:stCondLst>
+                                  <p:childTnLst>
+                                    <p:set>
+                                      <p:cBhvr>
+                                        <p:cTn id="53" dur="1" fill="hold">
+                                          <p:stCondLst>
+                                            <p:cond delay="0"/>
+                                          </p:stCondLst>
+                                        </p:cTn>
+                                        <p:tgtEl>
+                                          <p:spTgt spid="41"/>
+                                        </p:tgtEl>
+                                        <p:attrNameLst>
+                                          <p:attrName>style.visibility</p:attrName>
+                                        </p:attrNameLst>
+                                      </p:cBhvr>
+                                      <p:to>
+                                        <p:strVal val="visible"/>
+                                      </p:to>
+                                    </p:set>
+                                    <p:animEffect transition="in" filter="fade">
+                                      <p:cBhvr>
+                                        <p:cTn id="54" dur="500"/>
+                                        <p:tgtEl>
+                                          <p:spTgt spid="41"/>
+                                        </p:tgtEl>
+                                      </p:cBhvr>
+                                    </p:animEffect>
+                                  </p:childTnLst>
+                                </p:cTn>
+                              </p:par>
+                              <p:par>
+                                <p:cTn id="55" presetID="10" presetClass="entr" presetSubtype="0" fill="hold" grpId="0" nodeType="withEffect">
+                                  <p:stCondLst>
+                                    <p:cond delay="0"/>
+                                  </p:stCondLst>
+                                  <p:childTnLst>
+                                    <p:set>
+                                      <p:cBhvr>
+                                        <p:cTn id="56" dur="1" fill="hold">
+                                          <p:stCondLst>
+                                            <p:cond delay="0"/>
+                                          </p:stCondLst>
+                                        </p:cTn>
+                                        <p:tgtEl>
+                                          <p:spTgt spid="42"/>
+                                        </p:tgtEl>
+                                        <p:attrNameLst>
+                                          <p:attrName>style.visibility</p:attrName>
+                                        </p:attrNameLst>
+                                      </p:cBhvr>
+                                      <p:to>
+                                        <p:strVal val="visible"/>
+                                      </p:to>
+                                    </p:set>
+                                    <p:animEffect transition="in" filter="fade">
+                                      <p:cBhvr>
+                                        <p:cTn id="57" dur="500"/>
+                                        <p:tgtEl>
+                                          <p:spTgt spid="42"/>
+                                        </p:tgtEl>
+                                      </p:cBhvr>
+                                    </p:animEffect>
+                                  </p:childTnLst>
+                                </p:cTn>
+                              </p:par>
+                              <p:par>
+                                <p:cTn id="58" presetID="10" presetClass="entr" presetSubtype="0" fill="hold" grpId="0" nodeType="withEffect">
+                                  <p:stCondLst>
+                                    <p:cond delay="0"/>
+                                  </p:stCondLst>
+                                  <p:childTnLst>
+                                    <p:set>
+                                      <p:cBhvr>
+                                        <p:cTn id="59" dur="1" fill="hold">
+                                          <p:stCondLst>
+                                            <p:cond delay="0"/>
+                                          </p:stCondLst>
+                                        </p:cTn>
+                                        <p:tgtEl>
+                                          <p:spTgt spid="43"/>
+                                        </p:tgtEl>
+                                        <p:attrNameLst>
+                                          <p:attrName>style.visibility</p:attrName>
+                                        </p:attrNameLst>
+                                      </p:cBhvr>
+                                      <p:to>
+                                        <p:strVal val="visible"/>
+                                      </p:to>
+                                    </p:set>
+                                    <p:animEffect transition="in" filter="fade">
+                                      <p:cBhvr>
+                                        <p:cTn id="60" dur="500"/>
+                                        <p:tgtEl>
+                                          <p:spTgt spid="43"/>
+                                        </p:tgtEl>
+                                      </p:cBhvr>
+                                    </p:animEffect>
+                                  </p:childTnLst>
+                                </p:cTn>
+                              </p:par>
+                              <p:par>
+                                <p:cTn id="61" presetID="10" presetClass="entr" presetSubtype="0" fill="hold" grpId="0" nodeType="withEffect">
+                                  <p:stCondLst>
+                                    <p:cond delay="0"/>
+                                  </p:stCondLst>
+                                  <p:childTnLst>
+                                    <p:set>
+                                      <p:cBhvr>
+                                        <p:cTn id="62" dur="1" fill="hold">
+                                          <p:stCondLst>
+                                            <p:cond delay="0"/>
+                                          </p:stCondLst>
+                                        </p:cTn>
+                                        <p:tgtEl>
+                                          <p:spTgt spid="45"/>
+                                        </p:tgtEl>
+                                        <p:attrNameLst>
+                                          <p:attrName>style.visibility</p:attrName>
+                                        </p:attrNameLst>
+                                      </p:cBhvr>
+                                      <p:to>
+                                        <p:strVal val="visible"/>
+                                      </p:to>
+                                    </p:set>
+                                    <p:animEffect transition="in" filter="fade">
+                                      <p:cBhvr>
+                                        <p:cTn id="63" dur="500"/>
+                                        <p:tgtEl>
+                                          <p:spTgt spid="45"/>
+                                        </p:tgtEl>
+                                      </p:cBhvr>
+                                    </p:animEffect>
+                                  </p:childTnLst>
+                                </p:cTn>
+                              </p:par>
+                              <p:par>
+                                <p:cTn id="64" presetID="10" presetClass="entr" presetSubtype="0" fill="hold" nodeType="withEffect">
+                                  <p:stCondLst>
+                                    <p:cond delay="0"/>
+                                  </p:stCondLst>
+                                  <p:childTnLst>
+                                    <p:set>
+                                      <p:cBhvr>
+                                        <p:cTn id="65" dur="1" fill="hold">
+                                          <p:stCondLst>
+                                            <p:cond delay="0"/>
+                                          </p:stCondLst>
+                                        </p:cTn>
+                                        <p:tgtEl>
+                                          <p:spTgt spid="36"/>
+                                        </p:tgtEl>
+                                        <p:attrNameLst>
+                                          <p:attrName>style.visibility</p:attrName>
+                                        </p:attrNameLst>
+                                      </p:cBhvr>
+                                      <p:to>
+                                        <p:strVal val="visible"/>
+                                      </p:to>
+                                    </p:set>
+                                    <p:animEffect transition="in" filter="fade">
+                                      <p:cBhvr>
+                                        <p:cTn id="66" dur="500"/>
+                                        <p:tgtEl>
+                                          <p:spTgt spid="36"/>
+                                        </p:tgtEl>
+                                      </p:cBhvr>
+                                    </p:animEffect>
+                                  </p:childTnLst>
+                                </p:cTn>
+                              </p:par>
+                            </p:childTnLst>
+                          </p:cTn>
+                        </p:par>
+                      </p:childTnLst>
+                    </p:cTn>
+                  </p:par>
+                  <p:par>
+                    <p:cTn id="67" fill="hold">
+                      <p:stCondLst>
+                        <p:cond delay="indefinite"/>
+                      </p:stCondLst>
+                      <p:childTnLst>
+                        <p:par>
+                          <p:cTn id="68" fill="hold">
+                            <p:stCondLst>
+                              <p:cond delay="0"/>
+                            </p:stCondLst>
+                            <p:childTnLst>
+                              <p:par>
+                                <p:cTn id="69" presetID="10" presetClass="entr" presetSubtype="0" fill="hold" grpId="0" nodeType="clickEffect">
+                                  <p:stCondLst>
+                                    <p:cond delay="0"/>
+                                  </p:stCondLst>
+                                  <p:childTnLst>
+                                    <p:set>
+                                      <p:cBhvr>
+                                        <p:cTn id="70" dur="1" fill="hold">
+                                          <p:stCondLst>
+                                            <p:cond delay="0"/>
+                                          </p:stCondLst>
+                                        </p:cTn>
+                                        <p:tgtEl>
+                                          <p:spTgt spid="46"/>
+                                        </p:tgtEl>
+                                        <p:attrNameLst>
+                                          <p:attrName>style.visibility</p:attrName>
+                                        </p:attrNameLst>
+                                      </p:cBhvr>
+                                      <p:to>
+                                        <p:strVal val="visible"/>
+                                      </p:to>
+                                    </p:set>
+                                    <p:animEffect transition="in" filter="fade">
+                                      <p:cBhvr>
+                                        <p:cTn id="71" dur="500"/>
+                                        <p:tgtEl>
+                                          <p:spTgt spid="46"/>
+                                        </p:tgtEl>
+                                      </p:cBhvr>
+                                    </p:animEffect>
+                                  </p:childTnLst>
+                                </p:cTn>
+                              </p:par>
+                            </p:childTnLst>
+                          </p:cTn>
+                        </p:par>
+                      </p:childTnLst>
+                    </p:cTn>
+                  </p:par>
+                  <p:par>
+                    <p:cTn id="72" fill="hold">
+                      <p:stCondLst>
+                        <p:cond delay="indefinite"/>
+                      </p:stCondLst>
+                      <p:childTnLst>
+                        <p:par>
+                          <p:cTn id="73" fill="hold">
+                            <p:stCondLst>
+                              <p:cond delay="0"/>
+                            </p:stCondLst>
+                            <p:childTnLst>
+                              <p:par>
+                                <p:cTn id="74" presetID="10" presetClass="entr" presetSubtype="0" fill="hold" nodeType="clickEffect">
+                                  <p:stCondLst>
+                                    <p:cond delay="0"/>
+                                  </p:stCondLst>
+                                  <p:childTnLst>
+                                    <p:set>
+                                      <p:cBhvr>
+                                        <p:cTn id="75" dur="1" fill="hold">
+                                          <p:stCondLst>
+                                            <p:cond delay="0"/>
+                                          </p:stCondLst>
+                                        </p:cTn>
+                                        <p:tgtEl>
+                                          <p:spTgt spid="73"/>
+                                        </p:tgtEl>
+                                        <p:attrNameLst>
+                                          <p:attrName>style.visibility</p:attrName>
+                                        </p:attrNameLst>
+                                      </p:cBhvr>
+                                      <p:to>
+                                        <p:strVal val="visible"/>
+                                      </p:to>
+                                    </p:set>
+                                    <p:animEffect transition="in" filter="fade">
+                                      <p:cBhvr>
+                                        <p:cTn id="76" dur="500"/>
+                                        <p:tgtEl>
+                                          <p:spTgt spid="73"/>
+                                        </p:tgtEl>
+                                      </p:cBhvr>
+                                    </p:animEffect>
+                                  </p:childTnLst>
+                                </p:cTn>
+                              </p:par>
+                            </p:childTnLst>
+                          </p:cTn>
+                        </p:par>
+                      </p:childTnLst>
+                    </p:cTn>
+                  </p:par>
+                </p:childTnLst>
+              </p:cTn>
+              <p:prevCondLst>
+                <p:cond evt="onPrev" delay="0">
+                  <p:tgtEl>
+                    <p:sldTgt/>
+                  </p:tgtEl>
+                </p:cond>
+              </p:prevCondLst>
+              <p:nextCondLst>
+                <p:cond evt="onNext" delay="0">
+                  <p:tgtEl>
+                    <p:sldTgt/>
+                  </p:tgtEl>
+                </p:cond>
+              </p:nextCondLst>
+            </p:seq>
+          </p:childTnLst>
+        </p:cTn>
+      </p:par>
+    </p:tnLst>
+    <p:bldLst>
+      <p:bldP spid="16" grpId="0" animBg="1"/>
+      <p:bldP spid="17" grpId="0" animBg="1"/>
+      <p:bldP spid="13" grpId="0"/>
+      <p:bldP spid="15" grpId="0"/>
+      <p:bldP spid="33" grpId="0"/>
+      <p:bldP spid="40" grpId="0"/>
+      <p:bldP spid="41" grpId="0" animBg="1"/>
+      <p:bldP spid="42" grpId="0"/>
+      <p:bldP spid="43" grpId="0"/>
+      <p:bldP spid="45" grpId="0"/>
+      <p:bldP spid="46" grpId="0"/>
+      <p:bldP spid="70" grpId="0"/>
+    </p:bldLst>
+  </p:timing>
+</p:sld>
+</file>
+
+<file path=ppt/slides/slide2.xml><?xml version="1.0" encoding="utf-8"?>
+<p:sld xmlns:a="http://schemas.openxmlformats.org/drawingml/2006/main" xmlns:r="http://schemas.openxmlformats.org/officeDocument/2006/relationships" xmlns:p="http://schemas.openxmlformats.org/presentationml/2006/main">
+  <p:cSld>
+    <p:spTree>
+      <p:nvGrpSpPr>
+        <p:cNvPr id="1" name=""/>
+        <p:cNvGrpSpPr/>
+        <p:nvPr/>
+      </p:nvGrpSpPr>
+      <p:grpSpPr>
+        <a:xfrm>
+          <a:off x="0" y="0"/>
+          <a:ext cx="0" cy="0"/>
+          <a:chOff x="0" y="0"/>
+          <a:chExt cx="0" cy="0"/>
+        </a:xfrm>
+      </p:grpSpPr>
+      <p:sp>
+        <p:nvSpPr>
+          <p:cNvPr id="48" name="Lágrima 47">
+            <a:extLst>
+              <a:ext uri="{FF2B5EF4-FFF2-40B4-BE49-F238E27FC236}">
+                <a16:creationId xmlns:a16="http://schemas.microsoft.com/office/drawing/2014/main" id="{62C9A438-DA9F-44DC-9D87-D436F9D59662}"/>
+              </a:ext>
+            </a:extLst>
+          </p:cNvPr>
+          <p:cNvSpPr/>
+          <p:nvPr/>
+        </p:nvSpPr>
+        <p:spPr>
+          <a:xfrm rot="10496294">
+            <a:off x="6084905" y="1292458"/>
+            <a:ext cx="1238608" cy="1279988"/>
+          </a:xfrm>
+          <a:prstGeom prst="teardrop">
+            <a:avLst>
+              <a:gd name="adj" fmla="val 138364"/>
+            </a:avLst>
+          </a:prstGeom>
+          <a:solidFill>
+            <a:schemeClr val="bg1">
+              <a:lumMod val="65000"/>
+            </a:schemeClr>
+          </a:solidFill>
+          <a:ln>
+            <a:solidFill>
+              <a:schemeClr val="bg1">
+                <a:lumMod val="50000"/>
+              </a:schemeClr>
+            </a:solidFill>
+          </a:ln>
+        </p:spPr>
+        <p:style>
+          <a:lnRef idx="2">
+            <a:schemeClr val="accent1">
+              <a:shade val="50000"/>
+            </a:schemeClr>
+          </a:lnRef>
+          <a:fillRef idx="1">
+            <a:schemeClr val="accent1"/>
+          </a:fillRef>
+          <a:effectRef idx="0">
+            <a:schemeClr val="accent1"/>
+          </a:effectRef>
+          <a:fontRef idx="minor">
+            <a:schemeClr val="lt1"/>
+          </a:fontRef>
+        </p:style>
+        <p:txBody>
+          <a:bodyPr rtlCol="0" anchor="ctr"/>
+          <a:lstStyle/>
+          <a:p>
+            <a:pPr algn="ctr"/>
+            <a:endParaRPr lang="es-ES" dirty="0"/>
+          </a:p>
+        </p:txBody>
+      </p:sp>
+      <p:sp>
+        <p:nvSpPr>
+          <p:cNvPr id="16" name="Rectángulo: esquinas redondeadas 15">
+            <a:extLst>
+              <a:ext uri="{FF2B5EF4-FFF2-40B4-BE49-F238E27FC236}">
+                <a16:creationId xmlns:a16="http://schemas.microsoft.com/office/drawing/2014/main" id="{4F9AE3F3-C732-4DAA-B9D0-2B4BCD8C9FDD}"/>
+              </a:ext>
+            </a:extLst>
+          </p:cNvPr>
+          <p:cNvSpPr/>
+          <p:nvPr/>
+        </p:nvSpPr>
+        <p:spPr>
+          <a:xfrm>
+            <a:off x="6563386" y="3285001"/>
+            <a:ext cx="5094337" cy="2225490"/>
+          </a:xfrm>
+          <a:prstGeom prst="roundRect">
+            <a:avLst/>
+          </a:prstGeom>
+          <a:solidFill>
+            <a:schemeClr val="accent6"/>
+          </a:solidFill>
+          <a:ln>
+            <a:solidFill>
+              <a:schemeClr val="accent6">
+                <a:lumMod val="75000"/>
+              </a:schemeClr>
+            </a:solidFill>
+          </a:ln>
+        </p:spPr>
+        <p:style>
+          <a:lnRef idx="2">
+            <a:schemeClr val="accent1">
+              <a:shade val="50000"/>
+            </a:schemeClr>
+          </a:lnRef>
+          <a:fillRef idx="1">
+            <a:schemeClr val="accent1"/>
+          </a:fillRef>
+          <a:effectRef idx="0">
+            <a:schemeClr val="accent1"/>
+          </a:effectRef>
+          <a:fontRef idx="minor">
+            <a:schemeClr val="lt1"/>
+          </a:fontRef>
+        </p:style>
+        <p:txBody>
+          <a:bodyPr rtlCol="0" anchor="ctr"/>
+          <a:lstStyle/>
+          <a:p>
+            <a:pPr algn="ctr"/>
+            <a:endParaRPr lang="es-ES"/>
+          </a:p>
+        </p:txBody>
+      </p:sp>
+      <p:sp>
+        <p:nvSpPr>
+          <p:cNvPr id="17" name="Rectángulo 16">
+            <a:extLst>
+              <a:ext uri="{FF2B5EF4-FFF2-40B4-BE49-F238E27FC236}">
+                <a16:creationId xmlns:a16="http://schemas.microsoft.com/office/drawing/2014/main" id="{D688D8E6-4EBD-4679-811F-AAF8496A4886}"/>
+              </a:ext>
+            </a:extLst>
+          </p:cNvPr>
+          <p:cNvSpPr/>
+          <p:nvPr/>
+        </p:nvSpPr>
+        <p:spPr>
+          <a:xfrm>
+            <a:off x="576209" y="2155992"/>
+            <a:ext cx="1893454" cy="1382277"/>
+          </a:xfrm>
+          <a:prstGeom prst="rect">
+            <a:avLst/>
+          </a:prstGeom>
+          <a:solidFill>
+            <a:srgbClr val="FFC000"/>
+          </a:solidFill>
+        </p:spPr>
+        <p:style>
+          <a:lnRef idx="2">
+            <a:schemeClr val="accent1">
+              <a:shade val="50000"/>
+            </a:schemeClr>
+          </a:lnRef>
+          <a:fillRef idx="1">
+            <a:schemeClr val="accent1"/>
+          </a:fillRef>
+          <a:effectRef idx="0">
+            <a:schemeClr val="accent1"/>
+          </a:effectRef>
+          <a:fontRef idx="minor">
+            <a:schemeClr val="lt1"/>
+          </a:fontRef>
+        </p:style>
+        <p:txBody>
+          <a:bodyPr rtlCol="0" anchor="ctr"/>
+          <a:lstStyle/>
+          <a:p>
+            <a:pPr algn="ctr"/>
+            <a:endParaRPr lang="es-ES"/>
+          </a:p>
+        </p:txBody>
+      </p:sp>
+      <p:sp>
+        <p:nvSpPr>
+          <p:cNvPr id="13" name="CuadroTexto 12">
+            <a:extLst>
+              <a:ext uri="{FF2B5EF4-FFF2-40B4-BE49-F238E27FC236}">
+                <a16:creationId xmlns:a16="http://schemas.microsoft.com/office/drawing/2014/main" id="{F8A4155A-86F5-4E27-9A91-2844F9728D07}"/>
+              </a:ext>
+            </a:extLst>
+          </p:cNvPr>
+          <p:cNvSpPr txBox="1"/>
+          <p:nvPr/>
+        </p:nvSpPr>
+        <p:spPr>
+          <a:xfrm>
+            <a:off x="309759" y="1648115"/>
+            <a:ext cx="2441027" cy="523220"/>
+          </a:xfrm>
+          <a:prstGeom prst="rect">
+            <a:avLst/>
+          </a:prstGeom>
+          <a:noFill/>
+        </p:spPr>
+        <p:txBody>
+          <a:bodyPr wrap="square" rtlCol="0">
+            <a:spAutoFit/>
+          </a:bodyPr>
+          <a:lstStyle/>
+          <a:p>
+            <a:pPr algn="ctr"/>
+            <a:r>
+              <a:rPr lang="es-AR" sz="1600" dirty="0">
+                <a:solidFill>
+                  <a:schemeClr val="bg1"/>
+                </a:solidFill>
+              </a:rPr>
+              <a:t>Estímulo</a:t>
+            </a:r>
+          </a:p>
+          <a:p>
+            <a:pPr algn="ctr"/>
+            <a:r>
+              <a:rPr lang="es-AR" sz="1100" dirty="0">
+                <a:solidFill>
+                  <a:schemeClr val="bg1"/>
+                </a:solidFill>
+              </a:rPr>
+              <a:t>(Intensificación)</a:t>
+            </a:r>
+            <a:endParaRPr lang="es-ES" sz="1100" dirty="0">
+              <a:solidFill>
+                <a:schemeClr val="bg1"/>
+              </a:solidFill>
+            </a:endParaRPr>
           </a:p>
         </p:txBody>
       </p:sp>
@@ -3435,7 +6236,7 @@
         </p:blipFill>
         <p:spPr>
           <a:xfrm>
-            <a:off x="2189019" y="2161310"/>
+            <a:off x="668573" y="2270579"/>
             <a:ext cx="1714346" cy="1153102"/>
           </a:xfrm>
           <a:prstGeom prst="rect">
@@ -3457,8 +6258,8 @@
         </p:nvSpPr>
         <p:spPr>
           <a:xfrm>
-            <a:off x="6534728" y="1358404"/>
-            <a:ext cx="2835564" cy="553998"/>
+            <a:off x="3012790" y="1814552"/>
+            <a:ext cx="2835564" cy="523220"/>
           </a:xfrm>
           <a:prstGeom prst="rect">
             <a:avLst/>
@@ -3473,17 +6274,29 @@
           <a:p>
             <a:pPr algn="ctr"/>
             <a:r>
-              <a:rPr lang="es-AR" dirty="0"/>
+              <a:rPr lang="es-AR" sz="1600" dirty="0">
+                <a:solidFill>
+                  <a:schemeClr val="bg1"/>
+                </a:solidFill>
+              </a:rPr>
               <a:t>Secuencia de intensificación</a:t>
             </a:r>
           </a:p>
           <a:p>
             <a:pPr algn="ctr"/>
             <a:r>
-              <a:rPr lang="es-AR" sz="1200" dirty="0"/>
-              <a:t>(Orden aleatorio)</a:t>
-            </a:r>
-            <a:endParaRPr lang="es-ES" sz="1200" dirty="0"/>
+              <a:rPr lang="es-AR" sz="1100" dirty="0">
+                <a:solidFill>
+                  <a:schemeClr val="bg1"/>
+                </a:solidFill>
+              </a:rPr>
+              <a:t>(12 intensificaciones en orden aleatorio)</a:t>
+            </a:r>
+            <a:endParaRPr lang="es-ES" sz="1100" dirty="0">
+              <a:solidFill>
+                <a:schemeClr val="bg1"/>
+              </a:solidFill>
+            </a:endParaRPr>
           </a:p>
         </p:txBody>
       </p:sp>
@@ -3501,7 +6314,7 @@
         </p:nvGrpSpPr>
         <p:grpSpPr>
           <a:xfrm>
-            <a:off x="6534728" y="1862057"/>
+            <a:off x="3012790" y="2318205"/>
             <a:ext cx="2835564" cy="2225489"/>
             <a:chOff x="1403927" y="387927"/>
             <a:chExt cx="5781964" cy="5726545"/>
@@ -3916,10 +6729,10 @@
       </p:grpSp>
       <p:pic>
         <p:nvPicPr>
-          <p:cNvPr id="32" name="Imagen 31">
-            <a:extLst>
-              <a:ext uri="{FF2B5EF4-FFF2-40B4-BE49-F238E27FC236}">
-                <a16:creationId xmlns:a16="http://schemas.microsoft.com/office/drawing/2014/main" id="{B08D1B5A-AB77-4D18-AF04-939D07E6D7EA}"/>
+          <p:cNvPr id="2" name="Imagen 1">
+            <a:extLst>
+              <a:ext uri="{FF2B5EF4-FFF2-40B4-BE49-F238E27FC236}">
+                <a16:creationId xmlns:a16="http://schemas.microsoft.com/office/drawing/2014/main" id="{48E0CE96-59FA-4A81-87AA-2010DB255740}"/>
               </a:ext>
             </a:extLst>
           </p:cNvPr>
@@ -3929,35 +6742,1904 @@
           <p:nvPr/>
         </p:nvPicPr>
         <p:blipFill>
-          <a:blip r:embed="rId2"/>
+          <a:blip r:embed="rId4"/>
           <a:stretch>
             <a:fillRect/>
           </a:stretch>
         </p:blipFill>
         <p:spPr>
           <a:xfrm>
-            <a:off x="3990109" y="5426365"/>
-            <a:ext cx="1714346" cy="1153102"/>
+            <a:off x="6724932" y="3812757"/>
+            <a:ext cx="4776313" cy="1529299"/>
           </a:xfrm>
           <a:prstGeom prst="rect">
             <a:avLst/>
           </a:prstGeom>
         </p:spPr>
       </p:pic>
+      <p:sp>
+        <p:nvSpPr>
+          <p:cNvPr id="33" name="CuadroTexto 32">
+            <a:extLst>
+              <a:ext uri="{FF2B5EF4-FFF2-40B4-BE49-F238E27FC236}">
+                <a16:creationId xmlns:a16="http://schemas.microsoft.com/office/drawing/2014/main" id="{7110B189-8B46-4BC7-B015-FAAF6BC6C019}"/>
+              </a:ext>
+            </a:extLst>
+          </p:cNvPr>
+          <p:cNvSpPr txBox="1"/>
+          <p:nvPr/>
+        </p:nvSpPr>
+        <p:spPr>
+          <a:xfrm>
+            <a:off x="7210108" y="3264575"/>
+            <a:ext cx="3805959" cy="553998"/>
+          </a:xfrm>
+          <a:prstGeom prst="rect">
+            <a:avLst/>
+          </a:prstGeom>
+          <a:noFill/>
+        </p:spPr>
+        <p:txBody>
+          <a:bodyPr wrap="square" rtlCol="0">
+            <a:spAutoFit/>
+          </a:bodyPr>
+          <a:lstStyle/>
+          <a:p>
+            <a:pPr algn="ctr"/>
+            <a:r>
+              <a:rPr lang="es-AR" dirty="0"/>
+              <a:t>Diez repeticiones</a:t>
+            </a:r>
+          </a:p>
+          <a:p>
+            <a:pPr algn="ctr"/>
+            <a:r>
+              <a:rPr lang="es-AR" sz="1200" dirty="0"/>
+              <a:t>(Cada vez que hay una, se permutan las 12 secuencias)</a:t>
+            </a:r>
+            <a:endParaRPr lang="es-ES" sz="1200" dirty="0"/>
+          </a:p>
+        </p:txBody>
+      </p:sp>
+      <p:cxnSp>
+        <p:nvCxnSpPr>
+          <p:cNvPr id="5" name="Conector: curvado 4">
+            <a:extLst>
+              <a:ext uri="{FF2B5EF4-FFF2-40B4-BE49-F238E27FC236}">
+                <a16:creationId xmlns:a16="http://schemas.microsoft.com/office/drawing/2014/main" id="{BABEAE76-FA7C-4101-AEC5-E0F33CA21638}"/>
+              </a:ext>
+            </a:extLst>
+          </p:cNvPr>
+          <p:cNvCxnSpPr>
+            <a:cxnSpLocks/>
+          </p:cNvCxnSpPr>
+          <p:nvPr/>
+        </p:nvCxnSpPr>
+        <p:spPr>
+          <a:xfrm>
+            <a:off x="2559959" y="3131285"/>
+            <a:ext cx="371191" cy="290536"/>
+          </a:xfrm>
+          <a:prstGeom prst="curvedConnector3">
+            <a:avLst>
+              <a:gd name="adj1" fmla="val 50000"/>
+            </a:avLst>
+          </a:prstGeom>
+          <a:ln>
+            <a:solidFill>
+              <a:schemeClr val="bg1"/>
+            </a:solidFill>
+            <a:tailEnd type="triangle"/>
+          </a:ln>
+        </p:spPr>
+        <p:style>
+          <a:lnRef idx="1">
+            <a:schemeClr val="accent1"/>
+          </a:lnRef>
+          <a:fillRef idx="0">
+            <a:schemeClr val="accent1"/>
+          </a:fillRef>
+          <a:effectRef idx="0">
+            <a:schemeClr val="accent1"/>
+          </a:effectRef>
+          <a:fontRef idx="minor">
+            <a:schemeClr val="tx1"/>
+          </a:fontRef>
+        </p:style>
+      </p:cxnSp>
+      <p:cxnSp>
+        <p:nvCxnSpPr>
+          <p:cNvPr id="34" name="Conector: curvado 33">
+            <a:extLst>
+              <a:ext uri="{FF2B5EF4-FFF2-40B4-BE49-F238E27FC236}">
+                <a16:creationId xmlns:a16="http://schemas.microsoft.com/office/drawing/2014/main" id="{66A238DD-7518-4F14-8C23-9731EA87F9BF}"/>
+              </a:ext>
+            </a:extLst>
+          </p:cNvPr>
+          <p:cNvCxnSpPr>
+            <a:cxnSpLocks/>
+          </p:cNvCxnSpPr>
+          <p:nvPr/>
+        </p:nvCxnSpPr>
+        <p:spPr>
+          <a:xfrm>
+            <a:off x="5918389" y="4324985"/>
+            <a:ext cx="552935" cy="349701"/>
+          </a:xfrm>
+          <a:prstGeom prst="curvedConnector3">
+            <a:avLst>
+              <a:gd name="adj1" fmla="val 50000"/>
+            </a:avLst>
+          </a:prstGeom>
+          <a:ln>
+            <a:solidFill>
+              <a:schemeClr val="bg1"/>
+            </a:solidFill>
+            <a:tailEnd type="triangle"/>
+          </a:ln>
+        </p:spPr>
+        <p:style>
+          <a:lnRef idx="1">
+            <a:schemeClr val="accent1"/>
+          </a:lnRef>
+          <a:fillRef idx="0">
+            <a:schemeClr val="accent1"/>
+          </a:fillRef>
+          <a:effectRef idx="0">
+            <a:schemeClr val="accent1"/>
+          </a:effectRef>
+          <a:fontRef idx="minor">
+            <a:schemeClr val="tx1"/>
+          </a:fontRef>
+        </p:style>
+      </p:cxnSp>
+      <p:cxnSp>
+        <p:nvCxnSpPr>
+          <p:cNvPr id="36" name="Conector: curvado 35">
+            <a:extLst>
+              <a:ext uri="{FF2B5EF4-FFF2-40B4-BE49-F238E27FC236}">
+                <a16:creationId xmlns:a16="http://schemas.microsoft.com/office/drawing/2014/main" id="{5084B51E-0AFC-4A65-AA37-A0908DE8D93F}"/>
+              </a:ext>
+            </a:extLst>
+          </p:cNvPr>
+          <p:cNvCxnSpPr>
+            <a:cxnSpLocks/>
+          </p:cNvCxnSpPr>
+          <p:nvPr/>
+        </p:nvCxnSpPr>
+        <p:spPr>
+          <a:xfrm rot="10800000">
+            <a:off x="1837370" y="4732458"/>
+            <a:ext cx="4609722" cy="395001"/>
+          </a:xfrm>
+          <a:prstGeom prst="curvedConnector3">
+            <a:avLst/>
+          </a:prstGeom>
+          <a:ln>
+            <a:solidFill>
+              <a:schemeClr val="bg1"/>
+            </a:solidFill>
+            <a:tailEnd type="triangle"/>
+          </a:ln>
+        </p:spPr>
+        <p:style>
+          <a:lnRef idx="1">
+            <a:schemeClr val="accent1"/>
+          </a:lnRef>
+          <a:fillRef idx="0">
+            <a:schemeClr val="accent1"/>
+          </a:fillRef>
+          <a:effectRef idx="0">
+            <a:schemeClr val="accent1"/>
+          </a:effectRef>
+          <a:fontRef idx="minor">
+            <a:schemeClr val="tx1"/>
+          </a:fontRef>
+        </p:style>
+      </p:cxnSp>
+      <p:sp>
+        <p:nvSpPr>
+          <p:cNvPr id="40" name="Rectángulo 39">
+            <a:extLst>
+              <a:ext uri="{FF2B5EF4-FFF2-40B4-BE49-F238E27FC236}">
+                <a16:creationId xmlns:a16="http://schemas.microsoft.com/office/drawing/2014/main" id="{ED4951A4-8512-4FCD-B29C-D7DFE82F9B3C}"/>
+              </a:ext>
+            </a:extLst>
+          </p:cNvPr>
+          <p:cNvSpPr/>
+          <p:nvPr/>
+        </p:nvSpPr>
+        <p:spPr>
+          <a:xfrm>
+            <a:off x="6653275" y="2797965"/>
+            <a:ext cx="4914558" cy="523220"/>
+          </a:xfrm>
+          <a:prstGeom prst="rect">
+            <a:avLst/>
+          </a:prstGeom>
+          <a:noFill/>
+        </p:spPr>
+        <p:txBody>
+          <a:bodyPr wrap="square" rtlCol="0">
+            <a:spAutoFit/>
+          </a:bodyPr>
+          <a:lstStyle/>
+          <a:p>
+            <a:pPr algn="ctr"/>
+            <a:r>
+              <a:rPr lang="es-ES" sz="1600" dirty="0">
+                <a:solidFill>
+                  <a:schemeClr val="bg1"/>
+                </a:solidFill>
+              </a:rPr>
+              <a:t>Una letra</a:t>
+            </a:r>
+          </a:p>
+          <a:p>
+            <a:pPr algn="ctr"/>
+            <a:r>
+              <a:rPr lang="es-ES" sz="1100" dirty="0">
+                <a:solidFill>
+                  <a:schemeClr val="bg1"/>
+                </a:solidFill>
+              </a:rPr>
+              <a:t>(que la persona está prestando atención y el sistema debe detectar cuál es)</a:t>
+            </a:r>
+          </a:p>
+        </p:txBody>
+      </p:sp>
+      <p:sp>
+        <p:nvSpPr>
+          <p:cNvPr id="41" name="Elipse 40">
+            <a:extLst>
+              <a:ext uri="{FF2B5EF4-FFF2-40B4-BE49-F238E27FC236}">
+                <a16:creationId xmlns:a16="http://schemas.microsoft.com/office/drawing/2014/main" id="{0C5FCF7C-50D6-4B8C-8D20-54070DD2F7C7}"/>
+              </a:ext>
+            </a:extLst>
+          </p:cNvPr>
+          <p:cNvSpPr/>
+          <p:nvPr/>
+        </p:nvSpPr>
+        <p:spPr>
+          <a:xfrm>
+            <a:off x="802501" y="4298667"/>
+            <a:ext cx="946727" cy="850446"/>
+          </a:xfrm>
+          <a:prstGeom prst="ellipse">
+            <a:avLst/>
+          </a:prstGeom>
+          <a:solidFill>
+            <a:srgbClr val="FF0000"/>
+          </a:solidFill>
+        </p:spPr>
+        <p:style>
+          <a:lnRef idx="2">
+            <a:schemeClr val="accent1">
+              <a:shade val="50000"/>
+            </a:schemeClr>
+          </a:lnRef>
+          <a:fillRef idx="1">
+            <a:schemeClr val="accent1"/>
+          </a:fillRef>
+          <a:effectRef idx="0">
+            <a:schemeClr val="accent1"/>
+          </a:effectRef>
+          <a:fontRef idx="minor">
+            <a:schemeClr val="lt1"/>
+          </a:fontRef>
+        </p:style>
+        <p:txBody>
+          <a:bodyPr rtlCol="0" anchor="ctr"/>
+          <a:lstStyle/>
+          <a:p>
+            <a:pPr algn="ctr"/>
+            <a:endParaRPr lang="es-ES" dirty="0"/>
+          </a:p>
+        </p:txBody>
+      </p:sp>
+      <p:sp>
+        <p:nvSpPr>
+          <p:cNvPr id="42" name="CuadroTexto 41">
+            <a:extLst>
+              <a:ext uri="{FF2B5EF4-FFF2-40B4-BE49-F238E27FC236}">
+                <a16:creationId xmlns:a16="http://schemas.microsoft.com/office/drawing/2014/main" id="{0AAA8C62-7F2B-4B38-811C-084F873300E1}"/>
+              </a:ext>
+            </a:extLst>
+          </p:cNvPr>
+          <p:cNvSpPr txBox="1"/>
+          <p:nvPr/>
+        </p:nvSpPr>
+        <p:spPr>
+          <a:xfrm>
+            <a:off x="482941" y="4400724"/>
+            <a:ext cx="1585845" cy="646331"/>
+          </a:xfrm>
+          <a:prstGeom prst="rect">
+            <a:avLst/>
+          </a:prstGeom>
+          <a:noFill/>
+        </p:spPr>
+        <p:txBody>
+          <a:bodyPr wrap="square" rtlCol="0">
+            <a:spAutoFit/>
+          </a:bodyPr>
+          <a:lstStyle/>
+          <a:p>
+            <a:pPr algn="ctr"/>
+            <a:r>
+              <a:rPr lang="es-AR" sz="3600" b="1" dirty="0">
+                <a:solidFill>
+                  <a:schemeClr val="bg1"/>
+                </a:solidFill>
+              </a:rPr>
+              <a:t>35</a:t>
+            </a:r>
+            <a:endParaRPr lang="es-ES" sz="3600" b="1" dirty="0">
+              <a:solidFill>
+                <a:schemeClr val="bg1"/>
+              </a:solidFill>
+            </a:endParaRPr>
+          </a:p>
+        </p:txBody>
+      </p:sp>
+      <p:sp>
+        <p:nvSpPr>
+          <p:cNvPr id="43" name="Rectángulo 42">
+            <a:extLst>
+              <a:ext uri="{FF2B5EF4-FFF2-40B4-BE49-F238E27FC236}">
+                <a16:creationId xmlns:a16="http://schemas.microsoft.com/office/drawing/2014/main" id="{9E27EE63-58C3-4C2B-94D3-21A494D696F6}"/>
+              </a:ext>
+            </a:extLst>
+          </p:cNvPr>
+          <p:cNvSpPr/>
+          <p:nvPr/>
+        </p:nvSpPr>
+        <p:spPr>
+          <a:xfrm>
+            <a:off x="828472" y="4924091"/>
+            <a:ext cx="1494320" cy="430887"/>
+          </a:xfrm>
+          <a:prstGeom prst="rect">
+            <a:avLst/>
+          </a:prstGeom>
+        </p:spPr>
+        <p:txBody>
+          <a:bodyPr wrap="none">
+            <a:spAutoFit/>
+          </a:bodyPr>
+          <a:lstStyle/>
+          <a:p>
+            <a:pPr algn="ctr"/>
+            <a:r>
+              <a:rPr lang="es-ES" sz="1100" dirty="0">
+                <a:solidFill>
+                  <a:schemeClr val="bg1"/>
+                </a:solidFill>
+              </a:rPr>
+              <a:t>Letras</a:t>
+            </a:r>
+            <a:r>
+              <a:rPr lang="es-ES" sz="1100" dirty="0">
+                <a:solidFill>
+                  <a:schemeClr val="bg1"/>
+                </a:solidFill>
+                <a:latin typeface="Consolas" panose="020B0609020204030204" pitchFamily="49" charset="0"/>
+              </a:rPr>
+              <a:t> </a:t>
+            </a:r>
+          </a:p>
+          <a:p>
+            <a:pPr algn="ctr"/>
+            <a:r>
+              <a:rPr lang="es-ES" sz="1100" dirty="0">
+                <a:solidFill>
+                  <a:schemeClr val="bg1"/>
+                </a:solidFill>
+              </a:rPr>
+              <a:t>(7 palabras de 5 letras)</a:t>
+            </a:r>
+          </a:p>
+        </p:txBody>
+      </p:sp>
+      <p:sp>
+        <p:nvSpPr>
+          <p:cNvPr id="45" name="CuadroTexto 44">
+            <a:extLst>
+              <a:ext uri="{FF2B5EF4-FFF2-40B4-BE49-F238E27FC236}">
+                <a16:creationId xmlns:a16="http://schemas.microsoft.com/office/drawing/2014/main" id="{4959AC2F-B7DA-449A-A032-5F805EDD804F}"/>
+              </a:ext>
+            </a:extLst>
+          </p:cNvPr>
+          <p:cNvSpPr txBox="1"/>
+          <p:nvPr/>
+        </p:nvSpPr>
+        <p:spPr>
+          <a:xfrm>
+            <a:off x="802499" y="4000795"/>
+            <a:ext cx="946727" cy="338554"/>
+          </a:xfrm>
+          <a:prstGeom prst="rect">
+            <a:avLst/>
+          </a:prstGeom>
+          <a:noFill/>
+        </p:spPr>
+        <p:txBody>
+          <a:bodyPr wrap="square" rtlCol="0">
+            <a:spAutoFit/>
+          </a:bodyPr>
+          <a:lstStyle/>
+          <a:p>
+            <a:pPr algn="ctr"/>
+            <a:r>
+              <a:rPr lang="es-AR" sz="1600" dirty="0" err="1">
+                <a:solidFill>
+                  <a:schemeClr val="bg1"/>
+                </a:solidFill>
+              </a:rPr>
+              <a:t>Dataset</a:t>
+            </a:r>
+            <a:endParaRPr lang="es-ES" sz="1600" dirty="0">
+              <a:solidFill>
+                <a:schemeClr val="bg1"/>
+              </a:solidFill>
+            </a:endParaRPr>
+          </a:p>
+        </p:txBody>
+      </p:sp>
+      <p:sp>
+        <p:nvSpPr>
+          <p:cNvPr id="46" name="CuadroTexto 45">
+            <a:extLst>
+              <a:ext uri="{FF2B5EF4-FFF2-40B4-BE49-F238E27FC236}">
+                <a16:creationId xmlns:a16="http://schemas.microsoft.com/office/drawing/2014/main" id="{1C6F7CCB-72EF-478C-B8BF-3D00F9B59EF9}"/>
+              </a:ext>
+            </a:extLst>
+          </p:cNvPr>
+          <p:cNvSpPr txBox="1"/>
+          <p:nvPr/>
+        </p:nvSpPr>
+        <p:spPr>
+          <a:xfrm>
+            <a:off x="4417738" y="5802139"/>
+            <a:ext cx="3470822" cy="1015663"/>
+          </a:xfrm>
+          <a:prstGeom prst="rect">
+            <a:avLst/>
+          </a:prstGeom>
+          <a:noFill/>
+        </p:spPr>
+        <p:txBody>
+          <a:bodyPr wrap="square" rtlCol="0">
+            <a:spAutoFit/>
+          </a:bodyPr>
+          <a:lstStyle/>
+          <a:p>
+            <a:pPr marL="171450" indent="-171450">
+              <a:buFont typeface="Arial" panose="020B0604020202020204" pitchFamily="34" charset="0"/>
+              <a:buChar char="•"/>
+            </a:pPr>
+            <a:r>
+              <a:rPr lang="es-AR" sz="1200" dirty="0">
+                <a:solidFill>
+                  <a:schemeClr val="bg1"/>
+                </a:solidFill>
+              </a:rPr>
+              <a:t>1 Estímulo -&gt; 1 (de 6) fila o 1 (de 6) col.</a:t>
+            </a:r>
+          </a:p>
+          <a:p>
+            <a:pPr marL="171450" indent="-171450">
+              <a:buFont typeface="Arial" panose="020B0604020202020204" pitchFamily="34" charset="0"/>
+              <a:buChar char="•"/>
+            </a:pPr>
+            <a:r>
+              <a:rPr lang="es-AR" sz="1200" dirty="0">
+                <a:solidFill>
+                  <a:schemeClr val="bg1"/>
+                </a:solidFill>
+              </a:rPr>
+              <a:t>1 Palabra -&gt; 5 Letras.</a:t>
+            </a:r>
+          </a:p>
+          <a:p>
+            <a:pPr marL="171450" indent="-171450">
+              <a:buFont typeface="Arial" panose="020B0604020202020204" pitchFamily="34" charset="0"/>
+              <a:buChar char="•"/>
+            </a:pPr>
+            <a:r>
+              <a:rPr lang="es-AR" sz="1200" dirty="0">
+                <a:solidFill>
+                  <a:schemeClr val="bg1"/>
+                </a:solidFill>
+              </a:rPr>
+              <a:t>7 Palabras de 5 letras -&gt; 35.</a:t>
+            </a:r>
+          </a:p>
+          <a:p>
+            <a:pPr marL="171450" indent="-171450">
+              <a:buFont typeface="Arial" panose="020B0604020202020204" pitchFamily="34" charset="0"/>
+              <a:buChar char="•"/>
+            </a:pPr>
+            <a:r>
+              <a:rPr lang="es-AR" sz="1200" dirty="0">
+                <a:solidFill>
+                  <a:schemeClr val="bg1"/>
+                </a:solidFill>
+              </a:rPr>
+              <a:t>12 estímulos x 35 letras -&gt; </a:t>
+            </a:r>
+            <a:r>
+              <a:rPr lang="es-ES" sz="1200" dirty="0">
+                <a:solidFill>
+                  <a:schemeClr val="bg1"/>
+                </a:solidFill>
+              </a:rPr>
+              <a:t>420.</a:t>
+            </a:r>
+          </a:p>
+          <a:p>
+            <a:pPr defTabSz="271463"/>
+            <a:r>
+              <a:rPr lang="es-ES" sz="1200" dirty="0">
+                <a:solidFill>
+                  <a:schemeClr val="bg1"/>
+                </a:solidFill>
+              </a:rPr>
+              <a:t>	De los primeros 12 hay 10 no hits y 2 hits.</a:t>
+            </a:r>
+          </a:p>
+        </p:txBody>
+      </p:sp>
+      <p:grpSp>
+        <p:nvGrpSpPr>
+          <p:cNvPr id="51" name="Grupo 50">
+            <a:extLst>
+              <a:ext uri="{FF2B5EF4-FFF2-40B4-BE49-F238E27FC236}">
+                <a16:creationId xmlns:a16="http://schemas.microsoft.com/office/drawing/2014/main" id="{06423205-3669-4FF6-BC08-94842C03F356}"/>
+              </a:ext>
+            </a:extLst>
+          </p:cNvPr>
+          <p:cNvGrpSpPr/>
+          <p:nvPr/>
+        </p:nvGrpSpPr>
+        <p:grpSpPr>
+          <a:xfrm>
+            <a:off x="6216446" y="1608797"/>
+            <a:ext cx="1005199" cy="647310"/>
+            <a:chOff x="8517492" y="170197"/>
+            <a:chExt cx="1893454" cy="1382277"/>
+          </a:xfrm>
+        </p:grpSpPr>
+        <p:sp>
+          <p:nvSpPr>
+            <p:cNvPr id="49" name="Rectángulo 48">
+              <a:extLst>
+                <a:ext uri="{FF2B5EF4-FFF2-40B4-BE49-F238E27FC236}">
+                  <a16:creationId xmlns:a16="http://schemas.microsoft.com/office/drawing/2014/main" id="{12D824C9-9CC4-4D45-8702-CB9A83223B30}"/>
+                </a:ext>
+              </a:extLst>
+            </p:cNvPr>
+            <p:cNvSpPr/>
+            <p:nvPr/>
+          </p:nvSpPr>
+          <p:spPr>
+            <a:xfrm>
+              <a:off x="8517492" y="170197"/>
+              <a:ext cx="1893454" cy="1382277"/>
+            </a:xfrm>
+            <a:prstGeom prst="rect">
+              <a:avLst/>
+            </a:prstGeom>
+            <a:solidFill>
+              <a:srgbClr val="FFC000"/>
+            </a:solidFill>
+          </p:spPr>
+          <p:style>
+            <a:lnRef idx="2">
+              <a:schemeClr val="accent1">
+                <a:shade val="50000"/>
+              </a:schemeClr>
+            </a:lnRef>
+            <a:fillRef idx="1">
+              <a:schemeClr val="accent1"/>
+            </a:fillRef>
+            <a:effectRef idx="0">
+              <a:schemeClr val="accent1"/>
+            </a:effectRef>
+            <a:fontRef idx="minor">
+              <a:schemeClr val="lt1"/>
+            </a:fontRef>
+          </p:style>
+          <p:txBody>
+            <a:bodyPr rtlCol="0" anchor="ctr"/>
+            <a:lstStyle/>
+            <a:p>
+              <a:pPr algn="ctr"/>
+              <a:endParaRPr lang="es-ES"/>
+            </a:p>
+          </p:txBody>
+        </p:sp>
+        <p:pic>
+          <p:nvPicPr>
+            <p:cNvPr id="50" name="Imagen 49">
+              <a:extLst>
+                <a:ext uri="{FF2B5EF4-FFF2-40B4-BE49-F238E27FC236}">
+                  <a16:creationId xmlns:a16="http://schemas.microsoft.com/office/drawing/2014/main" id="{10C11ACB-73FD-4192-A20B-466EA754C0DA}"/>
+                </a:ext>
+              </a:extLst>
+            </p:cNvPr>
+            <p:cNvPicPr>
+              <a:picLocks noChangeAspect="1"/>
+            </p:cNvPicPr>
+            <p:nvPr/>
+          </p:nvPicPr>
+          <p:blipFill>
+            <a:blip r:embed="rId2"/>
+            <a:stretch>
+              <a:fillRect/>
+            </a:stretch>
+          </p:blipFill>
+          <p:spPr>
+            <a:xfrm>
+              <a:off x="8609856" y="284784"/>
+              <a:ext cx="1714346" cy="1153102"/>
+            </a:xfrm>
+            <a:prstGeom prst="rect">
+              <a:avLst/>
+            </a:prstGeom>
+          </p:spPr>
+        </p:pic>
+      </p:grpSp>
+      <p:cxnSp>
+        <p:nvCxnSpPr>
+          <p:cNvPr id="53" name="Conector recto de flecha 52">
+            <a:extLst>
+              <a:ext uri="{FF2B5EF4-FFF2-40B4-BE49-F238E27FC236}">
+                <a16:creationId xmlns:a16="http://schemas.microsoft.com/office/drawing/2014/main" id="{3BBBF88B-D1DA-438A-9A82-68283D653096}"/>
+              </a:ext>
+            </a:extLst>
+          </p:cNvPr>
+          <p:cNvCxnSpPr>
+            <a:cxnSpLocks/>
+            <a:stCxn id="48" idx="7"/>
+          </p:cNvCxnSpPr>
+          <p:nvPr/>
+        </p:nvCxnSpPr>
+        <p:spPr>
+          <a:xfrm flipV="1">
+            <a:off x="5928786" y="2013265"/>
+            <a:ext cx="552935" cy="876858"/>
+          </a:xfrm>
+          <a:prstGeom prst="straightConnector1">
+            <a:avLst/>
+          </a:prstGeom>
+          <a:ln>
+            <a:solidFill>
+              <a:schemeClr val="bg1">
+                <a:lumMod val="50000"/>
+              </a:schemeClr>
+            </a:solidFill>
+            <a:tailEnd type="triangle"/>
+          </a:ln>
+        </p:spPr>
+        <p:style>
+          <a:lnRef idx="1">
+            <a:schemeClr val="accent1"/>
+          </a:lnRef>
+          <a:fillRef idx="0">
+            <a:schemeClr val="accent1"/>
+          </a:fillRef>
+          <a:effectRef idx="0">
+            <a:schemeClr val="accent1"/>
+          </a:effectRef>
+          <a:fontRef idx="minor">
+            <a:schemeClr val="tx1"/>
+          </a:fontRef>
+        </p:style>
+      </p:cxnSp>
+      <p:sp>
+        <p:nvSpPr>
+          <p:cNvPr id="54" name="Elipse 53">
+            <a:extLst>
+              <a:ext uri="{FF2B5EF4-FFF2-40B4-BE49-F238E27FC236}">
+                <a16:creationId xmlns:a16="http://schemas.microsoft.com/office/drawing/2014/main" id="{30445ADD-97BC-47B5-802B-DDDD36E3ED08}"/>
+              </a:ext>
+            </a:extLst>
+          </p:cNvPr>
+          <p:cNvSpPr/>
+          <p:nvPr/>
+        </p:nvSpPr>
+        <p:spPr>
+          <a:xfrm>
+            <a:off x="6473618" y="1913886"/>
+            <a:ext cx="114300" cy="102870"/>
+          </a:xfrm>
+          <a:prstGeom prst="ellipse">
+            <a:avLst/>
+          </a:prstGeom>
+          <a:solidFill>
+            <a:srgbClr val="FF0000">
+              <a:alpha val="50000"/>
+            </a:srgbClr>
+          </a:solidFill>
+          <a:ln>
+            <a:solidFill>
+              <a:srgbClr val="FF0000"/>
+            </a:solidFill>
+          </a:ln>
+        </p:spPr>
+        <p:style>
+          <a:lnRef idx="2">
+            <a:schemeClr val="accent1">
+              <a:shade val="50000"/>
+            </a:schemeClr>
+          </a:lnRef>
+          <a:fillRef idx="1">
+            <a:schemeClr val="accent1"/>
+          </a:fillRef>
+          <a:effectRef idx="0">
+            <a:schemeClr val="accent1"/>
+          </a:effectRef>
+          <a:fontRef idx="minor">
+            <a:schemeClr val="lt1"/>
+          </a:fontRef>
+        </p:style>
+        <p:txBody>
+          <a:bodyPr rtlCol="0" anchor="ctr"/>
+          <a:lstStyle/>
+          <a:p>
+            <a:pPr algn="ctr"/>
+            <a:endParaRPr lang="es-ES" dirty="0"/>
+          </a:p>
+        </p:txBody>
+      </p:sp>
+      <p:sp>
+        <p:nvSpPr>
+          <p:cNvPr id="55" name="Elipse 54">
+            <a:extLst>
+              <a:ext uri="{FF2B5EF4-FFF2-40B4-BE49-F238E27FC236}">
+                <a16:creationId xmlns:a16="http://schemas.microsoft.com/office/drawing/2014/main" id="{9FB6E076-338B-4226-8855-C1DCD97B6A5C}"/>
+              </a:ext>
+            </a:extLst>
+          </p:cNvPr>
+          <p:cNvSpPr/>
+          <p:nvPr/>
+        </p:nvSpPr>
+        <p:spPr>
+          <a:xfrm>
+            <a:off x="6927003" y="1910395"/>
+            <a:ext cx="114300" cy="102870"/>
+          </a:xfrm>
+          <a:prstGeom prst="ellipse">
+            <a:avLst/>
+          </a:prstGeom>
+          <a:solidFill>
+            <a:srgbClr val="FF0000">
+              <a:alpha val="50000"/>
+            </a:srgbClr>
+          </a:solidFill>
+          <a:ln>
+            <a:solidFill>
+              <a:srgbClr val="FF0000"/>
+            </a:solidFill>
+          </a:ln>
+        </p:spPr>
+        <p:style>
+          <a:lnRef idx="2">
+            <a:schemeClr val="accent1">
+              <a:shade val="50000"/>
+            </a:schemeClr>
+          </a:lnRef>
+          <a:fillRef idx="1">
+            <a:schemeClr val="accent1"/>
+          </a:fillRef>
+          <a:effectRef idx="0">
+            <a:schemeClr val="accent1"/>
+          </a:effectRef>
+          <a:fontRef idx="minor">
+            <a:schemeClr val="lt1"/>
+          </a:fontRef>
+        </p:style>
+        <p:txBody>
+          <a:bodyPr rtlCol="0" anchor="ctr"/>
+          <a:lstStyle/>
+          <a:p>
+            <a:pPr algn="ctr"/>
+            <a:endParaRPr lang="es-ES" dirty="0"/>
+          </a:p>
+        </p:txBody>
+      </p:sp>
+      <p:cxnSp>
+        <p:nvCxnSpPr>
+          <p:cNvPr id="57" name="Conector recto de flecha 56">
+            <a:extLst>
+              <a:ext uri="{FF2B5EF4-FFF2-40B4-BE49-F238E27FC236}">
+                <a16:creationId xmlns:a16="http://schemas.microsoft.com/office/drawing/2014/main" id="{AE2E2003-EE9D-4A1E-B07A-3DC2EF878DBC}"/>
+              </a:ext>
+            </a:extLst>
+          </p:cNvPr>
+          <p:cNvCxnSpPr>
+            <a:cxnSpLocks/>
+          </p:cNvCxnSpPr>
+          <p:nvPr/>
+        </p:nvCxnSpPr>
+        <p:spPr>
+          <a:xfrm flipV="1">
+            <a:off x="5939672" y="2013265"/>
+            <a:ext cx="1005199" cy="876860"/>
+          </a:xfrm>
+          <a:prstGeom prst="straightConnector1">
+            <a:avLst/>
+          </a:prstGeom>
+          <a:ln>
+            <a:solidFill>
+              <a:schemeClr val="bg1">
+                <a:lumMod val="50000"/>
+              </a:schemeClr>
+            </a:solidFill>
+            <a:tailEnd type="triangle"/>
+          </a:ln>
+        </p:spPr>
+        <p:style>
+          <a:lnRef idx="1">
+            <a:schemeClr val="accent1"/>
+          </a:lnRef>
+          <a:fillRef idx="0">
+            <a:schemeClr val="accent1"/>
+          </a:fillRef>
+          <a:effectRef idx="0">
+            <a:schemeClr val="accent1"/>
+          </a:effectRef>
+          <a:fontRef idx="minor">
+            <a:schemeClr val="tx1"/>
+          </a:fontRef>
+        </p:style>
+      </p:cxnSp>
+      <p:sp>
+        <p:nvSpPr>
+          <p:cNvPr id="68" name="Rectángulo 67">
+            <a:extLst>
+              <a:ext uri="{FF2B5EF4-FFF2-40B4-BE49-F238E27FC236}">
+                <a16:creationId xmlns:a16="http://schemas.microsoft.com/office/drawing/2014/main" id="{BEF4906A-6831-41B1-A629-EC4731F48825}"/>
+              </a:ext>
+            </a:extLst>
+          </p:cNvPr>
+          <p:cNvSpPr/>
+          <p:nvPr/>
+        </p:nvSpPr>
+        <p:spPr>
+          <a:xfrm>
+            <a:off x="6496440" y="2208094"/>
+            <a:ext cx="1221809" cy="261610"/>
+          </a:xfrm>
+          <a:prstGeom prst="rect">
+            <a:avLst/>
+          </a:prstGeom>
+        </p:spPr>
+        <p:txBody>
+          <a:bodyPr wrap="none">
+            <a:spAutoFit/>
+          </a:bodyPr>
+          <a:lstStyle/>
+          <a:p>
+            <a:r>
+              <a:rPr lang="es-ES" sz="1100" dirty="0">
+                <a:solidFill>
+                  <a:schemeClr val="bg1"/>
+                </a:solidFill>
+              </a:rPr>
+              <a:t>10 no hits y 2 hits.</a:t>
+            </a:r>
+            <a:endParaRPr lang="es-ES" sz="1100" dirty="0"/>
+          </a:p>
+        </p:txBody>
+      </p:sp>
+      <p:pic>
+        <p:nvPicPr>
+          <p:cNvPr id="69" name="Imagen 68">
+            <a:extLst>
+              <a:ext uri="{FF2B5EF4-FFF2-40B4-BE49-F238E27FC236}">
+                <a16:creationId xmlns:a16="http://schemas.microsoft.com/office/drawing/2014/main" id="{FE26A1BB-193A-44AF-98AD-B74BDF2C96B8}"/>
+              </a:ext>
+            </a:extLst>
+          </p:cNvPr>
+          <p:cNvPicPr>
+            <a:picLocks noChangeAspect="1"/>
+          </p:cNvPicPr>
+          <p:nvPr/>
+        </p:nvPicPr>
+        <p:blipFill>
+          <a:blip r:embed="rId5"/>
+          <a:stretch>
+            <a:fillRect/>
+          </a:stretch>
+        </p:blipFill>
+        <p:spPr>
+          <a:xfrm>
+            <a:off x="8585624" y="898047"/>
+            <a:ext cx="2403616" cy="1608270"/>
+          </a:xfrm>
+          <a:prstGeom prst="rect">
+            <a:avLst/>
+          </a:prstGeom>
+        </p:spPr>
+      </p:pic>
+      <p:sp>
+        <p:nvSpPr>
+          <p:cNvPr id="70" name="Rectángulo 69">
+            <a:extLst>
+              <a:ext uri="{FF2B5EF4-FFF2-40B4-BE49-F238E27FC236}">
+                <a16:creationId xmlns:a16="http://schemas.microsoft.com/office/drawing/2014/main" id="{BDE84D47-5E9E-44EE-930A-03AF13CE0519}"/>
+              </a:ext>
+            </a:extLst>
+          </p:cNvPr>
+          <p:cNvSpPr/>
+          <p:nvPr/>
+        </p:nvSpPr>
+        <p:spPr>
+          <a:xfrm>
+            <a:off x="3100691" y="404532"/>
+            <a:ext cx="6104915" cy="369332"/>
+          </a:xfrm>
+          <a:prstGeom prst="rect">
+            <a:avLst/>
+          </a:prstGeom>
+        </p:spPr>
+        <p:txBody>
+          <a:bodyPr wrap="square">
+            <a:spAutoFit/>
+          </a:bodyPr>
+          <a:lstStyle/>
+          <a:p>
+            <a:pPr algn="ctr"/>
+            <a:r>
+              <a:rPr lang="es-ES" b="1" dirty="0">
+                <a:solidFill>
+                  <a:schemeClr val="bg1"/>
+                </a:solidFill>
+              </a:rPr>
+              <a:t>Registro de EEG correspondiente a un experimento del </a:t>
+            </a:r>
+            <a:r>
+              <a:rPr lang="es-ES" b="1" dirty="0" err="1">
+                <a:solidFill>
+                  <a:schemeClr val="bg1"/>
+                </a:solidFill>
+              </a:rPr>
+              <a:t>Speller</a:t>
+            </a:r>
+            <a:r>
+              <a:rPr lang="es-ES" b="1" dirty="0">
+                <a:solidFill>
+                  <a:schemeClr val="bg1"/>
+                </a:solidFill>
+              </a:rPr>
+              <a:t>.</a:t>
+            </a:r>
+          </a:p>
+        </p:txBody>
+      </p:sp>
     </p:spTree>
     <p:extLst>
       <p:ext uri="{BB962C8B-B14F-4D97-AF65-F5344CB8AC3E}">
-        <p14:creationId xmlns:p14="http://schemas.microsoft.com/office/powerpoint/2010/main" val="3445967521"/>
+        <p14:creationId xmlns:p14="http://schemas.microsoft.com/office/powerpoint/2010/main" val="2547419906"/>
       </p:ext>
     </p:extLst>
   </p:cSld>
   <p:clrMapOvr>
     <a:masterClrMapping/>
   </p:clrMapOvr>
+  <p:timing>
+    <p:tnLst>
+      <p:par>
+        <p:cTn id="1" dur="indefinite" restart="never" nodeType="tmRoot">
+          <p:childTnLst>
+            <p:seq concurrent="1" nextAc="seek">
+              <p:cTn id="2" dur="indefinite" nodeType="mainSeq">
+                <p:childTnLst>
+                  <p:par>
+                    <p:cTn id="3" fill="hold">
+                      <p:stCondLst>
+                        <p:cond delay="indefinite"/>
+                      </p:stCondLst>
+                      <p:childTnLst>
+                        <p:par>
+                          <p:cTn id="4" fill="hold">
+                            <p:stCondLst>
+                              <p:cond delay="0"/>
+                            </p:stCondLst>
+                            <p:childTnLst>
+                              <p:par>
+                                <p:cTn id="5" presetID="10" presetClass="entr" presetSubtype="0" fill="hold" grpId="0" nodeType="clickEffect">
+                                  <p:stCondLst>
+                                    <p:cond delay="0"/>
+                                  </p:stCondLst>
+                                  <p:childTnLst>
+                                    <p:set>
+                                      <p:cBhvr>
+                                        <p:cTn id="6" dur="1" fill="hold">
+                                          <p:stCondLst>
+                                            <p:cond delay="0"/>
+                                          </p:stCondLst>
+                                        </p:cTn>
+                                        <p:tgtEl>
+                                          <p:spTgt spid="70"/>
+                                        </p:tgtEl>
+                                        <p:attrNameLst>
+                                          <p:attrName>style.visibility</p:attrName>
+                                        </p:attrNameLst>
+                                      </p:cBhvr>
+                                      <p:to>
+                                        <p:strVal val="visible"/>
+                                      </p:to>
+                                    </p:set>
+                                    <p:animEffect transition="in" filter="fade">
+                                      <p:cBhvr>
+                                        <p:cTn id="7" dur="500"/>
+                                        <p:tgtEl>
+                                          <p:spTgt spid="70"/>
+                                        </p:tgtEl>
+                                      </p:cBhvr>
+                                    </p:animEffect>
+                                  </p:childTnLst>
+                                </p:cTn>
+                              </p:par>
+                              <p:par>
+                                <p:cTn id="8" presetID="10" presetClass="entr" presetSubtype="0" fill="hold" nodeType="withEffect">
+                                  <p:stCondLst>
+                                    <p:cond delay="0"/>
+                                  </p:stCondLst>
+                                  <p:childTnLst>
+                                    <p:set>
+                                      <p:cBhvr>
+                                        <p:cTn id="9" dur="1" fill="hold">
+                                          <p:stCondLst>
+                                            <p:cond delay="0"/>
+                                          </p:stCondLst>
+                                        </p:cTn>
+                                        <p:tgtEl>
+                                          <p:spTgt spid="69"/>
+                                        </p:tgtEl>
+                                        <p:attrNameLst>
+                                          <p:attrName>style.visibility</p:attrName>
+                                        </p:attrNameLst>
+                                      </p:cBhvr>
+                                      <p:to>
+                                        <p:strVal val="visible"/>
+                                      </p:to>
+                                    </p:set>
+                                    <p:animEffect transition="in" filter="fade">
+                                      <p:cBhvr>
+                                        <p:cTn id="10" dur="500"/>
+                                        <p:tgtEl>
+                                          <p:spTgt spid="69"/>
+                                        </p:tgtEl>
+                                      </p:cBhvr>
+                                    </p:animEffect>
+                                  </p:childTnLst>
+                                </p:cTn>
+                              </p:par>
+                            </p:childTnLst>
+                          </p:cTn>
+                        </p:par>
+                      </p:childTnLst>
+                    </p:cTn>
+                  </p:par>
+                  <p:par>
+                    <p:cTn id="11" fill="hold">
+                      <p:stCondLst>
+                        <p:cond delay="indefinite"/>
+                      </p:stCondLst>
+                      <p:childTnLst>
+                        <p:par>
+                          <p:cTn id="12" fill="hold">
+                            <p:stCondLst>
+                              <p:cond delay="0"/>
+                            </p:stCondLst>
+                            <p:childTnLst>
+                              <p:par>
+                                <p:cTn id="13" presetID="10" presetClass="entr" presetSubtype="0" fill="hold" grpId="0" nodeType="clickEffect">
+                                  <p:stCondLst>
+                                    <p:cond delay="0"/>
+                                  </p:stCondLst>
+                                  <p:childTnLst>
+                                    <p:set>
+                                      <p:cBhvr>
+                                        <p:cTn id="14" dur="1" fill="hold">
+                                          <p:stCondLst>
+                                            <p:cond delay="0"/>
+                                          </p:stCondLst>
+                                        </p:cTn>
+                                        <p:tgtEl>
+                                          <p:spTgt spid="17"/>
+                                        </p:tgtEl>
+                                        <p:attrNameLst>
+                                          <p:attrName>style.visibility</p:attrName>
+                                        </p:attrNameLst>
+                                      </p:cBhvr>
+                                      <p:to>
+                                        <p:strVal val="visible"/>
+                                      </p:to>
+                                    </p:set>
+                                    <p:animEffect transition="in" filter="fade">
+                                      <p:cBhvr>
+                                        <p:cTn id="15" dur="1000"/>
+                                        <p:tgtEl>
+                                          <p:spTgt spid="17"/>
+                                        </p:tgtEl>
+                                      </p:cBhvr>
+                                    </p:animEffect>
+                                  </p:childTnLst>
+                                </p:cTn>
+                              </p:par>
+                              <p:par>
+                                <p:cTn id="16" presetID="10" presetClass="entr" presetSubtype="0" fill="hold" nodeType="withEffect">
+                                  <p:stCondLst>
+                                    <p:cond delay="0"/>
+                                  </p:stCondLst>
+                                  <p:childTnLst>
+                                    <p:set>
+                                      <p:cBhvr>
+                                        <p:cTn id="17" dur="1" fill="hold">
+                                          <p:stCondLst>
+                                            <p:cond delay="0"/>
+                                          </p:stCondLst>
+                                        </p:cTn>
+                                        <p:tgtEl>
+                                          <p:spTgt spid="14"/>
+                                        </p:tgtEl>
+                                        <p:attrNameLst>
+                                          <p:attrName>style.visibility</p:attrName>
+                                        </p:attrNameLst>
+                                      </p:cBhvr>
+                                      <p:to>
+                                        <p:strVal val="visible"/>
+                                      </p:to>
+                                    </p:set>
+                                    <p:animEffect transition="in" filter="fade">
+                                      <p:cBhvr>
+                                        <p:cTn id="18" dur="1000"/>
+                                        <p:tgtEl>
+                                          <p:spTgt spid="14"/>
+                                        </p:tgtEl>
+                                      </p:cBhvr>
+                                    </p:animEffect>
+                                  </p:childTnLst>
+                                </p:cTn>
+                              </p:par>
+                              <p:par>
+                                <p:cTn id="19" presetID="10" presetClass="entr" presetSubtype="0" fill="hold" grpId="0" nodeType="withEffect">
+                                  <p:stCondLst>
+                                    <p:cond delay="0"/>
+                                  </p:stCondLst>
+                                  <p:childTnLst>
+                                    <p:set>
+                                      <p:cBhvr>
+                                        <p:cTn id="20" dur="1" fill="hold">
+                                          <p:stCondLst>
+                                            <p:cond delay="0"/>
+                                          </p:stCondLst>
+                                        </p:cTn>
+                                        <p:tgtEl>
+                                          <p:spTgt spid="13"/>
+                                        </p:tgtEl>
+                                        <p:attrNameLst>
+                                          <p:attrName>style.visibility</p:attrName>
+                                        </p:attrNameLst>
+                                      </p:cBhvr>
+                                      <p:to>
+                                        <p:strVal val="visible"/>
+                                      </p:to>
+                                    </p:set>
+                                    <p:animEffect transition="in" filter="fade">
+                                      <p:cBhvr>
+                                        <p:cTn id="21" dur="1000"/>
+                                        <p:tgtEl>
+                                          <p:spTgt spid="13"/>
+                                        </p:tgtEl>
+                                      </p:cBhvr>
+                                    </p:animEffect>
+                                  </p:childTnLst>
+                                </p:cTn>
+                              </p:par>
+                              <p:par>
+                                <p:cTn id="22" presetID="10" presetClass="entr" presetSubtype="0" fill="hold" nodeType="withEffect">
+                                  <p:stCondLst>
+                                    <p:cond delay="0"/>
+                                  </p:stCondLst>
+                                  <p:childTnLst>
+                                    <p:set>
+                                      <p:cBhvr>
+                                        <p:cTn id="23" dur="1" fill="hold">
+                                          <p:stCondLst>
+                                            <p:cond delay="0"/>
+                                          </p:stCondLst>
+                                        </p:cTn>
+                                        <p:tgtEl>
+                                          <p:spTgt spid="5"/>
+                                        </p:tgtEl>
+                                        <p:attrNameLst>
+                                          <p:attrName>style.visibility</p:attrName>
+                                        </p:attrNameLst>
+                                      </p:cBhvr>
+                                      <p:to>
+                                        <p:strVal val="visible"/>
+                                      </p:to>
+                                    </p:set>
+                                    <p:animEffect transition="in" filter="fade">
+                                      <p:cBhvr>
+                                        <p:cTn id="24" dur="500"/>
+                                        <p:tgtEl>
+                                          <p:spTgt spid="5"/>
+                                        </p:tgtEl>
+                                      </p:cBhvr>
+                                    </p:animEffect>
+                                  </p:childTnLst>
+                                </p:cTn>
+                              </p:par>
+                            </p:childTnLst>
+                          </p:cTn>
+                        </p:par>
+                      </p:childTnLst>
+                    </p:cTn>
+                  </p:par>
+                  <p:par>
+                    <p:cTn id="25" fill="hold">
+                      <p:stCondLst>
+                        <p:cond delay="indefinite"/>
+                      </p:stCondLst>
+                      <p:childTnLst>
+                        <p:par>
+                          <p:cTn id="26" fill="hold">
+                            <p:stCondLst>
+                              <p:cond delay="0"/>
+                            </p:stCondLst>
+                            <p:childTnLst>
+                              <p:par>
+                                <p:cTn id="27" presetID="10" presetClass="entr" presetSubtype="0" fill="hold" grpId="0" nodeType="clickEffect">
+                                  <p:stCondLst>
+                                    <p:cond delay="0"/>
+                                  </p:stCondLst>
+                                  <p:childTnLst>
+                                    <p:set>
+                                      <p:cBhvr>
+                                        <p:cTn id="28" dur="1" fill="hold">
+                                          <p:stCondLst>
+                                            <p:cond delay="0"/>
+                                          </p:stCondLst>
+                                        </p:cTn>
+                                        <p:tgtEl>
+                                          <p:spTgt spid="15"/>
+                                        </p:tgtEl>
+                                        <p:attrNameLst>
+                                          <p:attrName>style.visibility</p:attrName>
+                                        </p:attrNameLst>
+                                      </p:cBhvr>
+                                      <p:to>
+                                        <p:strVal val="visible"/>
+                                      </p:to>
+                                    </p:set>
+                                    <p:animEffect transition="in" filter="fade">
+                                      <p:cBhvr>
+                                        <p:cTn id="29" dur="500"/>
+                                        <p:tgtEl>
+                                          <p:spTgt spid="15"/>
+                                        </p:tgtEl>
+                                      </p:cBhvr>
+                                    </p:animEffect>
+                                  </p:childTnLst>
+                                </p:cTn>
+                              </p:par>
+                              <p:par>
+                                <p:cTn id="30" presetID="10" presetClass="entr" presetSubtype="0" fill="hold" nodeType="withEffect">
+                                  <p:stCondLst>
+                                    <p:cond delay="0"/>
+                                  </p:stCondLst>
+                                  <p:childTnLst>
+                                    <p:set>
+                                      <p:cBhvr>
+                                        <p:cTn id="31" dur="1" fill="hold">
+                                          <p:stCondLst>
+                                            <p:cond delay="0"/>
+                                          </p:stCondLst>
+                                        </p:cTn>
+                                        <p:tgtEl>
+                                          <p:spTgt spid="18"/>
+                                        </p:tgtEl>
+                                        <p:attrNameLst>
+                                          <p:attrName>style.visibility</p:attrName>
+                                        </p:attrNameLst>
+                                      </p:cBhvr>
+                                      <p:to>
+                                        <p:strVal val="visible"/>
+                                      </p:to>
+                                    </p:set>
+                                    <p:animEffect transition="in" filter="fade">
+                                      <p:cBhvr>
+                                        <p:cTn id="32" dur="500"/>
+                                        <p:tgtEl>
+                                          <p:spTgt spid="18"/>
+                                        </p:tgtEl>
+                                      </p:cBhvr>
+                                    </p:animEffect>
+                                  </p:childTnLst>
+                                </p:cTn>
+                              </p:par>
+                              <p:par>
+                                <p:cTn id="33" presetID="10" presetClass="entr" presetSubtype="0" fill="hold" nodeType="withEffect">
+                                  <p:stCondLst>
+                                    <p:cond delay="0"/>
+                                  </p:stCondLst>
+                                  <p:childTnLst>
+                                    <p:set>
+                                      <p:cBhvr>
+                                        <p:cTn id="34" dur="1" fill="hold">
+                                          <p:stCondLst>
+                                            <p:cond delay="0"/>
+                                          </p:stCondLst>
+                                        </p:cTn>
+                                        <p:tgtEl>
+                                          <p:spTgt spid="34"/>
+                                        </p:tgtEl>
+                                        <p:attrNameLst>
+                                          <p:attrName>style.visibility</p:attrName>
+                                        </p:attrNameLst>
+                                      </p:cBhvr>
+                                      <p:to>
+                                        <p:strVal val="visible"/>
+                                      </p:to>
+                                    </p:set>
+                                    <p:animEffect transition="in" filter="fade">
+                                      <p:cBhvr>
+                                        <p:cTn id="35" dur="500"/>
+                                        <p:tgtEl>
+                                          <p:spTgt spid="34"/>
+                                        </p:tgtEl>
+                                      </p:cBhvr>
+                                    </p:animEffect>
+                                  </p:childTnLst>
+                                </p:cTn>
+                              </p:par>
+                            </p:childTnLst>
+                          </p:cTn>
+                        </p:par>
+                      </p:childTnLst>
+                    </p:cTn>
+                  </p:par>
+                  <p:par>
+                    <p:cTn id="36" fill="hold">
+                      <p:stCondLst>
+                        <p:cond delay="indefinite"/>
+                      </p:stCondLst>
+                      <p:childTnLst>
+                        <p:par>
+                          <p:cTn id="37" fill="hold">
+                            <p:stCondLst>
+                              <p:cond delay="0"/>
+                            </p:stCondLst>
+                            <p:childTnLst>
+                              <p:par>
+                                <p:cTn id="38" presetID="10" presetClass="entr" presetSubtype="0" fill="hold" grpId="0" nodeType="clickEffect">
+                                  <p:stCondLst>
+                                    <p:cond delay="0"/>
+                                  </p:stCondLst>
+                                  <p:childTnLst>
+                                    <p:set>
+                                      <p:cBhvr>
+                                        <p:cTn id="39" dur="1" fill="hold">
+                                          <p:stCondLst>
+                                            <p:cond delay="0"/>
+                                          </p:stCondLst>
+                                        </p:cTn>
+                                        <p:tgtEl>
+                                          <p:spTgt spid="16"/>
+                                        </p:tgtEl>
+                                        <p:attrNameLst>
+                                          <p:attrName>style.visibility</p:attrName>
+                                        </p:attrNameLst>
+                                      </p:cBhvr>
+                                      <p:to>
+                                        <p:strVal val="visible"/>
+                                      </p:to>
+                                    </p:set>
+                                    <p:animEffect transition="in" filter="fade">
+                                      <p:cBhvr>
+                                        <p:cTn id="40" dur="500"/>
+                                        <p:tgtEl>
+                                          <p:spTgt spid="16"/>
+                                        </p:tgtEl>
+                                      </p:cBhvr>
+                                    </p:animEffect>
+                                  </p:childTnLst>
+                                </p:cTn>
+                              </p:par>
+                              <p:par>
+                                <p:cTn id="41" presetID="10" presetClass="entr" presetSubtype="0" fill="hold" nodeType="withEffect">
+                                  <p:stCondLst>
+                                    <p:cond delay="0"/>
+                                  </p:stCondLst>
+                                  <p:childTnLst>
+                                    <p:set>
+                                      <p:cBhvr>
+                                        <p:cTn id="42" dur="1" fill="hold">
+                                          <p:stCondLst>
+                                            <p:cond delay="0"/>
+                                          </p:stCondLst>
+                                        </p:cTn>
+                                        <p:tgtEl>
+                                          <p:spTgt spid="2"/>
+                                        </p:tgtEl>
+                                        <p:attrNameLst>
+                                          <p:attrName>style.visibility</p:attrName>
+                                        </p:attrNameLst>
+                                      </p:cBhvr>
+                                      <p:to>
+                                        <p:strVal val="visible"/>
+                                      </p:to>
+                                    </p:set>
+                                    <p:animEffect transition="in" filter="fade">
+                                      <p:cBhvr>
+                                        <p:cTn id="43" dur="500"/>
+                                        <p:tgtEl>
+                                          <p:spTgt spid="2"/>
+                                        </p:tgtEl>
+                                      </p:cBhvr>
+                                    </p:animEffect>
+                                  </p:childTnLst>
+                                </p:cTn>
+                              </p:par>
+                              <p:par>
+                                <p:cTn id="44" presetID="10" presetClass="entr" presetSubtype="0" fill="hold" grpId="0" nodeType="withEffect">
+                                  <p:stCondLst>
+                                    <p:cond delay="0"/>
+                                  </p:stCondLst>
+                                  <p:childTnLst>
+                                    <p:set>
+                                      <p:cBhvr>
+                                        <p:cTn id="45" dur="1" fill="hold">
+                                          <p:stCondLst>
+                                            <p:cond delay="0"/>
+                                          </p:stCondLst>
+                                        </p:cTn>
+                                        <p:tgtEl>
+                                          <p:spTgt spid="33"/>
+                                        </p:tgtEl>
+                                        <p:attrNameLst>
+                                          <p:attrName>style.visibility</p:attrName>
+                                        </p:attrNameLst>
+                                      </p:cBhvr>
+                                      <p:to>
+                                        <p:strVal val="visible"/>
+                                      </p:to>
+                                    </p:set>
+                                    <p:animEffect transition="in" filter="fade">
+                                      <p:cBhvr>
+                                        <p:cTn id="46" dur="500"/>
+                                        <p:tgtEl>
+                                          <p:spTgt spid="33"/>
+                                        </p:tgtEl>
+                                      </p:cBhvr>
+                                    </p:animEffect>
+                                  </p:childTnLst>
+                                </p:cTn>
+                              </p:par>
+                              <p:par>
+                                <p:cTn id="47" presetID="10" presetClass="entr" presetSubtype="0" fill="hold" grpId="0" nodeType="withEffect">
+                                  <p:stCondLst>
+                                    <p:cond delay="0"/>
+                                  </p:stCondLst>
+                                  <p:childTnLst>
+                                    <p:set>
+                                      <p:cBhvr>
+                                        <p:cTn id="48" dur="1" fill="hold">
+                                          <p:stCondLst>
+                                            <p:cond delay="0"/>
+                                          </p:stCondLst>
+                                        </p:cTn>
+                                        <p:tgtEl>
+                                          <p:spTgt spid="40"/>
+                                        </p:tgtEl>
+                                        <p:attrNameLst>
+                                          <p:attrName>style.visibility</p:attrName>
+                                        </p:attrNameLst>
+                                      </p:cBhvr>
+                                      <p:to>
+                                        <p:strVal val="visible"/>
+                                      </p:to>
+                                    </p:set>
+                                    <p:animEffect transition="in" filter="fade">
+                                      <p:cBhvr>
+                                        <p:cTn id="49" dur="500"/>
+                                        <p:tgtEl>
+                                          <p:spTgt spid="40"/>
+                                        </p:tgtEl>
+                                      </p:cBhvr>
+                                    </p:animEffect>
+                                  </p:childTnLst>
+                                </p:cTn>
+                              </p:par>
+                            </p:childTnLst>
+                          </p:cTn>
+                        </p:par>
+                      </p:childTnLst>
+                    </p:cTn>
+                  </p:par>
+                  <p:par>
+                    <p:cTn id="50" fill="hold">
+                      <p:stCondLst>
+                        <p:cond delay="indefinite"/>
+                      </p:stCondLst>
+                      <p:childTnLst>
+                        <p:par>
+                          <p:cTn id="51" fill="hold">
+                            <p:stCondLst>
+                              <p:cond delay="0"/>
+                            </p:stCondLst>
+                            <p:childTnLst>
+                              <p:par>
+                                <p:cTn id="52" presetID="10" presetClass="entr" presetSubtype="0" fill="hold" grpId="0" nodeType="clickEffect">
+                                  <p:stCondLst>
+                                    <p:cond delay="0"/>
+                                  </p:stCondLst>
+                                  <p:childTnLst>
+                                    <p:set>
+                                      <p:cBhvr>
+                                        <p:cTn id="53" dur="1" fill="hold">
+                                          <p:stCondLst>
+                                            <p:cond delay="0"/>
+                                          </p:stCondLst>
+                                        </p:cTn>
+                                        <p:tgtEl>
+                                          <p:spTgt spid="41"/>
+                                        </p:tgtEl>
+                                        <p:attrNameLst>
+                                          <p:attrName>style.visibility</p:attrName>
+                                        </p:attrNameLst>
+                                      </p:cBhvr>
+                                      <p:to>
+                                        <p:strVal val="visible"/>
+                                      </p:to>
+                                    </p:set>
+                                    <p:animEffect transition="in" filter="fade">
+                                      <p:cBhvr>
+                                        <p:cTn id="54" dur="500"/>
+                                        <p:tgtEl>
+                                          <p:spTgt spid="41"/>
+                                        </p:tgtEl>
+                                      </p:cBhvr>
+                                    </p:animEffect>
+                                  </p:childTnLst>
+                                </p:cTn>
+                              </p:par>
+                              <p:par>
+                                <p:cTn id="55" presetID="10" presetClass="entr" presetSubtype="0" fill="hold" grpId="0" nodeType="withEffect">
+                                  <p:stCondLst>
+                                    <p:cond delay="0"/>
+                                  </p:stCondLst>
+                                  <p:childTnLst>
+                                    <p:set>
+                                      <p:cBhvr>
+                                        <p:cTn id="56" dur="1" fill="hold">
+                                          <p:stCondLst>
+                                            <p:cond delay="0"/>
+                                          </p:stCondLst>
+                                        </p:cTn>
+                                        <p:tgtEl>
+                                          <p:spTgt spid="42"/>
+                                        </p:tgtEl>
+                                        <p:attrNameLst>
+                                          <p:attrName>style.visibility</p:attrName>
+                                        </p:attrNameLst>
+                                      </p:cBhvr>
+                                      <p:to>
+                                        <p:strVal val="visible"/>
+                                      </p:to>
+                                    </p:set>
+                                    <p:animEffect transition="in" filter="fade">
+                                      <p:cBhvr>
+                                        <p:cTn id="57" dur="500"/>
+                                        <p:tgtEl>
+                                          <p:spTgt spid="42"/>
+                                        </p:tgtEl>
+                                      </p:cBhvr>
+                                    </p:animEffect>
+                                  </p:childTnLst>
+                                </p:cTn>
+                              </p:par>
+                              <p:par>
+                                <p:cTn id="58" presetID="10" presetClass="entr" presetSubtype="0" fill="hold" grpId="0" nodeType="withEffect">
+                                  <p:stCondLst>
+                                    <p:cond delay="0"/>
+                                  </p:stCondLst>
+                                  <p:childTnLst>
+                                    <p:set>
+                                      <p:cBhvr>
+                                        <p:cTn id="59" dur="1" fill="hold">
+                                          <p:stCondLst>
+                                            <p:cond delay="0"/>
+                                          </p:stCondLst>
+                                        </p:cTn>
+                                        <p:tgtEl>
+                                          <p:spTgt spid="43"/>
+                                        </p:tgtEl>
+                                        <p:attrNameLst>
+                                          <p:attrName>style.visibility</p:attrName>
+                                        </p:attrNameLst>
+                                      </p:cBhvr>
+                                      <p:to>
+                                        <p:strVal val="visible"/>
+                                      </p:to>
+                                    </p:set>
+                                    <p:animEffect transition="in" filter="fade">
+                                      <p:cBhvr>
+                                        <p:cTn id="60" dur="500"/>
+                                        <p:tgtEl>
+                                          <p:spTgt spid="43"/>
+                                        </p:tgtEl>
+                                      </p:cBhvr>
+                                    </p:animEffect>
+                                  </p:childTnLst>
+                                </p:cTn>
+                              </p:par>
+                              <p:par>
+                                <p:cTn id="61" presetID="10" presetClass="entr" presetSubtype="0" fill="hold" grpId="0" nodeType="withEffect">
+                                  <p:stCondLst>
+                                    <p:cond delay="0"/>
+                                  </p:stCondLst>
+                                  <p:childTnLst>
+                                    <p:set>
+                                      <p:cBhvr>
+                                        <p:cTn id="62" dur="1" fill="hold">
+                                          <p:stCondLst>
+                                            <p:cond delay="0"/>
+                                          </p:stCondLst>
+                                        </p:cTn>
+                                        <p:tgtEl>
+                                          <p:spTgt spid="45"/>
+                                        </p:tgtEl>
+                                        <p:attrNameLst>
+                                          <p:attrName>style.visibility</p:attrName>
+                                        </p:attrNameLst>
+                                      </p:cBhvr>
+                                      <p:to>
+                                        <p:strVal val="visible"/>
+                                      </p:to>
+                                    </p:set>
+                                    <p:animEffect transition="in" filter="fade">
+                                      <p:cBhvr>
+                                        <p:cTn id="63" dur="500"/>
+                                        <p:tgtEl>
+                                          <p:spTgt spid="45"/>
+                                        </p:tgtEl>
+                                      </p:cBhvr>
+                                    </p:animEffect>
+                                  </p:childTnLst>
+                                </p:cTn>
+                              </p:par>
+                              <p:par>
+                                <p:cTn id="64" presetID="10" presetClass="entr" presetSubtype="0" fill="hold" nodeType="withEffect">
+                                  <p:stCondLst>
+                                    <p:cond delay="0"/>
+                                  </p:stCondLst>
+                                  <p:childTnLst>
+                                    <p:set>
+                                      <p:cBhvr>
+                                        <p:cTn id="65" dur="1" fill="hold">
+                                          <p:stCondLst>
+                                            <p:cond delay="0"/>
+                                          </p:stCondLst>
+                                        </p:cTn>
+                                        <p:tgtEl>
+                                          <p:spTgt spid="36"/>
+                                        </p:tgtEl>
+                                        <p:attrNameLst>
+                                          <p:attrName>style.visibility</p:attrName>
+                                        </p:attrNameLst>
+                                      </p:cBhvr>
+                                      <p:to>
+                                        <p:strVal val="visible"/>
+                                      </p:to>
+                                    </p:set>
+                                    <p:animEffect transition="in" filter="fade">
+                                      <p:cBhvr>
+                                        <p:cTn id="66" dur="500"/>
+                                        <p:tgtEl>
+                                          <p:spTgt spid="36"/>
+                                        </p:tgtEl>
+                                      </p:cBhvr>
+                                    </p:animEffect>
+                                  </p:childTnLst>
+                                </p:cTn>
+                              </p:par>
+                            </p:childTnLst>
+                          </p:cTn>
+                        </p:par>
+                      </p:childTnLst>
+                    </p:cTn>
+                  </p:par>
+                  <p:par>
+                    <p:cTn id="67" fill="hold">
+                      <p:stCondLst>
+                        <p:cond delay="indefinite"/>
+                      </p:stCondLst>
+                      <p:childTnLst>
+                        <p:par>
+                          <p:cTn id="68" fill="hold">
+                            <p:stCondLst>
+                              <p:cond delay="0"/>
+                            </p:stCondLst>
+                            <p:childTnLst>
+                              <p:par>
+                                <p:cTn id="69" presetID="10" presetClass="entr" presetSubtype="0" fill="hold" grpId="0" nodeType="clickEffect">
+                                  <p:stCondLst>
+                                    <p:cond delay="0"/>
+                                  </p:stCondLst>
+                                  <p:childTnLst>
+                                    <p:set>
+                                      <p:cBhvr>
+                                        <p:cTn id="70" dur="1" fill="hold">
+                                          <p:stCondLst>
+                                            <p:cond delay="0"/>
+                                          </p:stCondLst>
+                                        </p:cTn>
+                                        <p:tgtEl>
+                                          <p:spTgt spid="46"/>
+                                        </p:tgtEl>
+                                        <p:attrNameLst>
+                                          <p:attrName>style.visibility</p:attrName>
+                                        </p:attrNameLst>
+                                      </p:cBhvr>
+                                      <p:to>
+                                        <p:strVal val="visible"/>
+                                      </p:to>
+                                    </p:set>
+                                    <p:animEffect transition="in" filter="fade">
+                                      <p:cBhvr>
+                                        <p:cTn id="71" dur="500"/>
+                                        <p:tgtEl>
+                                          <p:spTgt spid="46"/>
+                                        </p:tgtEl>
+                                      </p:cBhvr>
+                                    </p:animEffect>
+                                  </p:childTnLst>
+                                </p:cTn>
+                              </p:par>
+                            </p:childTnLst>
+                          </p:cTn>
+                        </p:par>
+                      </p:childTnLst>
+                    </p:cTn>
+                  </p:par>
+                  <p:par>
+                    <p:cTn id="72" fill="hold">
+                      <p:stCondLst>
+                        <p:cond delay="indefinite"/>
+                      </p:stCondLst>
+                      <p:childTnLst>
+                        <p:par>
+                          <p:cTn id="73" fill="hold">
+                            <p:stCondLst>
+                              <p:cond delay="0"/>
+                            </p:stCondLst>
+                            <p:childTnLst>
+                              <p:par>
+                                <p:cTn id="74" presetID="10" presetClass="entr" presetSubtype="0" fill="hold" grpId="0" nodeType="clickEffect">
+                                  <p:stCondLst>
+                                    <p:cond delay="0"/>
+                                  </p:stCondLst>
+                                  <p:childTnLst>
+                                    <p:set>
+                                      <p:cBhvr>
+                                        <p:cTn id="75" dur="1" fill="hold">
+                                          <p:stCondLst>
+                                            <p:cond delay="0"/>
+                                          </p:stCondLst>
+                                        </p:cTn>
+                                        <p:tgtEl>
+                                          <p:spTgt spid="68"/>
+                                        </p:tgtEl>
+                                        <p:attrNameLst>
+                                          <p:attrName>style.visibility</p:attrName>
+                                        </p:attrNameLst>
+                                      </p:cBhvr>
+                                      <p:to>
+                                        <p:strVal val="visible"/>
+                                      </p:to>
+                                    </p:set>
+                                    <p:animEffect transition="in" filter="fade">
+                                      <p:cBhvr>
+                                        <p:cTn id="76" dur="500"/>
+                                        <p:tgtEl>
+                                          <p:spTgt spid="68"/>
+                                        </p:tgtEl>
+                                      </p:cBhvr>
+                                    </p:animEffect>
+                                  </p:childTnLst>
+                                </p:cTn>
+                              </p:par>
+                              <p:par>
+                                <p:cTn id="77" presetID="10" presetClass="entr" presetSubtype="0" fill="hold" grpId="0" nodeType="withEffect">
+                                  <p:stCondLst>
+                                    <p:cond delay="0"/>
+                                  </p:stCondLst>
+                                  <p:childTnLst>
+                                    <p:set>
+                                      <p:cBhvr>
+                                        <p:cTn id="78" dur="1" fill="hold">
+                                          <p:stCondLst>
+                                            <p:cond delay="0"/>
+                                          </p:stCondLst>
+                                        </p:cTn>
+                                        <p:tgtEl>
+                                          <p:spTgt spid="48"/>
+                                        </p:tgtEl>
+                                        <p:attrNameLst>
+                                          <p:attrName>style.visibility</p:attrName>
+                                        </p:attrNameLst>
+                                      </p:cBhvr>
+                                      <p:to>
+                                        <p:strVal val="visible"/>
+                                      </p:to>
+                                    </p:set>
+                                    <p:animEffect transition="in" filter="fade">
+                                      <p:cBhvr>
+                                        <p:cTn id="79" dur="500"/>
+                                        <p:tgtEl>
+                                          <p:spTgt spid="48"/>
+                                        </p:tgtEl>
+                                      </p:cBhvr>
+                                    </p:animEffect>
+                                  </p:childTnLst>
+                                </p:cTn>
+                              </p:par>
+                            </p:childTnLst>
+                          </p:cTn>
+                        </p:par>
+                      </p:childTnLst>
+                    </p:cTn>
+                  </p:par>
+                </p:childTnLst>
+              </p:cTn>
+              <p:prevCondLst>
+                <p:cond evt="onPrev" delay="0">
+                  <p:tgtEl>
+                    <p:sldTgt/>
+                  </p:tgtEl>
+                </p:cond>
+              </p:prevCondLst>
+              <p:nextCondLst>
+                <p:cond evt="onNext" delay="0">
+                  <p:tgtEl>
+                    <p:sldTgt/>
+                  </p:tgtEl>
+                </p:cond>
+              </p:nextCondLst>
+            </p:seq>
+          </p:childTnLst>
+        </p:cTn>
+      </p:par>
+    </p:tnLst>
+    <p:bldLst>
+      <p:bldP spid="48" grpId="0" animBg="1"/>
+      <p:bldP spid="16" grpId="0" animBg="1"/>
+      <p:bldP spid="17" grpId="0" animBg="1"/>
+      <p:bldP spid="13" grpId="0"/>
+      <p:bldP spid="15" grpId="0"/>
+      <p:bldP spid="33" grpId="0"/>
+      <p:bldP spid="40" grpId="0"/>
+      <p:bldP spid="41" grpId="0" animBg="1"/>
+      <p:bldP spid="42" grpId="0"/>
+      <p:bldP spid="43" grpId="0"/>
+      <p:bldP spid="45" grpId="0"/>
+      <p:bldP spid="46" grpId="0"/>
+      <p:bldP spid="68" grpId="0"/>
+      <p:bldP spid="70" grpId="0"/>
+    </p:bldLst>
+  </p:timing>
 </p:sld>
 </file>
 
-<file path=ppt/slides/slide2.xml><?xml version="1.0" encoding="utf-8"?>
+<file path=ppt/slides/slide3.xml><?xml version="1.0" encoding="utf-8"?>
 <p:sld xmlns:a="http://schemas.openxmlformats.org/drawingml/2006/main" xmlns:r="http://schemas.openxmlformats.org/officeDocument/2006/relationships" xmlns:p="http://schemas.openxmlformats.org/presentationml/2006/main">
   <p:cSld>
     <p:spTree>

--- a/a_documents/Memo-guias.pptx
+++ b/a_documents/Memo-guias.pptx
@@ -261,7 +261,7 @@
           <a:p>
             <a:fld id="{1A195345-43D7-4548-9778-198339A6C996}" type="datetimeFigureOut">
               <a:rPr lang="es-ES" smtClean="0"/>
-              <a:t>17/12/2023</a:t>
+              <a:t>06/01/2024</a:t>
             </a:fld>
             <a:endParaRPr lang="es-ES"/>
           </a:p>
@@ -459,7 +459,7 @@
           <a:p>
             <a:fld id="{1A195345-43D7-4548-9778-198339A6C996}" type="datetimeFigureOut">
               <a:rPr lang="es-ES" smtClean="0"/>
-              <a:t>17/12/2023</a:t>
+              <a:t>06/01/2024</a:t>
             </a:fld>
             <a:endParaRPr lang="es-ES"/>
           </a:p>
@@ -667,7 +667,7 @@
           <a:p>
             <a:fld id="{1A195345-43D7-4548-9778-198339A6C996}" type="datetimeFigureOut">
               <a:rPr lang="es-ES" smtClean="0"/>
-              <a:t>17/12/2023</a:t>
+              <a:t>06/01/2024</a:t>
             </a:fld>
             <a:endParaRPr lang="es-ES"/>
           </a:p>
@@ -865,7 +865,7 @@
           <a:p>
             <a:fld id="{1A195345-43D7-4548-9778-198339A6C996}" type="datetimeFigureOut">
               <a:rPr lang="es-ES" smtClean="0"/>
-              <a:t>17/12/2023</a:t>
+              <a:t>06/01/2024</a:t>
             </a:fld>
             <a:endParaRPr lang="es-ES"/>
           </a:p>
@@ -1140,7 +1140,7 @@
           <a:p>
             <a:fld id="{1A195345-43D7-4548-9778-198339A6C996}" type="datetimeFigureOut">
               <a:rPr lang="es-ES" smtClean="0"/>
-              <a:t>17/12/2023</a:t>
+              <a:t>06/01/2024</a:t>
             </a:fld>
             <a:endParaRPr lang="es-ES"/>
           </a:p>
@@ -1405,7 +1405,7 @@
           <a:p>
             <a:fld id="{1A195345-43D7-4548-9778-198339A6C996}" type="datetimeFigureOut">
               <a:rPr lang="es-ES" smtClean="0"/>
-              <a:t>17/12/2023</a:t>
+              <a:t>06/01/2024</a:t>
             </a:fld>
             <a:endParaRPr lang="es-ES"/>
           </a:p>
@@ -1817,7 +1817,7 @@
           <a:p>
             <a:fld id="{1A195345-43D7-4548-9778-198339A6C996}" type="datetimeFigureOut">
               <a:rPr lang="es-ES" smtClean="0"/>
-              <a:t>17/12/2023</a:t>
+              <a:t>06/01/2024</a:t>
             </a:fld>
             <a:endParaRPr lang="es-ES"/>
           </a:p>
@@ -1958,7 +1958,7 @@
           <a:p>
             <a:fld id="{1A195345-43D7-4548-9778-198339A6C996}" type="datetimeFigureOut">
               <a:rPr lang="es-ES" smtClean="0"/>
-              <a:t>17/12/2023</a:t>
+              <a:t>06/01/2024</a:t>
             </a:fld>
             <a:endParaRPr lang="es-ES"/>
           </a:p>
@@ -2071,7 +2071,7 @@
           <a:p>
             <a:fld id="{1A195345-43D7-4548-9778-198339A6C996}" type="datetimeFigureOut">
               <a:rPr lang="es-ES" smtClean="0"/>
-              <a:t>17/12/2023</a:t>
+              <a:t>06/01/2024</a:t>
             </a:fld>
             <a:endParaRPr lang="es-ES"/>
           </a:p>
@@ -2382,7 +2382,7 @@
           <a:p>
             <a:fld id="{1A195345-43D7-4548-9778-198339A6C996}" type="datetimeFigureOut">
               <a:rPr lang="es-ES" smtClean="0"/>
-              <a:t>17/12/2023</a:t>
+              <a:t>06/01/2024</a:t>
             </a:fld>
             <a:endParaRPr lang="es-ES"/>
           </a:p>
@@ -2670,7 +2670,7 @@
           <a:p>
             <a:fld id="{1A195345-43D7-4548-9778-198339A6C996}" type="datetimeFigureOut">
               <a:rPr lang="es-ES" smtClean="0"/>
-              <a:t>17/12/2023</a:t>
+              <a:t>06/01/2024</a:t>
             </a:fld>
             <a:endParaRPr lang="es-ES"/>
           </a:p>
@@ -2911,7 +2911,7 @@
           <a:p>
             <a:fld id="{1A195345-43D7-4548-9778-198339A6C996}" type="datetimeFigureOut">
               <a:rPr lang="es-ES" smtClean="0"/>
-              <a:t>17/12/2023</a:t>
+              <a:t>06/01/2024</a:t>
             </a:fld>
             <a:endParaRPr lang="es-ES"/>
           </a:p>
@@ -4513,8 +4513,8 @@
         </p:nvSpPr>
         <p:spPr>
           <a:xfrm>
-            <a:off x="4417738" y="5668789"/>
-            <a:ext cx="3470822" cy="1200329"/>
+            <a:off x="2546018" y="5286402"/>
+            <a:ext cx="4002310" cy="1754326"/>
           </a:xfrm>
           <a:prstGeom prst="rect">
             <a:avLst/>
@@ -4579,7 +4579,17 @@
                   <a:schemeClr val="bg1"/>
                 </a:solidFill>
               </a:rPr>
-              <a:t>12 estímulos x 35 letras -&gt; </a:t>
+              <a:t>12 estímulos (lo mismo que una sec.) x 35 letras -&gt; </a:t>
+            </a:r>
+          </a:p>
+          <a:p>
+            <a:r>
+              <a:rPr lang="es-AR" sz="1200" dirty="0">
+                <a:solidFill>
+                  <a:schemeClr val="bg1"/>
+                </a:solidFill>
+              </a:rPr>
+              <a:t>        </a:t>
             </a:r>
             <a:r>
               <a:rPr lang="es-ES" sz="1200" dirty="0">
@@ -4587,7 +4597,23 @@
                   <a:schemeClr val="bg1"/>
                 </a:solidFill>
               </a:rPr>
-              <a:t>420.</a:t>
+              <a:t>420 Eventos/”</a:t>
+            </a:r>
+            <a:r>
+              <a:rPr lang="es-ES" sz="1200" dirty="0" err="1">
+                <a:solidFill>
+                  <a:schemeClr val="bg1"/>
+                </a:solidFill>
+              </a:rPr>
+              <a:t>Epochs</a:t>
+            </a:r>
+            <a:r>
+              <a:rPr lang="es-ES" sz="1200" dirty="0">
+                <a:solidFill>
+                  <a:schemeClr val="bg1"/>
+                </a:solidFill>
+              </a:rPr>
+              <a:t>”.</a:t>
             </a:r>
           </a:p>
           <a:p>
@@ -4602,18 +4628,69 @@
             </a:r>
           </a:p>
           <a:p>
-            <a:pPr marL="180975" indent="-180975" defTabSz="271463">
+            <a:pPr marL="171450" indent="-171450" defTabSz="271463">
               <a:buFont typeface="Arial" panose="020B0604020202020204" pitchFamily="34" charset="0"/>
               <a:buChar char="•"/>
             </a:pPr>
             <a:r>
-              <a:rPr lang="es-ES" sz="1200" dirty="0">
+              <a:rPr lang="es-AR" sz="1200" dirty="0">
                 <a:solidFill>
                   <a:schemeClr val="bg1"/>
                 </a:solidFill>
               </a:rPr>
-              <a:t>MANSOCINCOJUEGOQUESO</a:t>
-            </a:r>
+              <a:t>12 </a:t>
+            </a:r>
+            <a:r>
+              <a:rPr lang="es-AR" sz="1200" dirty="0" err="1">
+                <a:solidFill>
+                  <a:schemeClr val="bg1"/>
+                </a:solidFill>
+              </a:rPr>
+              <a:t>est</a:t>
+            </a:r>
+            <a:r>
+              <a:rPr lang="es-AR" sz="1200" dirty="0">
+                <a:solidFill>
+                  <a:schemeClr val="bg1"/>
+                </a:solidFill>
+              </a:rPr>
+              <a:t> (o </a:t>
+            </a:r>
+            <a:r>
+              <a:rPr lang="es-AR" sz="1200" dirty="0" err="1">
+                <a:solidFill>
+                  <a:schemeClr val="bg1"/>
+                </a:solidFill>
+              </a:rPr>
+              <a:t>sec</a:t>
+            </a:r>
+            <a:r>
+              <a:rPr lang="es-AR" sz="1200" dirty="0">
+                <a:solidFill>
+                  <a:schemeClr val="bg1"/>
+                </a:solidFill>
+              </a:rPr>
+              <a:t>) x 35 letras x 10 repeticiones: </a:t>
+            </a:r>
+          </a:p>
+          <a:p>
+            <a:pPr defTabSz="271463"/>
+            <a:r>
+              <a:rPr lang="es-AR" sz="1200" dirty="0">
+                <a:solidFill>
+                  <a:schemeClr val="bg1"/>
+                </a:solidFill>
+              </a:rPr>
+              <a:t>		Data Set de 4200 filas.</a:t>
+            </a:r>
+          </a:p>
+          <a:p>
+            <a:pPr defTabSz="271463"/>
+            <a:endParaRPr lang="es-ES" sz="1200" dirty="0">
+              <a:solidFill>
+                <a:schemeClr val="bg1"/>
+              </a:solidFill>
+            </a:endParaRPr>
           </a:p>
         </p:txBody>
       </p:sp>
@@ -5089,6 +5166,65 @@
             <a:r>
               <a:rPr lang="es-ES" b="1" dirty="0"/>
               <a:t>.</a:t>
+            </a:r>
+          </a:p>
+        </p:txBody>
+      </p:sp>
+      <p:sp>
+        <p:nvSpPr>
+          <p:cNvPr id="44" name="CuadroTexto 43">
+            <a:extLst>
+              <a:ext uri="{FF2B5EF4-FFF2-40B4-BE49-F238E27FC236}">
+                <a16:creationId xmlns:a16="http://schemas.microsoft.com/office/drawing/2014/main" id="{608C3E95-62DB-470C-8BB8-9E9908693122}"/>
+              </a:ext>
+            </a:extLst>
+          </p:cNvPr>
+          <p:cNvSpPr txBox="1"/>
+          <p:nvPr/>
+        </p:nvSpPr>
+        <p:spPr>
+          <a:xfrm>
+            <a:off x="7826877" y="5726561"/>
+            <a:ext cx="2854309" cy="1015663"/>
+          </a:xfrm>
+          <a:prstGeom prst="rect">
+            <a:avLst/>
+          </a:prstGeom>
+          <a:noFill/>
+        </p:spPr>
+        <p:txBody>
+          <a:bodyPr wrap="square" rtlCol="0">
+            <a:spAutoFit/>
+          </a:bodyPr>
+          <a:lstStyle/>
+          <a:p>
+            <a:pPr algn="ctr"/>
+            <a:r>
+              <a:rPr lang="es-ES" sz="1200" i="1" dirty="0">
+                <a:solidFill>
+                  <a:schemeClr val="bg1"/>
+                </a:solidFill>
+              </a:rPr>
+              <a:t>De las siete palabras de cada tema, las tres primeras se utilizan para la calibración y las cuatro restantes para la prueba:</a:t>
+            </a:r>
+          </a:p>
+          <a:p>
+            <a:pPr algn="ctr" defTabSz="271463"/>
+            <a:endParaRPr lang="es-ES" sz="1200" i="1" dirty="0">
+              <a:solidFill>
+                <a:schemeClr val="bg1"/>
+              </a:solidFill>
+            </a:endParaRPr>
+          </a:p>
+          <a:p>
+            <a:pPr algn="ctr" defTabSz="271463"/>
+            <a:r>
+              <a:rPr lang="es-ES" sz="1200" i="1" dirty="0">
+                <a:solidFill>
+                  <a:schemeClr val="bg1"/>
+                </a:solidFill>
+              </a:rPr>
+              <a:t>MANSO  CINCO   JUEGO   QUESO</a:t>
             </a:r>
           </a:p>
         </p:txBody>
@@ -5937,6 +6073,59 @@
                       </p:childTnLst>
                     </p:cTn>
                   </p:par>
+                  <p:par>
+                    <p:cTn id="77" fill="hold">
+                      <p:stCondLst>
+                        <p:cond delay="indefinite"/>
+                      </p:stCondLst>
+                      <p:childTnLst>
+                        <p:par>
+                          <p:cTn id="78" fill="hold">
+                            <p:stCondLst>
+                              <p:cond delay="0"/>
+                            </p:stCondLst>
+                            <p:childTnLst>
+                              <p:par>
+                                <p:cTn id="79" presetID="10" presetClass="entr" presetSubtype="0" fill="hold" grpId="0" nodeType="clickEffect">
+                                  <p:stCondLst>
+                                    <p:cond delay="0"/>
+                                  </p:stCondLst>
+                                  <p:childTnLst>
+                                    <p:set>
+                                      <p:cBhvr>
+                                        <p:cTn id="80" dur="1" fill="hold">
+                                          <p:stCondLst>
+                                            <p:cond delay="0"/>
+                                          </p:stCondLst>
+                                        </p:cTn>
+                                        <p:tgtEl>
+                                          <p:spTgt spid="44"/>
+                                        </p:tgtEl>
+                                        <p:attrNameLst>
+                                          <p:attrName>style.visibility</p:attrName>
+                                        </p:attrNameLst>
+                                      </p:cBhvr>
+                                      <p:to>
+                                        <p:strVal val="visible"/>
+                                      </p:to>
+                                    </p:set>
+                                    <p:animEffect transition="in" filter="fade">
+                                      <p:cBhvr>
+                                        <p:cTn id="81" dur="500"/>
+                                        <p:tgtEl>
+                                          <p:spTgt spid="44"/>
+                                        </p:tgtEl>
+                                      </p:cBhvr>
+                                    </p:animEffect>
+                                  </p:childTnLst>
+                                </p:cTn>
+                              </p:par>
+                            </p:childTnLst>
+                          </p:cTn>
+                        </p:par>
+                      </p:childTnLst>
+                    </p:cTn>
+                  </p:par>
                 </p:childTnLst>
               </p:cTn>
               <p:prevCondLst>
@@ -5971,6 +6160,7 @@
       <p:bldP spid="45" grpId="0"/>
       <p:bldP spid="46" grpId="0"/>
       <p:bldP spid="70" grpId="0"/>
+      <p:bldP spid="44" grpId="0"/>
     </p:bldLst>
   </p:timing>
 </p:sld>

--- a/a_documents/Memo-guias.pptx
+++ b/a_documents/Memo-guias.pptx
@@ -6,8 +6,10 @@
   </p:sldMasterIdLst>
   <p:sldIdLst>
     <p:sldId id="256" r:id="rId2"/>
-    <p:sldId id="258" r:id="rId3"/>
-    <p:sldId id="257" r:id="rId4"/>
+    <p:sldId id="259" r:id="rId3"/>
+    <p:sldId id="260" r:id="rId4"/>
+    <p:sldId id="258" r:id="rId5"/>
+    <p:sldId id="257" r:id="rId6"/>
   </p:sldIdLst>
   <p:sldSz cx="12192000" cy="6858000"/>
   <p:notesSz cx="6858000" cy="9144000"/>
@@ -261,7 +263,7 @@
           <a:p>
             <a:fld id="{1A195345-43D7-4548-9778-198339A6C996}" type="datetimeFigureOut">
               <a:rPr lang="es-ES" smtClean="0"/>
-              <a:t>06/01/2024</a:t>
+              <a:t>07/01/2024</a:t>
             </a:fld>
             <a:endParaRPr lang="es-ES"/>
           </a:p>
@@ -459,7 +461,7 @@
           <a:p>
             <a:fld id="{1A195345-43D7-4548-9778-198339A6C996}" type="datetimeFigureOut">
               <a:rPr lang="es-ES" smtClean="0"/>
-              <a:t>06/01/2024</a:t>
+              <a:t>07/01/2024</a:t>
             </a:fld>
             <a:endParaRPr lang="es-ES"/>
           </a:p>
@@ -667,7 +669,7 @@
           <a:p>
             <a:fld id="{1A195345-43D7-4548-9778-198339A6C996}" type="datetimeFigureOut">
               <a:rPr lang="es-ES" smtClean="0"/>
-              <a:t>06/01/2024</a:t>
+              <a:t>07/01/2024</a:t>
             </a:fld>
             <a:endParaRPr lang="es-ES"/>
           </a:p>
@@ -865,7 +867,7 @@
           <a:p>
             <a:fld id="{1A195345-43D7-4548-9778-198339A6C996}" type="datetimeFigureOut">
               <a:rPr lang="es-ES" smtClean="0"/>
-              <a:t>06/01/2024</a:t>
+              <a:t>07/01/2024</a:t>
             </a:fld>
             <a:endParaRPr lang="es-ES"/>
           </a:p>
@@ -1140,7 +1142,7 @@
           <a:p>
             <a:fld id="{1A195345-43D7-4548-9778-198339A6C996}" type="datetimeFigureOut">
               <a:rPr lang="es-ES" smtClean="0"/>
-              <a:t>06/01/2024</a:t>
+              <a:t>07/01/2024</a:t>
             </a:fld>
             <a:endParaRPr lang="es-ES"/>
           </a:p>
@@ -1405,7 +1407,7 @@
           <a:p>
             <a:fld id="{1A195345-43D7-4548-9778-198339A6C996}" type="datetimeFigureOut">
               <a:rPr lang="es-ES" smtClean="0"/>
-              <a:t>06/01/2024</a:t>
+              <a:t>07/01/2024</a:t>
             </a:fld>
             <a:endParaRPr lang="es-ES"/>
           </a:p>
@@ -1817,7 +1819,7 @@
           <a:p>
             <a:fld id="{1A195345-43D7-4548-9778-198339A6C996}" type="datetimeFigureOut">
               <a:rPr lang="es-ES" smtClean="0"/>
-              <a:t>06/01/2024</a:t>
+              <a:t>07/01/2024</a:t>
             </a:fld>
             <a:endParaRPr lang="es-ES"/>
           </a:p>
@@ -1958,7 +1960,7 @@
           <a:p>
             <a:fld id="{1A195345-43D7-4548-9778-198339A6C996}" type="datetimeFigureOut">
               <a:rPr lang="es-ES" smtClean="0"/>
-              <a:t>06/01/2024</a:t>
+              <a:t>07/01/2024</a:t>
             </a:fld>
             <a:endParaRPr lang="es-ES"/>
           </a:p>
@@ -2071,7 +2073,7 @@
           <a:p>
             <a:fld id="{1A195345-43D7-4548-9778-198339A6C996}" type="datetimeFigureOut">
               <a:rPr lang="es-ES" smtClean="0"/>
-              <a:t>06/01/2024</a:t>
+              <a:t>07/01/2024</a:t>
             </a:fld>
             <a:endParaRPr lang="es-ES"/>
           </a:p>
@@ -2382,7 +2384,7 @@
           <a:p>
             <a:fld id="{1A195345-43D7-4548-9778-198339A6C996}" type="datetimeFigureOut">
               <a:rPr lang="es-ES" smtClean="0"/>
-              <a:t>06/01/2024</a:t>
+              <a:t>07/01/2024</a:t>
             </a:fld>
             <a:endParaRPr lang="es-ES"/>
           </a:p>
@@ -2670,7 +2672,7 @@
           <a:p>
             <a:fld id="{1A195345-43D7-4548-9778-198339A6C996}" type="datetimeFigureOut">
               <a:rPr lang="es-ES" smtClean="0"/>
-              <a:t>06/01/2024</a:t>
+              <a:t>07/01/2024</a:t>
             </a:fld>
             <a:endParaRPr lang="es-ES"/>
           </a:p>
@@ -2911,7 +2913,7 @@
           <a:p>
             <a:fld id="{1A195345-43D7-4548-9778-198339A6C996}" type="datetimeFigureOut">
               <a:rPr lang="es-ES" smtClean="0"/>
-              <a:t>06/01/2024</a:t>
+              <a:t>07/01/2024</a:t>
             </a:fld>
             <a:endParaRPr lang="es-ES"/>
           </a:p>
@@ -6183,6 +6185,66 @@
           <a:chExt cx="0" cy="0"/>
         </a:xfrm>
       </p:grpSpPr>
+    </p:spTree>
+    <p:extLst>
+      <p:ext uri="{BB962C8B-B14F-4D97-AF65-F5344CB8AC3E}">
+        <p14:creationId xmlns:p14="http://schemas.microsoft.com/office/powerpoint/2010/main" val="2266817018"/>
+      </p:ext>
+    </p:extLst>
+  </p:cSld>
+  <p:clrMapOvr>
+    <a:masterClrMapping/>
+  </p:clrMapOvr>
+</p:sld>
+</file>
+
+<file path=ppt/slides/slide3.xml><?xml version="1.0" encoding="utf-8"?>
+<p:sld xmlns:a="http://schemas.openxmlformats.org/drawingml/2006/main" xmlns:r="http://schemas.openxmlformats.org/officeDocument/2006/relationships" xmlns:p="http://schemas.openxmlformats.org/presentationml/2006/main">
+  <p:cSld>
+    <p:spTree>
+      <p:nvGrpSpPr>
+        <p:cNvPr id="1" name=""/>
+        <p:cNvGrpSpPr/>
+        <p:nvPr/>
+      </p:nvGrpSpPr>
+      <p:grpSpPr>
+        <a:xfrm>
+          <a:off x="0" y="0"/>
+          <a:ext cx="0" cy="0"/>
+          <a:chOff x="0" y="0"/>
+          <a:chExt cx="0" cy="0"/>
+        </a:xfrm>
+      </p:grpSpPr>
+    </p:spTree>
+    <p:extLst>
+      <p:ext uri="{BB962C8B-B14F-4D97-AF65-F5344CB8AC3E}">
+        <p14:creationId xmlns:p14="http://schemas.microsoft.com/office/powerpoint/2010/main" val="157119546"/>
+      </p:ext>
+    </p:extLst>
+  </p:cSld>
+  <p:clrMapOvr>
+    <a:masterClrMapping/>
+  </p:clrMapOvr>
+</p:sld>
+</file>
+
+<file path=ppt/slides/slide4.xml><?xml version="1.0" encoding="utf-8"?>
+<p:sld xmlns:a="http://schemas.openxmlformats.org/drawingml/2006/main" xmlns:r="http://schemas.openxmlformats.org/officeDocument/2006/relationships" xmlns:p="http://schemas.openxmlformats.org/presentationml/2006/main">
+  <p:cSld>
+    <p:spTree>
+      <p:nvGrpSpPr>
+        <p:cNvPr id="1" name=""/>
+        <p:cNvGrpSpPr/>
+        <p:nvPr/>
+      </p:nvGrpSpPr>
+      <p:grpSpPr>
+        <a:xfrm>
+          <a:off x="0" y="0"/>
+          <a:ext cx="0" cy="0"/>
+          <a:chOff x="0" y="0"/>
+          <a:chExt cx="0" cy="0"/>
+        </a:xfrm>
+      </p:grpSpPr>
       <p:sp>
         <p:nvSpPr>
           <p:cNvPr id="48" name="Lágrima 47">
@@ -8829,7 +8891,7 @@
 </p:sld>
 </file>
 
-<file path=ppt/slides/slide3.xml><?xml version="1.0" encoding="utf-8"?>
+<file path=ppt/slides/slide5.xml><?xml version="1.0" encoding="utf-8"?>
 <p:sld xmlns:a="http://schemas.openxmlformats.org/drawingml/2006/main" xmlns:r="http://schemas.openxmlformats.org/officeDocument/2006/relationships" xmlns:p="http://schemas.openxmlformats.org/presentationml/2006/main">
   <p:cSld>
     <p:spTree>

--- a/a_documents/Memo-guias.pptx
+++ b/a_documents/Memo-guias.pptx
@@ -6,10 +6,11 @@
   </p:sldMasterIdLst>
   <p:sldIdLst>
     <p:sldId id="256" r:id="rId2"/>
-    <p:sldId id="259" r:id="rId3"/>
-    <p:sldId id="260" r:id="rId4"/>
-    <p:sldId id="258" r:id="rId5"/>
-    <p:sldId id="257" r:id="rId6"/>
+    <p:sldId id="261" r:id="rId3"/>
+    <p:sldId id="259" r:id="rId4"/>
+    <p:sldId id="260" r:id="rId5"/>
+    <p:sldId id="258" r:id="rId6"/>
+    <p:sldId id="257" r:id="rId7"/>
   </p:sldIdLst>
   <p:sldSz cx="12192000" cy="6858000"/>
   <p:notesSz cx="6858000" cy="9144000"/>
@@ -263,7 +264,7 @@
           <a:p>
             <a:fld id="{1A195345-43D7-4548-9778-198339A6C996}" type="datetimeFigureOut">
               <a:rPr lang="es-ES" smtClean="0"/>
-              <a:t>07/01/2024</a:t>
+              <a:t>02/02/2024</a:t>
             </a:fld>
             <a:endParaRPr lang="es-ES"/>
           </a:p>
@@ -461,7 +462,7 @@
           <a:p>
             <a:fld id="{1A195345-43D7-4548-9778-198339A6C996}" type="datetimeFigureOut">
               <a:rPr lang="es-ES" smtClean="0"/>
-              <a:t>07/01/2024</a:t>
+              <a:t>02/02/2024</a:t>
             </a:fld>
             <a:endParaRPr lang="es-ES"/>
           </a:p>
@@ -669,7 +670,7 @@
           <a:p>
             <a:fld id="{1A195345-43D7-4548-9778-198339A6C996}" type="datetimeFigureOut">
               <a:rPr lang="es-ES" smtClean="0"/>
-              <a:t>07/01/2024</a:t>
+              <a:t>02/02/2024</a:t>
             </a:fld>
             <a:endParaRPr lang="es-ES"/>
           </a:p>
@@ -867,7 +868,7 @@
           <a:p>
             <a:fld id="{1A195345-43D7-4548-9778-198339A6C996}" type="datetimeFigureOut">
               <a:rPr lang="es-ES" smtClean="0"/>
-              <a:t>07/01/2024</a:t>
+              <a:t>02/02/2024</a:t>
             </a:fld>
             <a:endParaRPr lang="es-ES"/>
           </a:p>
@@ -1142,7 +1143,7 @@
           <a:p>
             <a:fld id="{1A195345-43D7-4548-9778-198339A6C996}" type="datetimeFigureOut">
               <a:rPr lang="es-ES" smtClean="0"/>
-              <a:t>07/01/2024</a:t>
+              <a:t>02/02/2024</a:t>
             </a:fld>
             <a:endParaRPr lang="es-ES"/>
           </a:p>
@@ -1407,7 +1408,7 @@
           <a:p>
             <a:fld id="{1A195345-43D7-4548-9778-198339A6C996}" type="datetimeFigureOut">
               <a:rPr lang="es-ES" smtClean="0"/>
-              <a:t>07/01/2024</a:t>
+              <a:t>02/02/2024</a:t>
             </a:fld>
             <a:endParaRPr lang="es-ES"/>
           </a:p>
@@ -1819,7 +1820,7 @@
           <a:p>
             <a:fld id="{1A195345-43D7-4548-9778-198339A6C996}" type="datetimeFigureOut">
               <a:rPr lang="es-ES" smtClean="0"/>
-              <a:t>07/01/2024</a:t>
+              <a:t>02/02/2024</a:t>
             </a:fld>
             <a:endParaRPr lang="es-ES"/>
           </a:p>
@@ -1960,7 +1961,7 @@
           <a:p>
             <a:fld id="{1A195345-43D7-4548-9778-198339A6C996}" type="datetimeFigureOut">
               <a:rPr lang="es-ES" smtClean="0"/>
-              <a:t>07/01/2024</a:t>
+              <a:t>02/02/2024</a:t>
             </a:fld>
             <a:endParaRPr lang="es-ES"/>
           </a:p>
@@ -2073,7 +2074,7 @@
           <a:p>
             <a:fld id="{1A195345-43D7-4548-9778-198339A6C996}" type="datetimeFigureOut">
               <a:rPr lang="es-ES" smtClean="0"/>
-              <a:t>07/01/2024</a:t>
+              <a:t>02/02/2024</a:t>
             </a:fld>
             <a:endParaRPr lang="es-ES"/>
           </a:p>
@@ -2384,7 +2385,7 @@
           <a:p>
             <a:fld id="{1A195345-43D7-4548-9778-198339A6C996}" type="datetimeFigureOut">
               <a:rPr lang="es-ES" smtClean="0"/>
-              <a:t>07/01/2024</a:t>
+              <a:t>02/02/2024</a:t>
             </a:fld>
             <a:endParaRPr lang="es-ES"/>
           </a:p>
@@ -2672,7 +2673,7 @@
           <a:p>
             <a:fld id="{1A195345-43D7-4548-9778-198339A6C996}" type="datetimeFigureOut">
               <a:rPr lang="es-ES" smtClean="0"/>
-              <a:t>07/01/2024</a:t>
+              <a:t>02/02/2024</a:t>
             </a:fld>
             <a:endParaRPr lang="es-ES"/>
           </a:p>
@@ -2913,7 +2914,7 @@
           <a:p>
             <a:fld id="{1A195345-43D7-4548-9778-198339A6C996}" type="datetimeFigureOut">
               <a:rPr lang="es-ES" smtClean="0"/>
-              <a:t>07/01/2024</a:t>
+              <a:t>02/02/2024</a:t>
             </a:fld>
             <a:endParaRPr lang="es-ES"/>
           </a:p>
@@ -4086,8 +4087,8 @@
         </p:nvSpPr>
         <p:spPr>
           <a:xfrm>
-            <a:off x="7210108" y="3264575"/>
-            <a:ext cx="3805959" cy="553998"/>
+            <a:off x="6409953" y="3264575"/>
+            <a:ext cx="5403355" cy="538609"/>
           </a:xfrm>
           <a:prstGeom prst="rect">
             <a:avLst/>
@@ -4109,10 +4110,18 @@
           <a:p>
             <a:pPr algn="ctr"/>
             <a:r>
-              <a:rPr lang="es-AR" sz="1200" dirty="0"/>
-              <a:t>(Cada vez que hay una, se permutan las 12 secuencias)</a:t>
-            </a:r>
-            <a:endParaRPr lang="es-ES" sz="1200" dirty="0"/>
+              <a:rPr lang="es-AR" sz="1100" dirty="0"/>
+              <a:t>(Cada vez que hay una, se permutan las 12 secuencias: el promedio </a:t>
+            </a:r>
+            <a:r>
+              <a:rPr lang="es-AR" sz="1100" dirty="0" err="1"/>
+              <a:t>eficienta</a:t>
+            </a:r>
+            <a:r>
+              <a:rPr lang="es-AR" sz="1100" dirty="0"/>
+              <a:t> el resultado)</a:t>
+            </a:r>
+            <a:endParaRPr lang="es-ES" sz="1100" dirty="0"/>
           </a:p>
         </p:txBody>
       </p:sp>
@@ -6185,6 +6194,2444 @@
           <a:chExt cx="0" cy="0"/>
         </a:xfrm>
       </p:grpSpPr>
+      <p:sp>
+        <p:nvSpPr>
+          <p:cNvPr id="16" name="Rectángulo: esquinas redondeadas 15">
+            <a:extLst>
+              <a:ext uri="{FF2B5EF4-FFF2-40B4-BE49-F238E27FC236}">
+                <a16:creationId xmlns:a16="http://schemas.microsoft.com/office/drawing/2014/main" id="{4F9AE3F3-C732-4DAA-B9D0-2B4BCD8C9FDD}"/>
+              </a:ext>
+            </a:extLst>
+          </p:cNvPr>
+          <p:cNvSpPr/>
+          <p:nvPr/>
+        </p:nvSpPr>
+        <p:spPr>
+          <a:xfrm>
+            <a:off x="6563386" y="3477009"/>
+            <a:ext cx="5094337" cy="2033481"/>
+          </a:xfrm>
+          <a:prstGeom prst="roundRect">
+            <a:avLst/>
+          </a:prstGeom>
+          <a:solidFill>
+            <a:schemeClr val="accent6"/>
+          </a:solidFill>
+          <a:ln>
+            <a:solidFill>
+              <a:schemeClr val="accent6">
+                <a:lumMod val="75000"/>
+              </a:schemeClr>
+            </a:solidFill>
+          </a:ln>
+        </p:spPr>
+        <p:style>
+          <a:lnRef idx="2">
+            <a:schemeClr val="accent1">
+              <a:shade val="50000"/>
+            </a:schemeClr>
+          </a:lnRef>
+          <a:fillRef idx="1">
+            <a:schemeClr val="accent1"/>
+          </a:fillRef>
+          <a:effectRef idx="0">
+            <a:schemeClr val="accent1"/>
+          </a:effectRef>
+          <a:fontRef idx="minor">
+            <a:schemeClr val="lt1"/>
+          </a:fontRef>
+        </p:style>
+        <p:txBody>
+          <a:bodyPr rtlCol="0" anchor="ctr"/>
+          <a:lstStyle/>
+          <a:p>
+            <a:pPr algn="ctr"/>
+            <a:endParaRPr lang="es-ES">
+              <a:solidFill>
+                <a:schemeClr val="tx1"/>
+              </a:solidFill>
+            </a:endParaRPr>
+          </a:p>
+        </p:txBody>
+      </p:sp>
+      <p:sp>
+        <p:nvSpPr>
+          <p:cNvPr id="17" name="Rectángulo 16">
+            <a:extLst>
+              <a:ext uri="{FF2B5EF4-FFF2-40B4-BE49-F238E27FC236}">
+                <a16:creationId xmlns:a16="http://schemas.microsoft.com/office/drawing/2014/main" id="{D688D8E6-4EBD-4679-811F-AAF8496A4886}"/>
+              </a:ext>
+            </a:extLst>
+          </p:cNvPr>
+          <p:cNvSpPr/>
+          <p:nvPr/>
+        </p:nvSpPr>
+        <p:spPr>
+          <a:xfrm>
+            <a:off x="576209" y="2155992"/>
+            <a:ext cx="1893454" cy="1382277"/>
+          </a:xfrm>
+          <a:prstGeom prst="rect">
+            <a:avLst/>
+          </a:prstGeom>
+          <a:solidFill>
+            <a:srgbClr val="FFC000"/>
+          </a:solidFill>
+        </p:spPr>
+        <p:style>
+          <a:lnRef idx="2">
+            <a:schemeClr val="accent1">
+              <a:shade val="50000"/>
+            </a:schemeClr>
+          </a:lnRef>
+          <a:fillRef idx="1">
+            <a:schemeClr val="accent1"/>
+          </a:fillRef>
+          <a:effectRef idx="0">
+            <a:schemeClr val="accent1"/>
+          </a:effectRef>
+          <a:fontRef idx="minor">
+            <a:schemeClr val="lt1"/>
+          </a:fontRef>
+        </p:style>
+        <p:txBody>
+          <a:bodyPr rtlCol="0" anchor="ctr"/>
+          <a:lstStyle/>
+          <a:p>
+            <a:pPr algn="ctr"/>
+            <a:endParaRPr lang="es-ES">
+              <a:solidFill>
+                <a:schemeClr val="tx1"/>
+              </a:solidFill>
+            </a:endParaRPr>
+          </a:p>
+        </p:txBody>
+      </p:sp>
+      <p:sp>
+        <p:nvSpPr>
+          <p:cNvPr id="13" name="CuadroTexto 12">
+            <a:extLst>
+              <a:ext uri="{FF2B5EF4-FFF2-40B4-BE49-F238E27FC236}">
+                <a16:creationId xmlns:a16="http://schemas.microsoft.com/office/drawing/2014/main" id="{F8A4155A-86F5-4E27-9A91-2844F9728D07}"/>
+              </a:ext>
+            </a:extLst>
+          </p:cNvPr>
+          <p:cNvSpPr txBox="1"/>
+          <p:nvPr/>
+        </p:nvSpPr>
+        <p:spPr>
+          <a:xfrm>
+            <a:off x="309759" y="1869784"/>
+            <a:ext cx="2441027" cy="338554"/>
+          </a:xfrm>
+          <a:prstGeom prst="rect">
+            <a:avLst/>
+          </a:prstGeom>
+          <a:noFill/>
+        </p:spPr>
+        <p:txBody>
+          <a:bodyPr wrap="square" rtlCol="0">
+            <a:spAutoFit/>
+          </a:bodyPr>
+          <a:lstStyle/>
+          <a:p>
+            <a:pPr algn="ctr"/>
+            <a:r>
+              <a:rPr lang="es-AR" sz="1600" dirty="0"/>
+              <a:t>Estímulo</a:t>
+            </a:r>
+          </a:p>
+        </p:txBody>
+      </p:sp>
+      <p:pic>
+        <p:nvPicPr>
+          <p:cNvPr id="14" name="Imagen 13">
+            <a:extLst>
+              <a:ext uri="{FF2B5EF4-FFF2-40B4-BE49-F238E27FC236}">
+                <a16:creationId xmlns:a16="http://schemas.microsoft.com/office/drawing/2014/main" id="{E292095D-A4A8-412B-8AD7-63FF146F5D19}"/>
+              </a:ext>
+            </a:extLst>
+          </p:cNvPr>
+          <p:cNvPicPr>
+            <a:picLocks noChangeAspect="1"/>
+          </p:cNvPicPr>
+          <p:nvPr/>
+        </p:nvPicPr>
+        <p:blipFill>
+          <a:blip r:embed="rId2"/>
+          <a:stretch>
+            <a:fillRect/>
+          </a:stretch>
+        </p:blipFill>
+        <p:spPr>
+          <a:xfrm>
+            <a:off x="668573" y="2270579"/>
+            <a:ext cx="1714346" cy="1153102"/>
+          </a:xfrm>
+          <a:prstGeom prst="rect">
+            <a:avLst/>
+          </a:prstGeom>
+        </p:spPr>
+      </p:pic>
+      <p:sp>
+        <p:nvSpPr>
+          <p:cNvPr id="15" name="CuadroTexto 14">
+            <a:extLst>
+              <a:ext uri="{FF2B5EF4-FFF2-40B4-BE49-F238E27FC236}">
+                <a16:creationId xmlns:a16="http://schemas.microsoft.com/office/drawing/2014/main" id="{E6114BED-E84B-4124-B7CA-6EBA03C113F2}"/>
+              </a:ext>
+            </a:extLst>
+          </p:cNvPr>
+          <p:cNvSpPr txBox="1"/>
+          <p:nvPr/>
+        </p:nvSpPr>
+        <p:spPr>
+          <a:xfrm>
+            <a:off x="3012790" y="2026987"/>
+            <a:ext cx="2835564" cy="338554"/>
+          </a:xfrm>
+          <a:prstGeom prst="rect">
+            <a:avLst/>
+          </a:prstGeom>
+          <a:noFill/>
+        </p:spPr>
+        <p:txBody>
+          <a:bodyPr wrap="square" rtlCol="0">
+            <a:spAutoFit/>
+          </a:bodyPr>
+          <a:lstStyle/>
+          <a:p>
+            <a:pPr algn="ctr"/>
+            <a:r>
+              <a:rPr lang="es-AR" sz="1600" dirty="0"/>
+              <a:t>Secuencia de intensificación</a:t>
+            </a:r>
+          </a:p>
+        </p:txBody>
+      </p:sp>
+      <p:grpSp>
+        <p:nvGrpSpPr>
+          <p:cNvPr id="18" name="Grupo 17">
+            <a:extLst>
+              <a:ext uri="{FF2B5EF4-FFF2-40B4-BE49-F238E27FC236}">
+                <a16:creationId xmlns:a16="http://schemas.microsoft.com/office/drawing/2014/main" id="{FE325B0B-1C64-46DE-9C05-3510D8D8FC3E}"/>
+              </a:ext>
+            </a:extLst>
+          </p:cNvPr>
+          <p:cNvGrpSpPr/>
+          <p:nvPr/>
+        </p:nvGrpSpPr>
+        <p:grpSpPr>
+          <a:xfrm>
+            <a:off x="3012790" y="2318205"/>
+            <a:ext cx="2835564" cy="2225489"/>
+            <a:chOff x="1403927" y="387927"/>
+            <a:chExt cx="5781964" cy="5726545"/>
+          </a:xfrm>
+        </p:grpSpPr>
+        <p:sp>
+          <p:nvSpPr>
+            <p:cNvPr id="19" name="Rectángulo 18">
+              <a:extLst>
+                <a:ext uri="{FF2B5EF4-FFF2-40B4-BE49-F238E27FC236}">
+                  <a16:creationId xmlns:a16="http://schemas.microsoft.com/office/drawing/2014/main" id="{2487106A-E862-4624-A413-8207D3834D7F}"/>
+                </a:ext>
+              </a:extLst>
+            </p:cNvPr>
+            <p:cNvSpPr/>
+            <p:nvPr/>
+          </p:nvSpPr>
+          <p:spPr>
+            <a:xfrm>
+              <a:off x="1403927" y="387927"/>
+              <a:ext cx="5781964" cy="5726545"/>
+            </a:xfrm>
+            <a:prstGeom prst="rect">
+              <a:avLst/>
+            </a:prstGeom>
+          </p:spPr>
+          <p:style>
+            <a:lnRef idx="2">
+              <a:schemeClr val="accent1">
+                <a:shade val="50000"/>
+              </a:schemeClr>
+            </a:lnRef>
+            <a:fillRef idx="1">
+              <a:schemeClr val="accent1"/>
+            </a:fillRef>
+            <a:effectRef idx="0">
+              <a:schemeClr val="accent1"/>
+            </a:effectRef>
+            <a:fontRef idx="minor">
+              <a:schemeClr val="lt1"/>
+            </a:fontRef>
+          </p:style>
+          <p:txBody>
+            <a:bodyPr rtlCol="0" anchor="ctr"/>
+            <a:lstStyle/>
+            <a:p>
+              <a:pPr algn="ctr"/>
+              <a:endParaRPr lang="es-ES">
+                <a:solidFill>
+                  <a:schemeClr val="tx1"/>
+                </a:solidFill>
+              </a:endParaRPr>
+            </a:p>
+          </p:txBody>
+        </p:sp>
+        <p:pic>
+          <p:nvPicPr>
+            <p:cNvPr id="20" name="Imagen 19">
+              <a:extLst>
+                <a:ext uri="{FF2B5EF4-FFF2-40B4-BE49-F238E27FC236}">
+                  <a16:creationId xmlns:a16="http://schemas.microsoft.com/office/drawing/2014/main" id="{3E1255C4-4960-4DAB-80A7-C716F2E13899}"/>
+                </a:ext>
+              </a:extLst>
+            </p:cNvPr>
+            <p:cNvPicPr>
+              <a:picLocks noChangeAspect="1"/>
+            </p:cNvPicPr>
+            <p:nvPr/>
+          </p:nvPicPr>
+          <p:blipFill>
+            <a:blip r:embed="rId3"/>
+            <a:stretch>
+              <a:fillRect/>
+            </a:stretch>
+          </p:blipFill>
+          <p:spPr>
+            <a:xfrm>
+              <a:off x="1668607" y="1591108"/>
+              <a:ext cx="2038350" cy="1514475"/>
+            </a:xfrm>
+            <a:prstGeom prst="rect">
+              <a:avLst/>
+            </a:prstGeom>
+          </p:spPr>
+        </p:pic>
+        <p:pic>
+          <p:nvPicPr>
+            <p:cNvPr id="21" name="Imagen 20">
+              <a:extLst>
+                <a:ext uri="{FF2B5EF4-FFF2-40B4-BE49-F238E27FC236}">
+                  <a16:creationId xmlns:a16="http://schemas.microsoft.com/office/drawing/2014/main" id="{E27D82BA-9B0F-453B-A046-F2A41F313F76}"/>
+                </a:ext>
+              </a:extLst>
+            </p:cNvPr>
+            <p:cNvPicPr>
+              <a:picLocks noChangeAspect="1"/>
+            </p:cNvPicPr>
+            <p:nvPr/>
+          </p:nvPicPr>
+          <p:blipFill>
+            <a:blip r:embed="rId3"/>
+            <a:stretch>
+              <a:fillRect/>
+            </a:stretch>
+          </p:blipFill>
+          <p:spPr>
+            <a:xfrm>
+              <a:off x="1871807" y="845415"/>
+              <a:ext cx="2038350" cy="1514475"/>
+            </a:xfrm>
+            <a:prstGeom prst="rect">
+              <a:avLst/>
+            </a:prstGeom>
+          </p:spPr>
+        </p:pic>
+        <p:pic>
+          <p:nvPicPr>
+            <p:cNvPr id="22" name="Imagen 21">
+              <a:extLst>
+                <a:ext uri="{FF2B5EF4-FFF2-40B4-BE49-F238E27FC236}">
+                  <a16:creationId xmlns:a16="http://schemas.microsoft.com/office/drawing/2014/main" id="{2AD3D86B-D279-4ECF-BB8F-38B8D9925661}"/>
+                </a:ext>
+              </a:extLst>
+            </p:cNvPr>
+            <p:cNvPicPr>
+              <a:picLocks noChangeAspect="1"/>
+            </p:cNvPicPr>
+            <p:nvPr/>
+          </p:nvPicPr>
+          <p:blipFill>
+            <a:blip r:embed="rId3"/>
+            <a:stretch>
+              <a:fillRect/>
+            </a:stretch>
+          </p:blipFill>
+          <p:spPr>
+            <a:xfrm>
+              <a:off x="3377334" y="481806"/>
+              <a:ext cx="2038350" cy="1514475"/>
+            </a:xfrm>
+            <a:prstGeom prst="rect">
+              <a:avLst/>
+            </a:prstGeom>
+          </p:spPr>
+        </p:pic>
+        <p:pic>
+          <p:nvPicPr>
+            <p:cNvPr id="23" name="Imagen 22">
+              <a:extLst>
+                <a:ext uri="{FF2B5EF4-FFF2-40B4-BE49-F238E27FC236}">
+                  <a16:creationId xmlns:a16="http://schemas.microsoft.com/office/drawing/2014/main" id="{7B8D00B0-D432-428F-AED6-DBBCE3EB8473}"/>
+                </a:ext>
+              </a:extLst>
+            </p:cNvPr>
+            <p:cNvPicPr>
+              <a:picLocks noChangeAspect="1"/>
+            </p:cNvPicPr>
+            <p:nvPr/>
+          </p:nvPicPr>
+          <p:blipFill>
+            <a:blip r:embed="rId3"/>
+            <a:stretch>
+              <a:fillRect/>
+            </a:stretch>
+          </p:blipFill>
+          <p:spPr>
+            <a:xfrm>
+              <a:off x="3910157" y="1239043"/>
+              <a:ext cx="2038350" cy="1514475"/>
+            </a:xfrm>
+            <a:prstGeom prst="rect">
+              <a:avLst/>
+            </a:prstGeom>
+          </p:spPr>
+        </p:pic>
+        <p:pic>
+          <p:nvPicPr>
+            <p:cNvPr id="24" name="Imagen 23">
+              <a:extLst>
+                <a:ext uri="{FF2B5EF4-FFF2-40B4-BE49-F238E27FC236}">
+                  <a16:creationId xmlns:a16="http://schemas.microsoft.com/office/drawing/2014/main" id="{F2733B37-27E9-4091-9726-5105055D2462}"/>
+                </a:ext>
+              </a:extLst>
+            </p:cNvPr>
+            <p:cNvPicPr>
+              <a:picLocks noChangeAspect="1"/>
+            </p:cNvPicPr>
+            <p:nvPr/>
+          </p:nvPicPr>
+          <p:blipFill>
+            <a:blip r:embed="rId3"/>
+            <a:stretch>
+              <a:fillRect/>
+            </a:stretch>
+          </p:blipFill>
+          <p:spPr>
+            <a:xfrm>
+              <a:off x="4698134" y="2256126"/>
+              <a:ext cx="2038350" cy="1514475"/>
+            </a:xfrm>
+            <a:prstGeom prst="rect">
+              <a:avLst/>
+            </a:prstGeom>
+          </p:spPr>
+        </p:pic>
+        <p:pic>
+          <p:nvPicPr>
+            <p:cNvPr id="25" name="Imagen 24">
+              <a:extLst>
+                <a:ext uri="{FF2B5EF4-FFF2-40B4-BE49-F238E27FC236}">
+                  <a16:creationId xmlns:a16="http://schemas.microsoft.com/office/drawing/2014/main" id="{62F1283A-962D-460E-A186-136762156350}"/>
+                </a:ext>
+              </a:extLst>
+            </p:cNvPr>
+            <p:cNvPicPr>
+              <a:picLocks noChangeAspect="1"/>
+            </p:cNvPicPr>
+            <p:nvPr/>
+          </p:nvPicPr>
+          <p:blipFill>
+            <a:blip r:embed="rId3"/>
+            <a:stretch>
+              <a:fillRect/>
+            </a:stretch>
+          </p:blipFill>
+          <p:spPr>
+            <a:xfrm>
+              <a:off x="3802207" y="2983636"/>
+              <a:ext cx="2038350" cy="1514475"/>
+            </a:xfrm>
+            <a:prstGeom prst="rect">
+              <a:avLst/>
+            </a:prstGeom>
+          </p:spPr>
+        </p:pic>
+        <p:pic>
+          <p:nvPicPr>
+            <p:cNvPr id="26" name="Imagen 25">
+              <a:extLst>
+                <a:ext uri="{FF2B5EF4-FFF2-40B4-BE49-F238E27FC236}">
+                  <a16:creationId xmlns:a16="http://schemas.microsoft.com/office/drawing/2014/main" id="{D15ED8E1-8F3D-4111-A642-510E38D0028E}"/>
+                </a:ext>
+              </a:extLst>
+            </p:cNvPr>
+            <p:cNvPicPr>
+              <a:picLocks noChangeAspect="1"/>
+            </p:cNvPicPr>
+            <p:nvPr/>
+          </p:nvPicPr>
+          <p:blipFill>
+            <a:blip r:embed="rId3"/>
+            <a:stretch>
+              <a:fillRect/>
+            </a:stretch>
+          </p:blipFill>
+          <p:spPr>
+            <a:xfrm>
+              <a:off x="2456584" y="2781373"/>
+              <a:ext cx="2038350" cy="1514475"/>
+            </a:xfrm>
+            <a:prstGeom prst="rect">
+              <a:avLst/>
+            </a:prstGeom>
+          </p:spPr>
+        </p:pic>
+        <p:pic>
+          <p:nvPicPr>
+            <p:cNvPr id="27" name="Imagen 26">
+              <a:extLst>
+                <a:ext uri="{FF2B5EF4-FFF2-40B4-BE49-F238E27FC236}">
+                  <a16:creationId xmlns:a16="http://schemas.microsoft.com/office/drawing/2014/main" id="{52117C98-3B57-4033-B528-CCE57126282B}"/>
+                </a:ext>
+              </a:extLst>
+            </p:cNvPr>
+            <p:cNvPicPr>
+              <a:picLocks noChangeAspect="1"/>
+            </p:cNvPicPr>
+            <p:nvPr/>
+          </p:nvPicPr>
+          <p:blipFill>
+            <a:blip r:embed="rId3"/>
+            <a:stretch>
+              <a:fillRect/>
+            </a:stretch>
+          </p:blipFill>
+          <p:spPr>
+            <a:xfrm>
+              <a:off x="1483591" y="3133438"/>
+              <a:ext cx="2038350" cy="1514475"/>
+            </a:xfrm>
+            <a:prstGeom prst="rect">
+              <a:avLst/>
+            </a:prstGeom>
+          </p:spPr>
+        </p:pic>
+        <p:pic>
+          <p:nvPicPr>
+            <p:cNvPr id="28" name="Imagen 27">
+              <a:extLst>
+                <a:ext uri="{FF2B5EF4-FFF2-40B4-BE49-F238E27FC236}">
+                  <a16:creationId xmlns:a16="http://schemas.microsoft.com/office/drawing/2014/main" id="{41ABD63E-0C77-4CE8-BC98-2E0C64B5EA39}"/>
+                </a:ext>
+              </a:extLst>
+            </p:cNvPr>
+            <p:cNvPicPr>
+              <a:picLocks noChangeAspect="1"/>
+            </p:cNvPicPr>
+            <p:nvPr/>
+          </p:nvPicPr>
+          <p:blipFill>
+            <a:blip r:embed="rId3"/>
+            <a:stretch>
+              <a:fillRect/>
+            </a:stretch>
+          </p:blipFill>
+          <p:spPr>
+            <a:xfrm>
+              <a:off x="1757796" y="3943136"/>
+              <a:ext cx="2038350" cy="1514475"/>
+            </a:xfrm>
+            <a:prstGeom prst="rect">
+              <a:avLst/>
+            </a:prstGeom>
+          </p:spPr>
+        </p:pic>
+        <p:pic>
+          <p:nvPicPr>
+            <p:cNvPr id="29" name="Imagen 28">
+              <a:extLst>
+                <a:ext uri="{FF2B5EF4-FFF2-40B4-BE49-F238E27FC236}">
+                  <a16:creationId xmlns:a16="http://schemas.microsoft.com/office/drawing/2014/main" id="{1EE9B798-8372-460D-A78D-1FDA888A95F1}"/>
+                </a:ext>
+              </a:extLst>
+            </p:cNvPr>
+            <p:cNvPicPr>
+              <a:picLocks noChangeAspect="1"/>
+            </p:cNvPicPr>
+            <p:nvPr/>
+          </p:nvPicPr>
+          <p:blipFill>
+            <a:blip r:embed="rId3"/>
+            <a:stretch>
+              <a:fillRect/>
+            </a:stretch>
+          </p:blipFill>
+          <p:spPr>
+            <a:xfrm>
+              <a:off x="2358159" y="4525966"/>
+              <a:ext cx="2038350" cy="1514475"/>
+            </a:xfrm>
+            <a:prstGeom prst="rect">
+              <a:avLst/>
+            </a:prstGeom>
+          </p:spPr>
+        </p:pic>
+        <p:pic>
+          <p:nvPicPr>
+            <p:cNvPr id="30" name="Imagen 29">
+              <a:extLst>
+                <a:ext uri="{FF2B5EF4-FFF2-40B4-BE49-F238E27FC236}">
+                  <a16:creationId xmlns:a16="http://schemas.microsoft.com/office/drawing/2014/main" id="{1A9512C9-A62F-4E32-AA66-0E84330B1ED3}"/>
+                </a:ext>
+              </a:extLst>
+            </p:cNvPr>
+            <p:cNvPicPr>
+              <a:picLocks noChangeAspect="1"/>
+            </p:cNvPicPr>
+            <p:nvPr/>
+          </p:nvPicPr>
+          <p:blipFill>
+            <a:blip r:embed="rId3"/>
+            <a:stretch>
+              <a:fillRect/>
+            </a:stretch>
+          </p:blipFill>
+          <p:spPr>
+            <a:xfrm>
+              <a:off x="5076825" y="3970991"/>
+              <a:ext cx="2038350" cy="1514475"/>
+            </a:xfrm>
+            <a:prstGeom prst="rect">
+              <a:avLst/>
+            </a:prstGeom>
+          </p:spPr>
+        </p:pic>
+        <p:pic>
+          <p:nvPicPr>
+            <p:cNvPr id="31" name="Imagen 30">
+              <a:extLst>
+                <a:ext uri="{FF2B5EF4-FFF2-40B4-BE49-F238E27FC236}">
+                  <a16:creationId xmlns:a16="http://schemas.microsoft.com/office/drawing/2014/main" id="{97B9EA29-C7F8-46D0-AA4E-F8CD8B9F3C7C}"/>
+                </a:ext>
+              </a:extLst>
+            </p:cNvPr>
+            <p:cNvPicPr>
+              <a:picLocks noChangeAspect="1"/>
+            </p:cNvPicPr>
+            <p:nvPr/>
+          </p:nvPicPr>
+          <p:blipFill>
+            <a:blip r:embed="rId3"/>
+            <a:stretch>
+              <a:fillRect/>
+            </a:stretch>
+          </p:blipFill>
+          <p:spPr>
+            <a:xfrm>
+              <a:off x="4020706" y="4288778"/>
+              <a:ext cx="2038350" cy="1514475"/>
+            </a:xfrm>
+            <a:prstGeom prst="rect">
+              <a:avLst/>
+            </a:prstGeom>
+          </p:spPr>
+        </p:pic>
+      </p:grpSp>
+      <p:pic>
+        <p:nvPicPr>
+          <p:cNvPr id="2" name="Imagen 1">
+            <a:extLst>
+              <a:ext uri="{FF2B5EF4-FFF2-40B4-BE49-F238E27FC236}">
+                <a16:creationId xmlns:a16="http://schemas.microsoft.com/office/drawing/2014/main" id="{48E0CE96-59FA-4A81-87AA-2010DB255740}"/>
+              </a:ext>
+            </a:extLst>
+          </p:cNvPr>
+          <p:cNvPicPr>
+            <a:picLocks noChangeAspect="1"/>
+          </p:cNvPicPr>
+          <p:nvPr/>
+        </p:nvPicPr>
+        <p:blipFill>
+          <a:blip r:embed="rId4"/>
+          <a:stretch>
+            <a:fillRect/>
+          </a:stretch>
+        </p:blipFill>
+        <p:spPr>
+          <a:xfrm>
+            <a:off x="6724932" y="3812757"/>
+            <a:ext cx="4776313" cy="1529299"/>
+          </a:xfrm>
+          <a:prstGeom prst="rect">
+            <a:avLst/>
+          </a:prstGeom>
+        </p:spPr>
+      </p:pic>
+      <p:sp>
+        <p:nvSpPr>
+          <p:cNvPr id="33" name="CuadroTexto 32">
+            <a:extLst>
+              <a:ext uri="{FF2B5EF4-FFF2-40B4-BE49-F238E27FC236}">
+                <a16:creationId xmlns:a16="http://schemas.microsoft.com/office/drawing/2014/main" id="{7110B189-8B46-4BC7-B015-FAAF6BC6C019}"/>
+              </a:ext>
+            </a:extLst>
+          </p:cNvPr>
+          <p:cNvSpPr txBox="1"/>
+          <p:nvPr/>
+        </p:nvSpPr>
+        <p:spPr>
+          <a:xfrm>
+            <a:off x="6409953" y="3477010"/>
+            <a:ext cx="5403355" cy="338554"/>
+          </a:xfrm>
+          <a:prstGeom prst="rect">
+            <a:avLst/>
+          </a:prstGeom>
+          <a:noFill/>
+        </p:spPr>
+        <p:txBody>
+          <a:bodyPr wrap="square" rtlCol="0">
+            <a:spAutoFit/>
+          </a:bodyPr>
+          <a:lstStyle/>
+          <a:p>
+            <a:pPr algn="ctr"/>
+            <a:r>
+              <a:rPr lang="es-AR" sz="1600" dirty="0"/>
+              <a:t>Diez repeticiones</a:t>
+            </a:r>
+          </a:p>
+        </p:txBody>
+      </p:sp>
+      <p:cxnSp>
+        <p:nvCxnSpPr>
+          <p:cNvPr id="5" name="Conector: curvado 4">
+            <a:extLst>
+              <a:ext uri="{FF2B5EF4-FFF2-40B4-BE49-F238E27FC236}">
+                <a16:creationId xmlns:a16="http://schemas.microsoft.com/office/drawing/2014/main" id="{BABEAE76-FA7C-4101-AEC5-E0F33CA21638}"/>
+              </a:ext>
+            </a:extLst>
+          </p:cNvPr>
+          <p:cNvCxnSpPr>
+            <a:cxnSpLocks/>
+          </p:cNvCxnSpPr>
+          <p:nvPr/>
+        </p:nvCxnSpPr>
+        <p:spPr>
+          <a:xfrm>
+            <a:off x="2559959" y="3131285"/>
+            <a:ext cx="371191" cy="290536"/>
+          </a:xfrm>
+          <a:prstGeom prst="curvedConnector3">
+            <a:avLst>
+              <a:gd name="adj1" fmla="val 50000"/>
+            </a:avLst>
+          </a:prstGeom>
+          <a:ln>
+            <a:solidFill>
+              <a:schemeClr val="accent2"/>
+            </a:solidFill>
+            <a:tailEnd type="triangle"/>
+          </a:ln>
+        </p:spPr>
+        <p:style>
+          <a:lnRef idx="1">
+            <a:schemeClr val="accent1"/>
+          </a:lnRef>
+          <a:fillRef idx="0">
+            <a:schemeClr val="accent1"/>
+          </a:fillRef>
+          <a:effectRef idx="0">
+            <a:schemeClr val="accent1"/>
+          </a:effectRef>
+          <a:fontRef idx="minor">
+            <a:schemeClr val="tx1"/>
+          </a:fontRef>
+        </p:style>
+      </p:cxnSp>
+      <p:cxnSp>
+        <p:nvCxnSpPr>
+          <p:cNvPr id="34" name="Conector: curvado 33">
+            <a:extLst>
+              <a:ext uri="{FF2B5EF4-FFF2-40B4-BE49-F238E27FC236}">
+                <a16:creationId xmlns:a16="http://schemas.microsoft.com/office/drawing/2014/main" id="{66A238DD-7518-4F14-8C23-9731EA87F9BF}"/>
+              </a:ext>
+            </a:extLst>
+          </p:cNvPr>
+          <p:cNvCxnSpPr>
+            <a:cxnSpLocks/>
+          </p:cNvCxnSpPr>
+          <p:nvPr/>
+        </p:nvCxnSpPr>
+        <p:spPr>
+          <a:xfrm>
+            <a:off x="5918389" y="4324985"/>
+            <a:ext cx="552935" cy="349701"/>
+          </a:xfrm>
+          <a:prstGeom prst="curvedConnector3">
+            <a:avLst>
+              <a:gd name="adj1" fmla="val 50000"/>
+            </a:avLst>
+          </a:prstGeom>
+          <a:ln>
+            <a:solidFill>
+              <a:schemeClr val="accent2"/>
+            </a:solidFill>
+            <a:tailEnd type="triangle"/>
+          </a:ln>
+        </p:spPr>
+        <p:style>
+          <a:lnRef idx="1">
+            <a:schemeClr val="accent1"/>
+          </a:lnRef>
+          <a:fillRef idx="0">
+            <a:schemeClr val="accent1"/>
+          </a:fillRef>
+          <a:effectRef idx="0">
+            <a:schemeClr val="accent1"/>
+          </a:effectRef>
+          <a:fontRef idx="minor">
+            <a:schemeClr val="tx1"/>
+          </a:fontRef>
+        </p:style>
+      </p:cxnSp>
+      <p:cxnSp>
+        <p:nvCxnSpPr>
+          <p:cNvPr id="36" name="Conector: curvado 35">
+            <a:extLst>
+              <a:ext uri="{FF2B5EF4-FFF2-40B4-BE49-F238E27FC236}">
+                <a16:creationId xmlns:a16="http://schemas.microsoft.com/office/drawing/2014/main" id="{5084B51E-0AFC-4A65-AA37-A0908DE8D93F}"/>
+              </a:ext>
+            </a:extLst>
+          </p:cNvPr>
+          <p:cNvCxnSpPr>
+            <a:cxnSpLocks/>
+          </p:cNvCxnSpPr>
+          <p:nvPr/>
+        </p:nvCxnSpPr>
+        <p:spPr>
+          <a:xfrm rot="10800000">
+            <a:off x="1837370" y="4732458"/>
+            <a:ext cx="4609722" cy="395001"/>
+          </a:xfrm>
+          <a:prstGeom prst="curvedConnector3">
+            <a:avLst/>
+          </a:prstGeom>
+          <a:ln>
+            <a:solidFill>
+              <a:schemeClr val="accent2"/>
+            </a:solidFill>
+            <a:tailEnd type="triangle"/>
+          </a:ln>
+        </p:spPr>
+        <p:style>
+          <a:lnRef idx="1">
+            <a:schemeClr val="accent1"/>
+          </a:lnRef>
+          <a:fillRef idx="0">
+            <a:schemeClr val="accent1"/>
+          </a:fillRef>
+          <a:effectRef idx="0">
+            <a:schemeClr val="accent1"/>
+          </a:effectRef>
+          <a:fontRef idx="minor">
+            <a:schemeClr val="tx1"/>
+          </a:fontRef>
+        </p:style>
+      </p:cxnSp>
+      <p:sp>
+        <p:nvSpPr>
+          <p:cNvPr id="40" name="Rectángulo 39">
+            <a:extLst>
+              <a:ext uri="{FF2B5EF4-FFF2-40B4-BE49-F238E27FC236}">
+                <a16:creationId xmlns:a16="http://schemas.microsoft.com/office/drawing/2014/main" id="{ED4951A4-8512-4FCD-B29C-D7DFE82F9B3C}"/>
+              </a:ext>
+            </a:extLst>
+          </p:cNvPr>
+          <p:cNvSpPr/>
+          <p:nvPr/>
+        </p:nvSpPr>
+        <p:spPr>
+          <a:xfrm>
+            <a:off x="6653275" y="3167418"/>
+            <a:ext cx="4914558" cy="369332"/>
+          </a:xfrm>
+          <a:prstGeom prst="rect">
+            <a:avLst/>
+          </a:prstGeom>
+          <a:noFill/>
+        </p:spPr>
+        <p:txBody>
+          <a:bodyPr wrap="square" rtlCol="0">
+            <a:spAutoFit/>
+          </a:bodyPr>
+          <a:lstStyle/>
+          <a:p>
+            <a:pPr algn="ctr"/>
+            <a:r>
+              <a:rPr lang="es-ES" dirty="0"/>
+              <a:t>Una letra</a:t>
+            </a:r>
+          </a:p>
+        </p:txBody>
+      </p:sp>
+      <p:sp>
+        <p:nvSpPr>
+          <p:cNvPr id="41" name="Elipse 40">
+            <a:extLst>
+              <a:ext uri="{FF2B5EF4-FFF2-40B4-BE49-F238E27FC236}">
+                <a16:creationId xmlns:a16="http://schemas.microsoft.com/office/drawing/2014/main" id="{0C5FCF7C-50D6-4B8C-8D20-54070DD2F7C7}"/>
+              </a:ext>
+            </a:extLst>
+          </p:cNvPr>
+          <p:cNvSpPr/>
+          <p:nvPr/>
+        </p:nvSpPr>
+        <p:spPr>
+          <a:xfrm>
+            <a:off x="802501" y="4298667"/>
+            <a:ext cx="946727" cy="850446"/>
+          </a:xfrm>
+          <a:prstGeom prst="ellipse">
+            <a:avLst/>
+          </a:prstGeom>
+          <a:solidFill>
+            <a:srgbClr val="FF0000"/>
+          </a:solidFill>
+        </p:spPr>
+        <p:style>
+          <a:lnRef idx="2">
+            <a:schemeClr val="accent1">
+              <a:shade val="50000"/>
+            </a:schemeClr>
+          </a:lnRef>
+          <a:fillRef idx="1">
+            <a:schemeClr val="accent1"/>
+          </a:fillRef>
+          <a:effectRef idx="0">
+            <a:schemeClr val="accent1"/>
+          </a:effectRef>
+          <a:fontRef idx="minor">
+            <a:schemeClr val="lt1"/>
+          </a:fontRef>
+        </p:style>
+        <p:txBody>
+          <a:bodyPr rtlCol="0" anchor="ctr"/>
+          <a:lstStyle/>
+          <a:p>
+            <a:pPr algn="ctr"/>
+            <a:endParaRPr lang="es-ES" dirty="0">
+              <a:solidFill>
+                <a:schemeClr val="tx1"/>
+              </a:solidFill>
+            </a:endParaRPr>
+          </a:p>
+        </p:txBody>
+      </p:sp>
+      <p:sp>
+        <p:nvSpPr>
+          <p:cNvPr id="42" name="CuadroTexto 41">
+            <a:extLst>
+              <a:ext uri="{FF2B5EF4-FFF2-40B4-BE49-F238E27FC236}">
+                <a16:creationId xmlns:a16="http://schemas.microsoft.com/office/drawing/2014/main" id="{0AAA8C62-7F2B-4B38-811C-084F873300E1}"/>
+              </a:ext>
+            </a:extLst>
+          </p:cNvPr>
+          <p:cNvSpPr txBox="1"/>
+          <p:nvPr/>
+        </p:nvSpPr>
+        <p:spPr>
+          <a:xfrm>
+            <a:off x="482941" y="4400724"/>
+            <a:ext cx="1585845" cy="646331"/>
+          </a:xfrm>
+          <a:prstGeom prst="rect">
+            <a:avLst/>
+          </a:prstGeom>
+          <a:noFill/>
+        </p:spPr>
+        <p:txBody>
+          <a:bodyPr wrap="square" rtlCol="0">
+            <a:spAutoFit/>
+          </a:bodyPr>
+          <a:lstStyle/>
+          <a:p>
+            <a:pPr algn="ctr"/>
+            <a:r>
+              <a:rPr lang="es-AR" sz="3600" b="1" dirty="0">
+                <a:solidFill>
+                  <a:schemeClr val="bg1"/>
+                </a:solidFill>
+              </a:rPr>
+              <a:t>35</a:t>
+            </a:r>
+            <a:endParaRPr lang="es-ES" sz="3600" b="1" dirty="0">
+              <a:solidFill>
+                <a:schemeClr val="bg1"/>
+              </a:solidFill>
+            </a:endParaRPr>
+          </a:p>
+        </p:txBody>
+      </p:sp>
+      <p:sp>
+        <p:nvSpPr>
+          <p:cNvPr id="43" name="Rectángulo 42">
+            <a:extLst>
+              <a:ext uri="{FF2B5EF4-FFF2-40B4-BE49-F238E27FC236}">
+                <a16:creationId xmlns:a16="http://schemas.microsoft.com/office/drawing/2014/main" id="{9E27EE63-58C3-4C2B-94D3-21A494D696F6}"/>
+              </a:ext>
+            </a:extLst>
+          </p:cNvPr>
+          <p:cNvSpPr/>
+          <p:nvPr/>
+        </p:nvSpPr>
+        <p:spPr>
+          <a:xfrm>
+            <a:off x="828472" y="4924091"/>
+            <a:ext cx="1494320" cy="430887"/>
+          </a:xfrm>
+          <a:prstGeom prst="rect">
+            <a:avLst/>
+          </a:prstGeom>
+        </p:spPr>
+        <p:txBody>
+          <a:bodyPr wrap="none">
+            <a:spAutoFit/>
+          </a:bodyPr>
+          <a:lstStyle/>
+          <a:p>
+            <a:pPr algn="ctr"/>
+            <a:r>
+              <a:rPr lang="es-ES" sz="1100" dirty="0"/>
+              <a:t>Letras</a:t>
+            </a:r>
+            <a:r>
+              <a:rPr lang="es-ES" sz="1100" dirty="0">
+                <a:latin typeface="Consolas" panose="020B0609020204030204" pitchFamily="49" charset="0"/>
+              </a:rPr>
+              <a:t> </a:t>
+            </a:r>
+          </a:p>
+          <a:p>
+            <a:pPr algn="ctr"/>
+            <a:r>
+              <a:rPr lang="es-ES" sz="1100" dirty="0"/>
+              <a:t>(7 palabras de 5 letras)</a:t>
+            </a:r>
+          </a:p>
+        </p:txBody>
+      </p:sp>
+      <p:sp>
+        <p:nvSpPr>
+          <p:cNvPr id="45" name="CuadroTexto 44">
+            <a:extLst>
+              <a:ext uri="{FF2B5EF4-FFF2-40B4-BE49-F238E27FC236}">
+                <a16:creationId xmlns:a16="http://schemas.microsoft.com/office/drawing/2014/main" id="{4959AC2F-B7DA-449A-A032-5F805EDD804F}"/>
+              </a:ext>
+            </a:extLst>
+          </p:cNvPr>
+          <p:cNvSpPr txBox="1"/>
+          <p:nvPr/>
+        </p:nvSpPr>
+        <p:spPr>
+          <a:xfrm>
+            <a:off x="802499" y="4000795"/>
+            <a:ext cx="946727" cy="338554"/>
+          </a:xfrm>
+          <a:prstGeom prst="rect">
+            <a:avLst/>
+          </a:prstGeom>
+          <a:noFill/>
+        </p:spPr>
+        <p:txBody>
+          <a:bodyPr wrap="square" rtlCol="0">
+            <a:spAutoFit/>
+          </a:bodyPr>
+          <a:lstStyle/>
+          <a:p>
+            <a:pPr algn="ctr"/>
+            <a:r>
+              <a:rPr lang="es-AR" sz="1600" dirty="0" err="1"/>
+              <a:t>Dataset</a:t>
+            </a:r>
+            <a:endParaRPr lang="es-ES" sz="1600" dirty="0"/>
+          </a:p>
+        </p:txBody>
+      </p:sp>
+      <p:grpSp>
+        <p:nvGrpSpPr>
+          <p:cNvPr id="73" name="Grupo 72">
+            <a:extLst>
+              <a:ext uri="{FF2B5EF4-FFF2-40B4-BE49-F238E27FC236}">
+                <a16:creationId xmlns:a16="http://schemas.microsoft.com/office/drawing/2014/main" id="{9826D54C-8CA2-445B-865F-40F3EFE2011A}"/>
+              </a:ext>
+            </a:extLst>
+          </p:cNvPr>
+          <p:cNvGrpSpPr/>
+          <p:nvPr/>
+        </p:nvGrpSpPr>
+        <p:grpSpPr>
+          <a:xfrm>
+            <a:off x="5938243" y="1304246"/>
+            <a:ext cx="1789463" cy="1597667"/>
+            <a:chOff x="5928786" y="1292458"/>
+            <a:chExt cx="1789463" cy="1597667"/>
+          </a:xfrm>
+        </p:grpSpPr>
+        <p:sp>
+          <p:nvSpPr>
+            <p:cNvPr id="48" name="Lágrima 47">
+              <a:extLst>
+                <a:ext uri="{FF2B5EF4-FFF2-40B4-BE49-F238E27FC236}">
+                  <a16:creationId xmlns:a16="http://schemas.microsoft.com/office/drawing/2014/main" id="{62C9A438-DA9F-44DC-9D87-D436F9D59662}"/>
+                </a:ext>
+              </a:extLst>
+            </p:cNvPr>
+            <p:cNvSpPr/>
+            <p:nvPr/>
+          </p:nvSpPr>
+          <p:spPr>
+            <a:xfrm rot="10496294">
+              <a:off x="6084905" y="1292458"/>
+              <a:ext cx="1238608" cy="1279988"/>
+            </a:xfrm>
+            <a:prstGeom prst="teardrop">
+              <a:avLst>
+                <a:gd name="adj" fmla="val 138364"/>
+              </a:avLst>
+            </a:prstGeom>
+            <a:solidFill>
+              <a:schemeClr val="bg1">
+                <a:lumMod val="65000"/>
+              </a:schemeClr>
+            </a:solidFill>
+            <a:ln>
+              <a:solidFill>
+                <a:schemeClr val="bg1">
+                  <a:lumMod val="50000"/>
+                </a:schemeClr>
+              </a:solidFill>
+            </a:ln>
+          </p:spPr>
+          <p:style>
+            <a:lnRef idx="2">
+              <a:schemeClr val="accent1">
+                <a:shade val="50000"/>
+              </a:schemeClr>
+            </a:lnRef>
+            <a:fillRef idx="1">
+              <a:schemeClr val="accent1"/>
+            </a:fillRef>
+            <a:effectRef idx="0">
+              <a:schemeClr val="accent1"/>
+            </a:effectRef>
+            <a:fontRef idx="minor">
+              <a:schemeClr val="lt1"/>
+            </a:fontRef>
+          </p:style>
+          <p:txBody>
+            <a:bodyPr rtlCol="0" anchor="ctr"/>
+            <a:lstStyle/>
+            <a:p>
+              <a:pPr algn="ctr"/>
+              <a:endParaRPr lang="es-ES" dirty="0">
+                <a:solidFill>
+                  <a:schemeClr val="tx1"/>
+                </a:solidFill>
+              </a:endParaRPr>
+            </a:p>
+          </p:txBody>
+        </p:sp>
+        <p:grpSp>
+          <p:nvGrpSpPr>
+            <p:cNvPr id="51" name="Grupo 50">
+              <a:extLst>
+                <a:ext uri="{FF2B5EF4-FFF2-40B4-BE49-F238E27FC236}">
+                  <a16:creationId xmlns:a16="http://schemas.microsoft.com/office/drawing/2014/main" id="{06423205-3669-4FF6-BC08-94842C03F356}"/>
+                </a:ext>
+              </a:extLst>
+            </p:cNvPr>
+            <p:cNvGrpSpPr/>
+            <p:nvPr/>
+          </p:nvGrpSpPr>
+          <p:grpSpPr>
+            <a:xfrm>
+              <a:off x="6216446" y="1608797"/>
+              <a:ext cx="1005199" cy="647310"/>
+              <a:chOff x="8517492" y="170197"/>
+              <a:chExt cx="1893454" cy="1382277"/>
+            </a:xfrm>
+          </p:grpSpPr>
+          <p:sp>
+            <p:nvSpPr>
+              <p:cNvPr id="49" name="Rectángulo 48">
+                <a:extLst>
+                  <a:ext uri="{FF2B5EF4-FFF2-40B4-BE49-F238E27FC236}">
+                    <a16:creationId xmlns:a16="http://schemas.microsoft.com/office/drawing/2014/main" id="{12D824C9-9CC4-4D45-8702-CB9A83223B30}"/>
+                  </a:ext>
+                </a:extLst>
+              </p:cNvPr>
+              <p:cNvSpPr/>
+              <p:nvPr/>
+            </p:nvSpPr>
+            <p:spPr>
+              <a:xfrm>
+                <a:off x="8517492" y="170197"/>
+                <a:ext cx="1893454" cy="1382277"/>
+              </a:xfrm>
+              <a:prstGeom prst="rect">
+                <a:avLst/>
+              </a:prstGeom>
+              <a:solidFill>
+                <a:srgbClr val="FFC000"/>
+              </a:solidFill>
+            </p:spPr>
+            <p:style>
+              <a:lnRef idx="2">
+                <a:schemeClr val="accent1">
+                  <a:shade val="50000"/>
+                </a:schemeClr>
+              </a:lnRef>
+              <a:fillRef idx="1">
+                <a:schemeClr val="accent1"/>
+              </a:fillRef>
+              <a:effectRef idx="0">
+                <a:schemeClr val="accent1"/>
+              </a:effectRef>
+              <a:fontRef idx="minor">
+                <a:schemeClr val="lt1"/>
+              </a:fontRef>
+            </p:style>
+            <p:txBody>
+              <a:bodyPr rtlCol="0" anchor="ctr"/>
+              <a:lstStyle/>
+              <a:p>
+                <a:pPr algn="ctr"/>
+                <a:endParaRPr lang="es-ES">
+                  <a:solidFill>
+                    <a:schemeClr val="tx1"/>
+                  </a:solidFill>
+                </a:endParaRPr>
+              </a:p>
+            </p:txBody>
+          </p:sp>
+          <p:pic>
+            <p:nvPicPr>
+              <p:cNvPr id="50" name="Imagen 49">
+                <a:extLst>
+                  <a:ext uri="{FF2B5EF4-FFF2-40B4-BE49-F238E27FC236}">
+                    <a16:creationId xmlns:a16="http://schemas.microsoft.com/office/drawing/2014/main" id="{10C11ACB-73FD-4192-A20B-466EA754C0DA}"/>
+                  </a:ext>
+                </a:extLst>
+              </p:cNvPr>
+              <p:cNvPicPr>
+                <a:picLocks noChangeAspect="1"/>
+              </p:cNvPicPr>
+              <p:nvPr/>
+            </p:nvPicPr>
+            <p:blipFill>
+              <a:blip r:embed="rId2"/>
+              <a:stretch>
+                <a:fillRect/>
+              </a:stretch>
+            </p:blipFill>
+            <p:spPr>
+              <a:xfrm>
+                <a:off x="8609856" y="284784"/>
+                <a:ext cx="1714346" cy="1153102"/>
+              </a:xfrm>
+              <a:prstGeom prst="rect">
+                <a:avLst/>
+              </a:prstGeom>
+            </p:spPr>
+          </p:pic>
+        </p:grpSp>
+        <p:cxnSp>
+          <p:nvCxnSpPr>
+            <p:cNvPr id="53" name="Conector recto de flecha 52">
+              <a:extLst>
+                <a:ext uri="{FF2B5EF4-FFF2-40B4-BE49-F238E27FC236}">
+                  <a16:creationId xmlns:a16="http://schemas.microsoft.com/office/drawing/2014/main" id="{3BBBF88B-D1DA-438A-9A82-68283D653096}"/>
+                </a:ext>
+              </a:extLst>
+            </p:cNvPr>
+            <p:cNvCxnSpPr>
+              <a:cxnSpLocks/>
+              <a:stCxn id="48" idx="7"/>
+            </p:cNvCxnSpPr>
+            <p:nvPr/>
+          </p:nvCxnSpPr>
+          <p:spPr>
+            <a:xfrm flipV="1">
+              <a:off x="5928786" y="2013265"/>
+              <a:ext cx="552935" cy="876858"/>
+            </a:xfrm>
+            <a:prstGeom prst="straightConnector1">
+              <a:avLst/>
+            </a:prstGeom>
+            <a:ln>
+              <a:solidFill>
+                <a:schemeClr val="bg1">
+                  <a:lumMod val="50000"/>
+                </a:schemeClr>
+              </a:solidFill>
+              <a:tailEnd type="triangle"/>
+            </a:ln>
+          </p:spPr>
+          <p:style>
+            <a:lnRef idx="1">
+              <a:schemeClr val="accent1"/>
+            </a:lnRef>
+            <a:fillRef idx="0">
+              <a:schemeClr val="accent1"/>
+            </a:fillRef>
+            <a:effectRef idx="0">
+              <a:schemeClr val="accent1"/>
+            </a:effectRef>
+            <a:fontRef idx="minor">
+              <a:schemeClr val="tx1"/>
+            </a:fontRef>
+          </p:style>
+        </p:cxnSp>
+        <p:sp>
+          <p:nvSpPr>
+            <p:cNvPr id="54" name="Elipse 53">
+              <a:extLst>
+                <a:ext uri="{FF2B5EF4-FFF2-40B4-BE49-F238E27FC236}">
+                  <a16:creationId xmlns:a16="http://schemas.microsoft.com/office/drawing/2014/main" id="{30445ADD-97BC-47B5-802B-DDDD36E3ED08}"/>
+                </a:ext>
+              </a:extLst>
+            </p:cNvPr>
+            <p:cNvSpPr/>
+            <p:nvPr/>
+          </p:nvSpPr>
+          <p:spPr>
+            <a:xfrm>
+              <a:off x="6481721" y="1910395"/>
+              <a:ext cx="114300" cy="102870"/>
+            </a:xfrm>
+            <a:prstGeom prst="ellipse">
+              <a:avLst/>
+            </a:prstGeom>
+            <a:solidFill>
+              <a:srgbClr val="FF0000">
+                <a:alpha val="50000"/>
+              </a:srgbClr>
+            </a:solidFill>
+            <a:ln>
+              <a:solidFill>
+                <a:srgbClr val="FF0000"/>
+              </a:solidFill>
+            </a:ln>
+          </p:spPr>
+          <p:style>
+            <a:lnRef idx="2">
+              <a:schemeClr val="accent1">
+                <a:shade val="50000"/>
+              </a:schemeClr>
+            </a:lnRef>
+            <a:fillRef idx="1">
+              <a:schemeClr val="accent1"/>
+            </a:fillRef>
+            <a:effectRef idx="0">
+              <a:schemeClr val="accent1"/>
+            </a:effectRef>
+            <a:fontRef idx="minor">
+              <a:schemeClr val="lt1"/>
+            </a:fontRef>
+          </p:style>
+          <p:txBody>
+            <a:bodyPr rtlCol="0" anchor="ctr"/>
+            <a:lstStyle/>
+            <a:p>
+              <a:pPr algn="ctr"/>
+              <a:endParaRPr lang="es-ES" dirty="0">
+                <a:solidFill>
+                  <a:schemeClr val="tx1"/>
+                </a:solidFill>
+              </a:endParaRPr>
+            </a:p>
+          </p:txBody>
+        </p:sp>
+        <p:sp>
+          <p:nvSpPr>
+            <p:cNvPr id="55" name="Elipse 54">
+              <a:extLst>
+                <a:ext uri="{FF2B5EF4-FFF2-40B4-BE49-F238E27FC236}">
+                  <a16:creationId xmlns:a16="http://schemas.microsoft.com/office/drawing/2014/main" id="{9FB6E076-338B-4226-8855-C1DCD97B6A5C}"/>
+                </a:ext>
+              </a:extLst>
+            </p:cNvPr>
+            <p:cNvSpPr/>
+            <p:nvPr/>
+          </p:nvSpPr>
+          <p:spPr>
+            <a:xfrm>
+              <a:off x="6927003" y="1910395"/>
+              <a:ext cx="114300" cy="102870"/>
+            </a:xfrm>
+            <a:prstGeom prst="ellipse">
+              <a:avLst/>
+            </a:prstGeom>
+            <a:solidFill>
+              <a:srgbClr val="FF0000">
+                <a:alpha val="50000"/>
+              </a:srgbClr>
+            </a:solidFill>
+            <a:ln>
+              <a:solidFill>
+                <a:srgbClr val="FF0000"/>
+              </a:solidFill>
+            </a:ln>
+          </p:spPr>
+          <p:style>
+            <a:lnRef idx="2">
+              <a:schemeClr val="accent1">
+                <a:shade val="50000"/>
+              </a:schemeClr>
+            </a:lnRef>
+            <a:fillRef idx="1">
+              <a:schemeClr val="accent1"/>
+            </a:fillRef>
+            <a:effectRef idx="0">
+              <a:schemeClr val="accent1"/>
+            </a:effectRef>
+            <a:fontRef idx="minor">
+              <a:schemeClr val="lt1"/>
+            </a:fontRef>
+          </p:style>
+          <p:txBody>
+            <a:bodyPr rtlCol="0" anchor="ctr"/>
+            <a:lstStyle/>
+            <a:p>
+              <a:pPr algn="ctr"/>
+              <a:endParaRPr lang="es-ES" dirty="0">
+                <a:solidFill>
+                  <a:schemeClr val="tx1"/>
+                </a:solidFill>
+              </a:endParaRPr>
+            </a:p>
+          </p:txBody>
+        </p:sp>
+        <p:cxnSp>
+          <p:nvCxnSpPr>
+            <p:cNvPr id="57" name="Conector recto de flecha 56">
+              <a:extLst>
+                <a:ext uri="{FF2B5EF4-FFF2-40B4-BE49-F238E27FC236}">
+                  <a16:creationId xmlns:a16="http://schemas.microsoft.com/office/drawing/2014/main" id="{AE2E2003-EE9D-4A1E-B07A-3DC2EF878DBC}"/>
+                </a:ext>
+              </a:extLst>
+            </p:cNvPr>
+            <p:cNvCxnSpPr>
+              <a:cxnSpLocks/>
+            </p:cNvCxnSpPr>
+            <p:nvPr/>
+          </p:nvCxnSpPr>
+          <p:spPr>
+            <a:xfrm flipV="1">
+              <a:off x="5939672" y="2013265"/>
+              <a:ext cx="1005199" cy="876860"/>
+            </a:xfrm>
+            <a:prstGeom prst="straightConnector1">
+              <a:avLst/>
+            </a:prstGeom>
+            <a:ln>
+              <a:solidFill>
+                <a:schemeClr val="bg1">
+                  <a:lumMod val="50000"/>
+                </a:schemeClr>
+              </a:solidFill>
+              <a:tailEnd type="triangle"/>
+            </a:ln>
+          </p:spPr>
+          <p:style>
+            <a:lnRef idx="1">
+              <a:schemeClr val="accent1"/>
+            </a:lnRef>
+            <a:fillRef idx="0">
+              <a:schemeClr val="accent1"/>
+            </a:fillRef>
+            <a:effectRef idx="0">
+              <a:schemeClr val="accent1"/>
+            </a:effectRef>
+            <a:fontRef idx="minor">
+              <a:schemeClr val="tx1"/>
+            </a:fontRef>
+          </p:style>
+        </p:cxnSp>
+        <p:sp>
+          <p:nvSpPr>
+            <p:cNvPr id="68" name="Rectángulo 67">
+              <a:extLst>
+                <a:ext uri="{FF2B5EF4-FFF2-40B4-BE49-F238E27FC236}">
+                  <a16:creationId xmlns:a16="http://schemas.microsoft.com/office/drawing/2014/main" id="{BEF4906A-6831-41B1-A629-EC4731F48825}"/>
+                </a:ext>
+              </a:extLst>
+            </p:cNvPr>
+            <p:cNvSpPr/>
+            <p:nvPr/>
+          </p:nvSpPr>
+          <p:spPr>
+            <a:xfrm>
+              <a:off x="6496440" y="2208094"/>
+              <a:ext cx="1221809" cy="261610"/>
+            </a:xfrm>
+            <a:prstGeom prst="rect">
+              <a:avLst/>
+            </a:prstGeom>
+          </p:spPr>
+          <p:txBody>
+            <a:bodyPr wrap="none">
+              <a:spAutoFit/>
+            </a:bodyPr>
+            <a:lstStyle/>
+            <a:p>
+              <a:r>
+                <a:rPr lang="es-ES" sz="1100" dirty="0"/>
+                <a:t>10 no hits y 2 hits.</a:t>
+              </a:r>
+            </a:p>
+          </p:txBody>
+        </p:sp>
+      </p:grpSp>
+    </p:spTree>
+    <p:extLst>
+      <p:ext uri="{BB962C8B-B14F-4D97-AF65-F5344CB8AC3E}">
+        <p14:creationId xmlns:p14="http://schemas.microsoft.com/office/powerpoint/2010/main" val="3221360990"/>
+      </p:ext>
+    </p:extLst>
+  </p:cSld>
+  <p:clrMapOvr>
+    <a:masterClrMapping/>
+  </p:clrMapOvr>
+  <p:timing>
+    <p:tnLst>
+      <p:par>
+        <p:cTn id="1" dur="indefinite" restart="never" nodeType="tmRoot">
+          <p:childTnLst>
+            <p:seq concurrent="1" nextAc="seek">
+              <p:cTn id="2" dur="indefinite" nodeType="mainSeq">
+                <p:childTnLst>
+                  <p:par>
+                    <p:cTn id="3" fill="hold">
+                      <p:stCondLst>
+                        <p:cond delay="indefinite"/>
+                      </p:stCondLst>
+                      <p:childTnLst>
+                        <p:par>
+                          <p:cTn id="4" fill="hold">
+                            <p:stCondLst>
+                              <p:cond delay="0"/>
+                            </p:stCondLst>
+                            <p:childTnLst>
+                              <p:par>
+                                <p:cTn id="5" presetID="10" presetClass="entr" presetSubtype="0" fill="hold" grpId="0" nodeType="clickEffect">
+                                  <p:stCondLst>
+                                    <p:cond delay="0"/>
+                                  </p:stCondLst>
+                                  <p:childTnLst>
+                                    <p:set>
+                                      <p:cBhvr>
+                                        <p:cTn id="6" dur="1" fill="hold">
+                                          <p:stCondLst>
+                                            <p:cond delay="0"/>
+                                          </p:stCondLst>
+                                        </p:cTn>
+                                        <p:tgtEl>
+                                          <p:spTgt spid="17"/>
+                                        </p:tgtEl>
+                                        <p:attrNameLst>
+                                          <p:attrName>style.visibility</p:attrName>
+                                        </p:attrNameLst>
+                                      </p:cBhvr>
+                                      <p:to>
+                                        <p:strVal val="visible"/>
+                                      </p:to>
+                                    </p:set>
+                                    <p:animEffect transition="in" filter="fade">
+                                      <p:cBhvr>
+                                        <p:cTn id="7" dur="1000"/>
+                                        <p:tgtEl>
+                                          <p:spTgt spid="17"/>
+                                        </p:tgtEl>
+                                      </p:cBhvr>
+                                    </p:animEffect>
+                                  </p:childTnLst>
+                                </p:cTn>
+                              </p:par>
+                              <p:par>
+                                <p:cTn id="8" presetID="10" presetClass="entr" presetSubtype="0" fill="hold" nodeType="withEffect">
+                                  <p:stCondLst>
+                                    <p:cond delay="0"/>
+                                  </p:stCondLst>
+                                  <p:childTnLst>
+                                    <p:set>
+                                      <p:cBhvr>
+                                        <p:cTn id="9" dur="1" fill="hold">
+                                          <p:stCondLst>
+                                            <p:cond delay="0"/>
+                                          </p:stCondLst>
+                                        </p:cTn>
+                                        <p:tgtEl>
+                                          <p:spTgt spid="14"/>
+                                        </p:tgtEl>
+                                        <p:attrNameLst>
+                                          <p:attrName>style.visibility</p:attrName>
+                                        </p:attrNameLst>
+                                      </p:cBhvr>
+                                      <p:to>
+                                        <p:strVal val="visible"/>
+                                      </p:to>
+                                    </p:set>
+                                    <p:animEffect transition="in" filter="fade">
+                                      <p:cBhvr>
+                                        <p:cTn id="10" dur="1000"/>
+                                        <p:tgtEl>
+                                          <p:spTgt spid="14"/>
+                                        </p:tgtEl>
+                                      </p:cBhvr>
+                                    </p:animEffect>
+                                  </p:childTnLst>
+                                </p:cTn>
+                              </p:par>
+                              <p:par>
+                                <p:cTn id="11" presetID="10" presetClass="entr" presetSubtype="0" fill="hold" grpId="0" nodeType="withEffect">
+                                  <p:stCondLst>
+                                    <p:cond delay="0"/>
+                                  </p:stCondLst>
+                                  <p:childTnLst>
+                                    <p:set>
+                                      <p:cBhvr>
+                                        <p:cTn id="12" dur="1" fill="hold">
+                                          <p:stCondLst>
+                                            <p:cond delay="0"/>
+                                          </p:stCondLst>
+                                        </p:cTn>
+                                        <p:tgtEl>
+                                          <p:spTgt spid="13"/>
+                                        </p:tgtEl>
+                                        <p:attrNameLst>
+                                          <p:attrName>style.visibility</p:attrName>
+                                        </p:attrNameLst>
+                                      </p:cBhvr>
+                                      <p:to>
+                                        <p:strVal val="visible"/>
+                                      </p:to>
+                                    </p:set>
+                                    <p:animEffect transition="in" filter="fade">
+                                      <p:cBhvr>
+                                        <p:cTn id="13" dur="1000"/>
+                                        <p:tgtEl>
+                                          <p:spTgt spid="13"/>
+                                        </p:tgtEl>
+                                      </p:cBhvr>
+                                    </p:animEffect>
+                                  </p:childTnLst>
+                                </p:cTn>
+                              </p:par>
+                              <p:par>
+                                <p:cTn id="14" presetID="10" presetClass="entr" presetSubtype="0" fill="hold" nodeType="withEffect">
+                                  <p:stCondLst>
+                                    <p:cond delay="0"/>
+                                  </p:stCondLst>
+                                  <p:childTnLst>
+                                    <p:set>
+                                      <p:cBhvr>
+                                        <p:cTn id="15" dur="1" fill="hold">
+                                          <p:stCondLst>
+                                            <p:cond delay="0"/>
+                                          </p:stCondLst>
+                                        </p:cTn>
+                                        <p:tgtEl>
+                                          <p:spTgt spid="5"/>
+                                        </p:tgtEl>
+                                        <p:attrNameLst>
+                                          <p:attrName>style.visibility</p:attrName>
+                                        </p:attrNameLst>
+                                      </p:cBhvr>
+                                      <p:to>
+                                        <p:strVal val="visible"/>
+                                      </p:to>
+                                    </p:set>
+                                    <p:animEffect transition="in" filter="fade">
+                                      <p:cBhvr>
+                                        <p:cTn id="16" dur="500"/>
+                                        <p:tgtEl>
+                                          <p:spTgt spid="5"/>
+                                        </p:tgtEl>
+                                      </p:cBhvr>
+                                    </p:animEffect>
+                                  </p:childTnLst>
+                                </p:cTn>
+                              </p:par>
+                            </p:childTnLst>
+                          </p:cTn>
+                        </p:par>
+                      </p:childTnLst>
+                    </p:cTn>
+                  </p:par>
+                  <p:par>
+                    <p:cTn id="17" fill="hold">
+                      <p:stCondLst>
+                        <p:cond delay="indefinite"/>
+                      </p:stCondLst>
+                      <p:childTnLst>
+                        <p:par>
+                          <p:cTn id="18" fill="hold">
+                            <p:stCondLst>
+                              <p:cond delay="0"/>
+                            </p:stCondLst>
+                            <p:childTnLst>
+                              <p:par>
+                                <p:cTn id="19" presetID="10" presetClass="entr" presetSubtype="0" fill="hold" grpId="0" nodeType="clickEffect">
+                                  <p:stCondLst>
+                                    <p:cond delay="0"/>
+                                  </p:stCondLst>
+                                  <p:childTnLst>
+                                    <p:set>
+                                      <p:cBhvr>
+                                        <p:cTn id="20" dur="1" fill="hold">
+                                          <p:stCondLst>
+                                            <p:cond delay="0"/>
+                                          </p:stCondLst>
+                                        </p:cTn>
+                                        <p:tgtEl>
+                                          <p:spTgt spid="15"/>
+                                        </p:tgtEl>
+                                        <p:attrNameLst>
+                                          <p:attrName>style.visibility</p:attrName>
+                                        </p:attrNameLst>
+                                      </p:cBhvr>
+                                      <p:to>
+                                        <p:strVal val="visible"/>
+                                      </p:to>
+                                    </p:set>
+                                    <p:animEffect transition="in" filter="fade">
+                                      <p:cBhvr>
+                                        <p:cTn id="21" dur="500"/>
+                                        <p:tgtEl>
+                                          <p:spTgt spid="15"/>
+                                        </p:tgtEl>
+                                      </p:cBhvr>
+                                    </p:animEffect>
+                                  </p:childTnLst>
+                                </p:cTn>
+                              </p:par>
+                              <p:par>
+                                <p:cTn id="22" presetID="10" presetClass="entr" presetSubtype="0" fill="hold" nodeType="withEffect">
+                                  <p:stCondLst>
+                                    <p:cond delay="0"/>
+                                  </p:stCondLst>
+                                  <p:childTnLst>
+                                    <p:set>
+                                      <p:cBhvr>
+                                        <p:cTn id="23" dur="1" fill="hold">
+                                          <p:stCondLst>
+                                            <p:cond delay="0"/>
+                                          </p:stCondLst>
+                                        </p:cTn>
+                                        <p:tgtEl>
+                                          <p:spTgt spid="18"/>
+                                        </p:tgtEl>
+                                        <p:attrNameLst>
+                                          <p:attrName>style.visibility</p:attrName>
+                                        </p:attrNameLst>
+                                      </p:cBhvr>
+                                      <p:to>
+                                        <p:strVal val="visible"/>
+                                      </p:to>
+                                    </p:set>
+                                    <p:animEffect transition="in" filter="fade">
+                                      <p:cBhvr>
+                                        <p:cTn id="24" dur="500"/>
+                                        <p:tgtEl>
+                                          <p:spTgt spid="18"/>
+                                        </p:tgtEl>
+                                      </p:cBhvr>
+                                    </p:animEffect>
+                                  </p:childTnLst>
+                                </p:cTn>
+                              </p:par>
+                              <p:par>
+                                <p:cTn id="25" presetID="10" presetClass="entr" presetSubtype="0" fill="hold" nodeType="withEffect">
+                                  <p:stCondLst>
+                                    <p:cond delay="0"/>
+                                  </p:stCondLst>
+                                  <p:childTnLst>
+                                    <p:set>
+                                      <p:cBhvr>
+                                        <p:cTn id="26" dur="1" fill="hold">
+                                          <p:stCondLst>
+                                            <p:cond delay="0"/>
+                                          </p:stCondLst>
+                                        </p:cTn>
+                                        <p:tgtEl>
+                                          <p:spTgt spid="34"/>
+                                        </p:tgtEl>
+                                        <p:attrNameLst>
+                                          <p:attrName>style.visibility</p:attrName>
+                                        </p:attrNameLst>
+                                      </p:cBhvr>
+                                      <p:to>
+                                        <p:strVal val="visible"/>
+                                      </p:to>
+                                    </p:set>
+                                    <p:animEffect transition="in" filter="fade">
+                                      <p:cBhvr>
+                                        <p:cTn id="27" dur="500"/>
+                                        <p:tgtEl>
+                                          <p:spTgt spid="34"/>
+                                        </p:tgtEl>
+                                      </p:cBhvr>
+                                    </p:animEffect>
+                                  </p:childTnLst>
+                                </p:cTn>
+                              </p:par>
+                            </p:childTnLst>
+                          </p:cTn>
+                        </p:par>
+                      </p:childTnLst>
+                    </p:cTn>
+                  </p:par>
+                  <p:par>
+                    <p:cTn id="28" fill="hold">
+                      <p:stCondLst>
+                        <p:cond delay="indefinite"/>
+                      </p:stCondLst>
+                      <p:childTnLst>
+                        <p:par>
+                          <p:cTn id="29" fill="hold">
+                            <p:stCondLst>
+                              <p:cond delay="0"/>
+                            </p:stCondLst>
+                            <p:childTnLst>
+                              <p:par>
+                                <p:cTn id="30" presetID="10" presetClass="entr" presetSubtype="0" fill="hold" grpId="0" nodeType="clickEffect">
+                                  <p:stCondLst>
+                                    <p:cond delay="0"/>
+                                  </p:stCondLst>
+                                  <p:childTnLst>
+                                    <p:set>
+                                      <p:cBhvr>
+                                        <p:cTn id="31" dur="1" fill="hold">
+                                          <p:stCondLst>
+                                            <p:cond delay="0"/>
+                                          </p:stCondLst>
+                                        </p:cTn>
+                                        <p:tgtEl>
+                                          <p:spTgt spid="16"/>
+                                        </p:tgtEl>
+                                        <p:attrNameLst>
+                                          <p:attrName>style.visibility</p:attrName>
+                                        </p:attrNameLst>
+                                      </p:cBhvr>
+                                      <p:to>
+                                        <p:strVal val="visible"/>
+                                      </p:to>
+                                    </p:set>
+                                    <p:animEffect transition="in" filter="fade">
+                                      <p:cBhvr>
+                                        <p:cTn id="32" dur="500"/>
+                                        <p:tgtEl>
+                                          <p:spTgt spid="16"/>
+                                        </p:tgtEl>
+                                      </p:cBhvr>
+                                    </p:animEffect>
+                                  </p:childTnLst>
+                                </p:cTn>
+                              </p:par>
+                              <p:par>
+                                <p:cTn id="33" presetID="10" presetClass="entr" presetSubtype="0" fill="hold" nodeType="withEffect">
+                                  <p:stCondLst>
+                                    <p:cond delay="0"/>
+                                  </p:stCondLst>
+                                  <p:childTnLst>
+                                    <p:set>
+                                      <p:cBhvr>
+                                        <p:cTn id="34" dur="1" fill="hold">
+                                          <p:stCondLst>
+                                            <p:cond delay="0"/>
+                                          </p:stCondLst>
+                                        </p:cTn>
+                                        <p:tgtEl>
+                                          <p:spTgt spid="2"/>
+                                        </p:tgtEl>
+                                        <p:attrNameLst>
+                                          <p:attrName>style.visibility</p:attrName>
+                                        </p:attrNameLst>
+                                      </p:cBhvr>
+                                      <p:to>
+                                        <p:strVal val="visible"/>
+                                      </p:to>
+                                    </p:set>
+                                    <p:animEffect transition="in" filter="fade">
+                                      <p:cBhvr>
+                                        <p:cTn id="35" dur="500"/>
+                                        <p:tgtEl>
+                                          <p:spTgt spid="2"/>
+                                        </p:tgtEl>
+                                      </p:cBhvr>
+                                    </p:animEffect>
+                                  </p:childTnLst>
+                                </p:cTn>
+                              </p:par>
+                              <p:par>
+                                <p:cTn id="36" presetID="10" presetClass="entr" presetSubtype="0" fill="hold" grpId="0" nodeType="withEffect">
+                                  <p:stCondLst>
+                                    <p:cond delay="0"/>
+                                  </p:stCondLst>
+                                  <p:childTnLst>
+                                    <p:set>
+                                      <p:cBhvr>
+                                        <p:cTn id="37" dur="1" fill="hold">
+                                          <p:stCondLst>
+                                            <p:cond delay="0"/>
+                                          </p:stCondLst>
+                                        </p:cTn>
+                                        <p:tgtEl>
+                                          <p:spTgt spid="33"/>
+                                        </p:tgtEl>
+                                        <p:attrNameLst>
+                                          <p:attrName>style.visibility</p:attrName>
+                                        </p:attrNameLst>
+                                      </p:cBhvr>
+                                      <p:to>
+                                        <p:strVal val="visible"/>
+                                      </p:to>
+                                    </p:set>
+                                    <p:animEffect transition="in" filter="fade">
+                                      <p:cBhvr>
+                                        <p:cTn id="38" dur="500"/>
+                                        <p:tgtEl>
+                                          <p:spTgt spid="33"/>
+                                        </p:tgtEl>
+                                      </p:cBhvr>
+                                    </p:animEffect>
+                                  </p:childTnLst>
+                                </p:cTn>
+                              </p:par>
+                              <p:par>
+                                <p:cTn id="39" presetID="10" presetClass="entr" presetSubtype="0" fill="hold" grpId="0" nodeType="withEffect">
+                                  <p:stCondLst>
+                                    <p:cond delay="0"/>
+                                  </p:stCondLst>
+                                  <p:childTnLst>
+                                    <p:set>
+                                      <p:cBhvr>
+                                        <p:cTn id="40" dur="1" fill="hold">
+                                          <p:stCondLst>
+                                            <p:cond delay="0"/>
+                                          </p:stCondLst>
+                                        </p:cTn>
+                                        <p:tgtEl>
+                                          <p:spTgt spid="40"/>
+                                        </p:tgtEl>
+                                        <p:attrNameLst>
+                                          <p:attrName>style.visibility</p:attrName>
+                                        </p:attrNameLst>
+                                      </p:cBhvr>
+                                      <p:to>
+                                        <p:strVal val="visible"/>
+                                      </p:to>
+                                    </p:set>
+                                    <p:animEffect transition="in" filter="fade">
+                                      <p:cBhvr>
+                                        <p:cTn id="41" dur="500"/>
+                                        <p:tgtEl>
+                                          <p:spTgt spid="40"/>
+                                        </p:tgtEl>
+                                      </p:cBhvr>
+                                    </p:animEffect>
+                                  </p:childTnLst>
+                                </p:cTn>
+                              </p:par>
+                            </p:childTnLst>
+                          </p:cTn>
+                        </p:par>
+                      </p:childTnLst>
+                    </p:cTn>
+                  </p:par>
+                  <p:par>
+                    <p:cTn id="42" fill="hold">
+                      <p:stCondLst>
+                        <p:cond delay="indefinite"/>
+                      </p:stCondLst>
+                      <p:childTnLst>
+                        <p:par>
+                          <p:cTn id="43" fill="hold">
+                            <p:stCondLst>
+                              <p:cond delay="0"/>
+                            </p:stCondLst>
+                            <p:childTnLst>
+                              <p:par>
+                                <p:cTn id="44" presetID="10" presetClass="entr" presetSubtype="0" fill="hold" grpId="0" nodeType="clickEffect">
+                                  <p:stCondLst>
+                                    <p:cond delay="0"/>
+                                  </p:stCondLst>
+                                  <p:childTnLst>
+                                    <p:set>
+                                      <p:cBhvr>
+                                        <p:cTn id="45" dur="1" fill="hold">
+                                          <p:stCondLst>
+                                            <p:cond delay="0"/>
+                                          </p:stCondLst>
+                                        </p:cTn>
+                                        <p:tgtEl>
+                                          <p:spTgt spid="41"/>
+                                        </p:tgtEl>
+                                        <p:attrNameLst>
+                                          <p:attrName>style.visibility</p:attrName>
+                                        </p:attrNameLst>
+                                      </p:cBhvr>
+                                      <p:to>
+                                        <p:strVal val="visible"/>
+                                      </p:to>
+                                    </p:set>
+                                    <p:animEffect transition="in" filter="fade">
+                                      <p:cBhvr>
+                                        <p:cTn id="46" dur="500"/>
+                                        <p:tgtEl>
+                                          <p:spTgt spid="41"/>
+                                        </p:tgtEl>
+                                      </p:cBhvr>
+                                    </p:animEffect>
+                                  </p:childTnLst>
+                                </p:cTn>
+                              </p:par>
+                              <p:par>
+                                <p:cTn id="47" presetID="10" presetClass="entr" presetSubtype="0" fill="hold" grpId="0" nodeType="withEffect">
+                                  <p:stCondLst>
+                                    <p:cond delay="0"/>
+                                  </p:stCondLst>
+                                  <p:childTnLst>
+                                    <p:set>
+                                      <p:cBhvr>
+                                        <p:cTn id="48" dur="1" fill="hold">
+                                          <p:stCondLst>
+                                            <p:cond delay="0"/>
+                                          </p:stCondLst>
+                                        </p:cTn>
+                                        <p:tgtEl>
+                                          <p:spTgt spid="42"/>
+                                        </p:tgtEl>
+                                        <p:attrNameLst>
+                                          <p:attrName>style.visibility</p:attrName>
+                                        </p:attrNameLst>
+                                      </p:cBhvr>
+                                      <p:to>
+                                        <p:strVal val="visible"/>
+                                      </p:to>
+                                    </p:set>
+                                    <p:animEffect transition="in" filter="fade">
+                                      <p:cBhvr>
+                                        <p:cTn id="49" dur="500"/>
+                                        <p:tgtEl>
+                                          <p:spTgt spid="42"/>
+                                        </p:tgtEl>
+                                      </p:cBhvr>
+                                    </p:animEffect>
+                                  </p:childTnLst>
+                                </p:cTn>
+                              </p:par>
+                              <p:par>
+                                <p:cTn id="50" presetID="10" presetClass="entr" presetSubtype="0" fill="hold" grpId="0" nodeType="withEffect">
+                                  <p:stCondLst>
+                                    <p:cond delay="0"/>
+                                  </p:stCondLst>
+                                  <p:childTnLst>
+                                    <p:set>
+                                      <p:cBhvr>
+                                        <p:cTn id="51" dur="1" fill="hold">
+                                          <p:stCondLst>
+                                            <p:cond delay="0"/>
+                                          </p:stCondLst>
+                                        </p:cTn>
+                                        <p:tgtEl>
+                                          <p:spTgt spid="43"/>
+                                        </p:tgtEl>
+                                        <p:attrNameLst>
+                                          <p:attrName>style.visibility</p:attrName>
+                                        </p:attrNameLst>
+                                      </p:cBhvr>
+                                      <p:to>
+                                        <p:strVal val="visible"/>
+                                      </p:to>
+                                    </p:set>
+                                    <p:animEffect transition="in" filter="fade">
+                                      <p:cBhvr>
+                                        <p:cTn id="52" dur="500"/>
+                                        <p:tgtEl>
+                                          <p:spTgt spid="43"/>
+                                        </p:tgtEl>
+                                      </p:cBhvr>
+                                    </p:animEffect>
+                                  </p:childTnLst>
+                                </p:cTn>
+                              </p:par>
+                              <p:par>
+                                <p:cTn id="53" presetID="10" presetClass="entr" presetSubtype="0" fill="hold" grpId="0" nodeType="withEffect">
+                                  <p:stCondLst>
+                                    <p:cond delay="0"/>
+                                  </p:stCondLst>
+                                  <p:childTnLst>
+                                    <p:set>
+                                      <p:cBhvr>
+                                        <p:cTn id="54" dur="1" fill="hold">
+                                          <p:stCondLst>
+                                            <p:cond delay="0"/>
+                                          </p:stCondLst>
+                                        </p:cTn>
+                                        <p:tgtEl>
+                                          <p:spTgt spid="45"/>
+                                        </p:tgtEl>
+                                        <p:attrNameLst>
+                                          <p:attrName>style.visibility</p:attrName>
+                                        </p:attrNameLst>
+                                      </p:cBhvr>
+                                      <p:to>
+                                        <p:strVal val="visible"/>
+                                      </p:to>
+                                    </p:set>
+                                    <p:animEffect transition="in" filter="fade">
+                                      <p:cBhvr>
+                                        <p:cTn id="55" dur="500"/>
+                                        <p:tgtEl>
+                                          <p:spTgt spid="45"/>
+                                        </p:tgtEl>
+                                      </p:cBhvr>
+                                    </p:animEffect>
+                                  </p:childTnLst>
+                                </p:cTn>
+                              </p:par>
+                              <p:par>
+                                <p:cTn id="56" presetID="10" presetClass="entr" presetSubtype="0" fill="hold" nodeType="withEffect">
+                                  <p:stCondLst>
+                                    <p:cond delay="0"/>
+                                  </p:stCondLst>
+                                  <p:childTnLst>
+                                    <p:set>
+                                      <p:cBhvr>
+                                        <p:cTn id="57" dur="1" fill="hold">
+                                          <p:stCondLst>
+                                            <p:cond delay="0"/>
+                                          </p:stCondLst>
+                                        </p:cTn>
+                                        <p:tgtEl>
+                                          <p:spTgt spid="36"/>
+                                        </p:tgtEl>
+                                        <p:attrNameLst>
+                                          <p:attrName>style.visibility</p:attrName>
+                                        </p:attrNameLst>
+                                      </p:cBhvr>
+                                      <p:to>
+                                        <p:strVal val="visible"/>
+                                      </p:to>
+                                    </p:set>
+                                    <p:animEffect transition="in" filter="fade">
+                                      <p:cBhvr>
+                                        <p:cTn id="58" dur="500"/>
+                                        <p:tgtEl>
+                                          <p:spTgt spid="36"/>
+                                        </p:tgtEl>
+                                      </p:cBhvr>
+                                    </p:animEffect>
+                                  </p:childTnLst>
+                                </p:cTn>
+                              </p:par>
+                            </p:childTnLst>
+                          </p:cTn>
+                        </p:par>
+                      </p:childTnLst>
+                    </p:cTn>
+                  </p:par>
+                  <p:par>
+                    <p:cTn id="59" fill="hold">
+                      <p:stCondLst>
+                        <p:cond delay="indefinite"/>
+                      </p:stCondLst>
+                      <p:childTnLst>
+                        <p:par>
+                          <p:cTn id="60" fill="hold">
+                            <p:stCondLst>
+                              <p:cond delay="0"/>
+                            </p:stCondLst>
+                            <p:childTnLst>
+                              <p:par>
+                                <p:cTn id="61" presetID="10" presetClass="entr" presetSubtype="0" fill="hold" nodeType="clickEffect">
+                                  <p:stCondLst>
+                                    <p:cond delay="0"/>
+                                  </p:stCondLst>
+                                  <p:childTnLst>
+                                    <p:set>
+                                      <p:cBhvr>
+                                        <p:cTn id="62" dur="1" fill="hold">
+                                          <p:stCondLst>
+                                            <p:cond delay="0"/>
+                                          </p:stCondLst>
+                                        </p:cTn>
+                                        <p:tgtEl>
+                                          <p:spTgt spid="73"/>
+                                        </p:tgtEl>
+                                        <p:attrNameLst>
+                                          <p:attrName>style.visibility</p:attrName>
+                                        </p:attrNameLst>
+                                      </p:cBhvr>
+                                      <p:to>
+                                        <p:strVal val="visible"/>
+                                      </p:to>
+                                    </p:set>
+                                    <p:animEffect transition="in" filter="fade">
+                                      <p:cBhvr>
+                                        <p:cTn id="63" dur="500"/>
+                                        <p:tgtEl>
+                                          <p:spTgt spid="73"/>
+                                        </p:tgtEl>
+                                      </p:cBhvr>
+                                    </p:animEffect>
+                                  </p:childTnLst>
+                                </p:cTn>
+                              </p:par>
+                            </p:childTnLst>
+                          </p:cTn>
+                        </p:par>
+                      </p:childTnLst>
+                    </p:cTn>
+                  </p:par>
+                </p:childTnLst>
+              </p:cTn>
+              <p:prevCondLst>
+                <p:cond evt="onPrev" delay="0">
+                  <p:tgtEl>
+                    <p:sldTgt/>
+                  </p:tgtEl>
+                </p:cond>
+              </p:prevCondLst>
+              <p:nextCondLst>
+                <p:cond evt="onNext" delay="0">
+                  <p:tgtEl>
+                    <p:sldTgt/>
+                  </p:tgtEl>
+                </p:cond>
+              </p:nextCondLst>
+            </p:seq>
+          </p:childTnLst>
+        </p:cTn>
+      </p:par>
+    </p:tnLst>
+    <p:bldLst>
+      <p:bldP spid="16" grpId="0" animBg="1"/>
+      <p:bldP spid="17" grpId="0" animBg="1"/>
+      <p:bldP spid="13" grpId="0"/>
+      <p:bldP spid="15" grpId="0"/>
+      <p:bldP spid="33" grpId="0"/>
+      <p:bldP spid="40" grpId="0"/>
+      <p:bldP spid="41" grpId="0" animBg="1"/>
+      <p:bldP spid="42" grpId="0"/>
+      <p:bldP spid="43" grpId="0"/>
+      <p:bldP spid="45" grpId="0"/>
+    </p:bldLst>
+  </p:timing>
+</p:sld>
+</file>
+
+<file path=ppt/slides/slide3.xml><?xml version="1.0" encoding="utf-8"?>
+<p:sld xmlns:a="http://schemas.openxmlformats.org/drawingml/2006/main" xmlns:r="http://schemas.openxmlformats.org/officeDocument/2006/relationships" xmlns:p="http://schemas.openxmlformats.org/presentationml/2006/main">
+  <p:cSld>
+    <p:spTree>
+      <p:nvGrpSpPr>
+        <p:cNvPr id="1" name=""/>
+        <p:cNvGrpSpPr/>
+        <p:nvPr/>
+      </p:nvGrpSpPr>
+      <p:grpSpPr>
+        <a:xfrm>
+          <a:off x="0" y="0"/>
+          <a:ext cx="0" cy="0"/>
+          <a:chOff x="0" y="0"/>
+          <a:chExt cx="0" cy="0"/>
+        </a:xfrm>
+      </p:grpSpPr>
+      <p:sp>
+        <p:nvSpPr>
+          <p:cNvPr id="2" name="CuadroTexto 1">
+            <a:extLst>
+              <a:ext uri="{FF2B5EF4-FFF2-40B4-BE49-F238E27FC236}">
+                <a16:creationId xmlns:a16="http://schemas.microsoft.com/office/drawing/2014/main" id="{64023F2D-B120-4DC6-A364-974E631D8369}"/>
+              </a:ext>
+            </a:extLst>
+          </p:cNvPr>
+          <p:cNvSpPr txBox="1"/>
+          <p:nvPr/>
+        </p:nvSpPr>
+        <p:spPr>
+          <a:xfrm>
+            <a:off x="2546018" y="5286402"/>
+            <a:ext cx="4002310" cy="1754326"/>
+          </a:xfrm>
+          <a:prstGeom prst="rect">
+            <a:avLst/>
+          </a:prstGeom>
+          <a:noFill/>
+        </p:spPr>
+        <p:txBody>
+          <a:bodyPr wrap="square" rtlCol="0">
+            <a:spAutoFit/>
+          </a:bodyPr>
+          <a:lstStyle/>
+          <a:p>
+            <a:pPr marL="171450" indent="-171450">
+              <a:buFont typeface="Arial" panose="020B0604020202020204" pitchFamily="34" charset="0"/>
+              <a:buChar char="•"/>
+            </a:pPr>
+            <a:r>
+              <a:rPr lang="es-AR" sz="1200" dirty="0"/>
+              <a:t>1 Estímulo -&gt; 1 (de 6) fila o 1 (de 6) col.</a:t>
+            </a:r>
+          </a:p>
+          <a:p>
+            <a:pPr marL="171450" indent="-171450">
+              <a:buFont typeface="Arial" panose="020B0604020202020204" pitchFamily="34" charset="0"/>
+              <a:buChar char="•"/>
+            </a:pPr>
+            <a:r>
+              <a:rPr lang="es-AR" sz="1200" dirty="0"/>
+              <a:t>1 Palabra -&gt; 5 Letras.</a:t>
+            </a:r>
+          </a:p>
+          <a:p>
+            <a:pPr marL="171450" indent="-171450">
+              <a:buFont typeface="Arial" panose="020B0604020202020204" pitchFamily="34" charset="0"/>
+              <a:buChar char="•"/>
+            </a:pPr>
+            <a:r>
+              <a:rPr lang="es-AR" sz="1200" dirty="0"/>
+              <a:t>7 Palabras de 5 letras -&gt; 35.</a:t>
+            </a:r>
+          </a:p>
+          <a:p>
+            <a:pPr marL="171450" indent="-171450">
+              <a:buFont typeface="Arial" panose="020B0604020202020204" pitchFamily="34" charset="0"/>
+              <a:buChar char="•"/>
+            </a:pPr>
+            <a:r>
+              <a:rPr lang="es-AR" sz="1200" dirty="0"/>
+              <a:t>12 estímulos (lo mismo que una sec.) x 35 letras -&gt; </a:t>
+            </a:r>
+          </a:p>
+          <a:p>
+            <a:r>
+              <a:rPr lang="es-AR" sz="1200" dirty="0"/>
+              <a:t>        </a:t>
+            </a:r>
+            <a:r>
+              <a:rPr lang="es-ES" sz="1200" dirty="0"/>
+              <a:t>420 Eventos/”</a:t>
+            </a:r>
+            <a:r>
+              <a:rPr lang="es-ES" sz="1200" dirty="0" err="1"/>
+              <a:t>Epochs</a:t>
+            </a:r>
+            <a:r>
+              <a:rPr lang="es-ES" sz="1200" dirty="0"/>
+              <a:t>”.</a:t>
+            </a:r>
+          </a:p>
+          <a:p>
+            <a:pPr defTabSz="271463"/>
+            <a:r>
+              <a:rPr lang="es-ES" sz="1200" dirty="0"/>
+              <a:t>	De los primeros 12 hay 10 no hits y 2 hits.</a:t>
+            </a:r>
+          </a:p>
+          <a:p>
+            <a:pPr marL="171450" indent="-171450" defTabSz="271463">
+              <a:buFont typeface="Arial" panose="020B0604020202020204" pitchFamily="34" charset="0"/>
+              <a:buChar char="•"/>
+            </a:pPr>
+            <a:r>
+              <a:rPr lang="es-AR" sz="1200" dirty="0"/>
+              <a:t>12 </a:t>
+            </a:r>
+            <a:r>
+              <a:rPr lang="es-AR" sz="1200" dirty="0" err="1"/>
+              <a:t>est</a:t>
+            </a:r>
+            <a:r>
+              <a:rPr lang="es-AR" sz="1200" dirty="0"/>
+              <a:t> (o </a:t>
+            </a:r>
+            <a:r>
+              <a:rPr lang="es-AR" sz="1200" dirty="0" err="1"/>
+              <a:t>sec</a:t>
+            </a:r>
+            <a:r>
+              <a:rPr lang="es-AR" sz="1200" dirty="0"/>
+              <a:t>) x 35 letras x 10 repeticiones: </a:t>
+            </a:r>
+          </a:p>
+          <a:p>
+            <a:pPr defTabSz="271463"/>
+            <a:r>
+              <a:rPr lang="es-AR" sz="1200" dirty="0"/>
+              <a:t>		Data Set de 4200 filas.</a:t>
+            </a:r>
+          </a:p>
+          <a:p>
+            <a:pPr defTabSz="271463"/>
+            <a:endParaRPr lang="es-ES" sz="1200" dirty="0"/>
+          </a:p>
+        </p:txBody>
+      </p:sp>
+      <p:sp>
+        <p:nvSpPr>
+          <p:cNvPr id="3" name="CuadroTexto 2">
+            <a:extLst>
+              <a:ext uri="{FF2B5EF4-FFF2-40B4-BE49-F238E27FC236}">
+                <a16:creationId xmlns:a16="http://schemas.microsoft.com/office/drawing/2014/main" id="{4978962E-4491-4F59-BB46-59FF76749901}"/>
+              </a:ext>
+            </a:extLst>
+          </p:cNvPr>
+          <p:cNvSpPr txBox="1"/>
+          <p:nvPr/>
+        </p:nvSpPr>
+        <p:spPr>
+          <a:xfrm>
+            <a:off x="7826877" y="5726561"/>
+            <a:ext cx="2854309" cy="1015663"/>
+          </a:xfrm>
+          <a:prstGeom prst="rect">
+            <a:avLst/>
+          </a:prstGeom>
+          <a:noFill/>
+        </p:spPr>
+        <p:txBody>
+          <a:bodyPr wrap="square" rtlCol="0">
+            <a:spAutoFit/>
+          </a:bodyPr>
+          <a:lstStyle/>
+          <a:p>
+            <a:pPr algn="ctr"/>
+            <a:r>
+              <a:rPr lang="es-ES" sz="1200" i="1" dirty="0"/>
+              <a:t>De las siete palabras de cada tema, las tres primeras se utilizan para la calibración y las cuatro restantes para la prueba:</a:t>
+            </a:r>
+          </a:p>
+          <a:p>
+            <a:pPr algn="ctr" defTabSz="271463"/>
+            <a:endParaRPr lang="es-ES" sz="1200" i="1" dirty="0"/>
+          </a:p>
+          <a:p>
+            <a:pPr algn="ctr" defTabSz="271463"/>
+            <a:r>
+              <a:rPr lang="es-ES" sz="1200" i="1" dirty="0"/>
+              <a:t>MANSO  CINCO   JUEGO   QUESO</a:t>
+            </a:r>
+          </a:p>
+        </p:txBody>
+      </p:sp>
     </p:spTree>
     <p:extLst>
       <p:ext uri="{BB962C8B-B14F-4D97-AF65-F5344CB8AC3E}">
@@ -6195,10 +8642,150 @@
   <p:clrMapOvr>
     <a:masterClrMapping/>
   </p:clrMapOvr>
+  <p:timing>
+    <p:tnLst>
+      <p:par>
+        <p:cTn id="1" dur="indefinite" restart="never" nodeType="tmRoot">
+          <p:childTnLst>
+            <p:seq concurrent="1" nextAc="seek">
+              <p:cTn id="2" dur="indefinite" nodeType="mainSeq">
+                <p:childTnLst>
+                  <p:par>
+                    <p:cTn id="3" fill="hold">
+                      <p:stCondLst>
+                        <p:cond delay="indefinite"/>
+                      </p:stCondLst>
+                      <p:childTnLst>
+                        <p:par>
+                          <p:cTn id="4" fill="hold">
+                            <p:stCondLst>
+                              <p:cond delay="0"/>
+                            </p:stCondLst>
+                            <p:childTnLst>
+                              <p:par>
+                                <p:cTn id="5" presetID="10" presetClass="entr" presetSubtype="0" fill="hold" grpId="0" nodeType="clickEffect">
+                                  <p:stCondLst>
+                                    <p:cond delay="0"/>
+                                  </p:stCondLst>
+                                  <p:childTnLst>
+                                    <p:set>
+                                      <p:cBhvr>
+                                        <p:cTn id="6" dur="1" fill="hold">
+                                          <p:stCondLst>
+                                            <p:cond delay="0"/>
+                                          </p:stCondLst>
+                                        </p:cTn>
+                                        <p:tgtEl>
+                                          <p:spTgt spid="2"/>
+                                        </p:tgtEl>
+                                        <p:attrNameLst>
+                                          <p:attrName>style.visibility</p:attrName>
+                                        </p:attrNameLst>
+                                      </p:cBhvr>
+                                      <p:to>
+                                        <p:strVal val="visible"/>
+                                      </p:to>
+                                    </p:set>
+                                    <p:animEffect transition="in" filter="fade">
+                                      <p:cBhvr>
+                                        <p:cTn id="7" dur="500"/>
+                                        <p:tgtEl>
+                                          <p:spTgt spid="2"/>
+                                        </p:tgtEl>
+                                      </p:cBhvr>
+                                    </p:animEffect>
+                                  </p:childTnLst>
+                                </p:cTn>
+                              </p:par>
+                            </p:childTnLst>
+                          </p:cTn>
+                        </p:par>
+                      </p:childTnLst>
+                    </p:cTn>
+                  </p:par>
+                  <p:par>
+                    <p:cTn id="8" fill="hold">
+                      <p:stCondLst>
+                        <p:cond delay="indefinite"/>
+                      </p:stCondLst>
+                      <p:childTnLst>
+                        <p:par>
+                          <p:cTn id="9" fill="hold">
+                            <p:stCondLst>
+                              <p:cond delay="0"/>
+                            </p:stCondLst>
+                            <p:childTnLst>
+                              <p:par>
+                                <p:cTn id="10" presetID="10" presetClass="entr" presetSubtype="0" fill="hold" grpId="0" nodeType="clickEffect">
+                                  <p:stCondLst>
+                                    <p:cond delay="0"/>
+                                  </p:stCondLst>
+                                  <p:childTnLst>
+                                    <p:set>
+                                      <p:cBhvr>
+                                        <p:cTn id="11" dur="1" fill="hold">
+                                          <p:stCondLst>
+                                            <p:cond delay="0"/>
+                                          </p:stCondLst>
+                                        </p:cTn>
+                                        <p:tgtEl>
+                                          <p:spTgt spid="3"/>
+                                        </p:tgtEl>
+                                        <p:attrNameLst>
+                                          <p:attrName>style.visibility</p:attrName>
+                                        </p:attrNameLst>
+                                      </p:cBhvr>
+                                      <p:to>
+                                        <p:strVal val="visible"/>
+                                      </p:to>
+                                    </p:set>
+                                    <p:animEffect transition="in" filter="fade">
+                                      <p:cBhvr>
+                                        <p:cTn id="12" dur="500"/>
+                                        <p:tgtEl>
+                                          <p:spTgt spid="3"/>
+                                        </p:tgtEl>
+                                      </p:cBhvr>
+                                    </p:animEffect>
+                                  </p:childTnLst>
+                                </p:cTn>
+                              </p:par>
+                            </p:childTnLst>
+                          </p:cTn>
+                        </p:par>
+                      </p:childTnLst>
+                    </p:cTn>
+                  </p:par>
+                </p:childTnLst>
+              </p:cTn>
+              <p:prevCondLst>
+                <p:cond evt="onPrev" delay="0">
+                  <p:tgtEl>
+                    <p:sldTgt/>
+                  </p:tgtEl>
+                </p:cond>
+              </p:prevCondLst>
+              <p:nextCondLst>
+                <p:cond evt="onNext" delay="0">
+                  <p:tgtEl>
+                    <p:sldTgt/>
+                  </p:tgtEl>
+                </p:cond>
+              </p:nextCondLst>
+            </p:seq>
+          </p:childTnLst>
+        </p:cTn>
+      </p:par>
+    </p:tnLst>
+    <p:bldLst>
+      <p:bldP spid="2" grpId="0"/>
+      <p:bldP spid="3" grpId="0"/>
+    </p:bldLst>
+  </p:timing>
 </p:sld>
 </file>
 
-<file path=ppt/slides/slide3.xml><?xml version="1.0" encoding="utf-8"?>
+<file path=ppt/slides/slide4.xml><?xml version="1.0" encoding="utf-8"?>
 <p:sld xmlns:a="http://schemas.openxmlformats.org/drawingml/2006/main" xmlns:r="http://schemas.openxmlformats.org/officeDocument/2006/relationships" xmlns:p="http://schemas.openxmlformats.org/presentationml/2006/main">
   <p:cSld>
     <p:spTree>
@@ -6228,7 +8815,7 @@
 </p:sld>
 </file>
 
-<file path=ppt/slides/slide4.xml><?xml version="1.0" encoding="utf-8"?>
+<file path=ppt/slides/slide5.xml><?xml version="1.0" encoding="utf-8"?>
 <p:sld xmlns:a="http://schemas.openxmlformats.org/drawingml/2006/main" xmlns:r="http://schemas.openxmlformats.org/officeDocument/2006/relationships" xmlns:p="http://schemas.openxmlformats.org/presentationml/2006/main">
   <p:cSld>
     <p:spTree>
@@ -8891,7 +11478,7 @@
 </p:sld>
 </file>
 
-<file path=ppt/slides/slide5.xml><?xml version="1.0" encoding="utf-8"?>
+<file path=ppt/slides/slide6.xml><?xml version="1.0" encoding="utf-8"?>
 <p:sld xmlns:a="http://schemas.openxmlformats.org/drawingml/2006/main" xmlns:r="http://schemas.openxmlformats.org/officeDocument/2006/relationships" xmlns:p="http://schemas.openxmlformats.org/presentationml/2006/main">
   <p:cSld>
     <p:spTree>
